--- a/academy coding/Apresentação Final .pptx
+++ b/academy coding/Apresentação Final .pptx
@@ -5,18 +5,19 @@
     <p:sldMasterId id="2147483648" r:id="rId4"/>
   </p:sldMasterIdLst>
   <p:notesMasterIdLst>
-    <p:notesMasterId r:id="rId14"/>
+    <p:notesMasterId r:id="rId15"/>
   </p:notesMasterIdLst>
   <p:sldIdLst>
     <p:sldId id="256" r:id="rId5"/>
     <p:sldId id="300" r:id="rId6"/>
     <p:sldId id="301" r:id="rId7"/>
     <p:sldId id="303" r:id="rId8"/>
-    <p:sldId id="302" r:id="rId9"/>
-    <p:sldId id="306" r:id="rId10"/>
-    <p:sldId id="304" r:id="rId11"/>
-    <p:sldId id="305" r:id="rId12"/>
-    <p:sldId id="307" r:id="rId13"/>
+    <p:sldId id="308" r:id="rId9"/>
+    <p:sldId id="302" r:id="rId10"/>
+    <p:sldId id="306" r:id="rId11"/>
+    <p:sldId id="304" r:id="rId12"/>
+    <p:sldId id="305" r:id="rId13"/>
+    <p:sldId id="307" r:id="rId14"/>
   </p:sldIdLst>
   <p:sldSz cx="12192000" cy="6858000"/>
   <p:notesSz cx="6858000" cy="9144000"/>
@@ -798,7 +799,7 @@
     </p:spTree>
     <p:extLst>
       <p:ext uri="{BB962C8B-B14F-4D97-AF65-F5344CB8AC3E}">
-        <p14:creationId xmlns:p14="http://schemas.microsoft.com/office/powerpoint/2010/main" val="2426501172"/>
+        <p14:creationId xmlns:p14="http://schemas.microsoft.com/office/powerpoint/2010/main" val="1577067310"/>
       </p:ext>
     </p:extLst>
   </p:cSld>
@@ -882,7 +883,7 @@
     </p:spTree>
     <p:extLst>
       <p:ext uri="{BB962C8B-B14F-4D97-AF65-F5344CB8AC3E}">
-        <p14:creationId xmlns:p14="http://schemas.microsoft.com/office/powerpoint/2010/main" val="2121438610"/>
+        <p14:creationId xmlns:p14="http://schemas.microsoft.com/office/powerpoint/2010/main" val="2426501172"/>
       </p:ext>
     </p:extLst>
   </p:cSld>
@@ -957,7 +958,91 @@
           <a:p>
             <a:fld id="{DC12C262-7304-44E2-B797-9C11537BD984}" type="slidenum">
               <a:rPr lang="pt-BR" smtClean="0"/>
-              <a:t>9</a:t>
+              <a:t>7</a:t>
+            </a:fld>
+            <a:endParaRPr lang="pt-BR"/>
+          </a:p>
+        </p:txBody>
+      </p:sp>
+    </p:spTree>
+    <p:extLst>
+      <p:ext uri="{BB962C8B-B14F-4D97-AF65-F5344CB8AC3E}">
+        <p14:creationId xmlns:p14="http://schemas.microsoft.com/office/powerpoint/2010/main" val="2121438610"/>
+      </p:ext>
+    </p:extLst>
+  </p:cSld>
+  <p:clrMapOvr>
+    <a:masterClrMapping/>
+  </p:clrMapOvr>
+</p:notes>
+</file>
+
+<file path=ppt/notesSlides/notesSlide7.xml><?xml version="1.0" encoding="utf-8"?>
+<p:notes xmlns:a="http://schemas.openxmlformats.org/drawingml/2006/main" xmlns:r="http://schemas.openxmlformats.org/officeDocument/2006/relationships" xmlns:p="http://schemas.openxmlformats.org/presentationml/2006/main">
+  <p:cSld>
+    <p:spTree>
+      <p:nvGrpSpPr>
+        <p:cNvPr id="1" name=""/>
+        <p:cNvGrpSpPr/>
+        <p:nvPr/>
+      </p:nvGrpSpPr>
+      <p:grpSpPr>
+        <a:xfrm>
+          <a:off x="0" y="0"/>
+          <a:ext cx="0" cy="0"/>
+          <a:chOff x="0" y="0"/>
+          <a:chExt cx="0" cy="0"/>
+        </a:xfrm>
+      </p:grpSpPr>
+      <p:sp>
+        <p:nvSpPr>
+          <p:cNvPr id="2" name="Espaço Reservado para Imagem de Slide 1"/>
+          <p:cNvSpPr>
+            <a:spLocks noGrp="1" noRot="1" noChangeAspect="1"/>
+          </p:cNvSpPr>
+          <p:nvPr>
+            <p:ph type="sldImg"/>
+          </p:nvPr>
+        </p:nvSpPr>
+        <p:spPr/>
+      </p:sp>
+      <p:sp>
+        <p:nvSpPr>
+          <p:cNvPr id="3" name="Espaço Reservado para Anotações 2"/>
+          <p:cNvSpPr>
+            <a:spLocks noGrp="1"/>
+          </p:cNvSpPr>
+          <p:nvPr>
+            <p:ph type="body" idx="1"/>
+          </p:nvPr>
+        </p:nvSpPr>
+        <p:spPr/>
+        <p:txBody>
+          <a:bodyPr/>
+          <a:lstStyle/>
+          <a:p>
+            <a:endParaRPr lang="pt-BR" dirty="0"/>
+          </a:p>
+        </p:txBody>
+      </p:sp>
+      <p:sp>
+        <p:nvSpPr>
+          <p:cNvPr id="4" name="Espaço Reservado para Número de Slide 3"/>
+          <p:cNvSpPr>
+            <a:spLocks noGrp="1"/>
+          </p:cNvSpPr>
+          <p:nvPr>
+            <p:ph type="sldNum" sz="quarter" idx="5"/>
+          </p:nvPr>
+        </p:nvSpPr>
+        <p:spPr/>
+        <p:txBody>
+          <a:bodyPr/>
+          <a:lstStyle/>
+          <a:p>
+            <a:fld id="{DC12C262-7304-44E2-B797-9C11537BD984}" type="slidenum">
+              <a:rPr lang="pt-BR" smtClean="0"/>
+              <a:t>10</a:t>
             </a:fld>
             <a:endParaRPr lang="pt-BR"/>
           </a:p>
@@ -4438,6 +4523,727 @@
 </p:sld>
 </file>
 
+<file path=ppt/slides/slide10.xml><?xml version="1.0" encoding="utf-8"?>
+<p:sld xmlns:a="http://schemas.openxmlformats.org/drawingml/2006/main" xmlns:r="http://schemas.openxmlformats.org/officeDocument/2006/relationships" xmlns:p="http://schemas.openxmlformats.org/presentationml/2006/main">
+  <p:cSld>
+    <p:spTree>
+      <p:nvGrpSpPr>
+        <p:cNvPr id="1" name=""/>
+        <p:cNvGrpSpPr/>
+        <p:nvPr/>
+      </p:nvGrpSpPr>
+      <p:grpSpPr>
+        <a:xfrm>
+          <a:off x="0" y="0"/>
+          <a:ext cx="0" cy="0"/>
+          <a:chOff x="0" y="0"/>
+          <a:chExt cx="0" cy="0"/>
+        </a:xfrm>
+      </p:grpSpPr>
+      <p:sp>
+        <p:nvSpPr>
+          <p:cNvPr id="4" name="Retângulo 3">
+            <a:extLst>
+              <a:ext uri="{FF2B5EF4-FFF2-40B4-BE49-F238E27FC236}">
+                <a16:creationId xmlns="" xmlns:a16="http://schemas.microsoft.com/office/drawing/2014/main" id="{1847075C-0238-4300-A35E-7AA1E2CABBEE}"/>
+              </a:ext>
+            </a:extLst>
+          </p:cNvPr>
+          <p:cNvSpPr/>
+          <p:nvPr/>
+        </p:nvSpPr>
+        <p:spPr>
+          <a:xfrm>
+            <a:off x="0" y="0"/>
+            <a:ext cx="12192000" cy="6858000"/>
+          </a:xfrm>
+          <a:prstGeom prst="rect">
+            <a:avLst/>
+          </a:prstGeom>
+          <a:gradFill flip="none" rotWithShape="1">
+            <a:gsLst>
+              <a:gs pos="0">
+                <a:srgbClr val="003B49">
+                  <a:lumMod val="100000"/>
+                  <a:alpha val="14000"/>
+                </a:srgbClr>
+              </a:gs>
+              <a:gs pos="74000">
+                <a:srgbClr val="004656">
+                  <a:alpha val="89000"/>
+                </a:srgbClr>
+              </a:gs>
+              <a:gs pos="83000">
+                <a:srgbClr val="004656"/>
+              </a:gs>
+              <a:gs pos="100000">
+                <a:srgbClr val="003B49"/>
+              </a:gs>
+            </a:gsLst>
+            <a:path path="circle">
+              <a:fillToRect r="100000" b="100000"/>
+            </a:path>
+            <a:tileRect l="-100000" t="-100000"/>
+          </a:gradFill>
+          <a:ln>
+            <a:noFill/>
+          </a:ln>
+        </p:spPr>
+        <p:style>
+          <a:lnRef idx="0">
+            <a:scrgbClr r="0" g="0" b="0"/>
+          </a:lnRef>
+          <a:fillRef idx="0">
+            <a:scrgbClr r="0" g="0" b="0"/>
+          </a:fillRef>
+          <a:effectRef idx="0">
+            <a:scrgbClr r="0" g="0" b="0"/>
+          </a:effectRef>
+          <a:fontRef idx="minor">
+            <a:schemeClr val="lt1"/>
+          </a:fontRef>
+        </p:style>
+        <p:txBody>
+          <a:bodyPr rtlCol="0" anchor="ctr"/>
+          <a:lstStyle/>
+          <a:p>
+            <a:pPr algn="ctr"/>
+            <a:endParaRPr lang="pt-BR"/>
+          </a:p>
+        </p:txBody>
+      </p:sp>
+      <p:sp>
+        <p:nvSpPr>
+          <p:cNvPr id="3" name="CaixaDeTexto 2">
+            <a:extLst>
+              <a:ext uri="{FF2B5EF4-FFF2-40B4-BE49-F238E27FC236}">
+                <a16:creationId xmlns="" xmlns:a16="http://schemas.microsoft.com/office/drawing/2014/main" id="{C96E8235-BAEE-4EE4-A18E-07CCB26E717A}"/>
+              </a:ext>
+            </a:extLst>
+          </p:cNvPr>
+          <p:cNvSpPr txBox="1"/>
+          <p:nvPr/>
+        </p:nvSpPr>
+        <p:spPr>
+          <a:xfrm>
+            <a:off x="491066" y="406399"/>
+            <a:ext cx="7653867" cy="769441"/>
+          </a:xfrm>
+          <a:prstGeom prst="rect">
+            <a:avLst/>
+          </a:prstGeom>
+          <a:noFill/>
+        </p:spPr>
+        <p:txBody>
+          <a:bodyPr wrap="square" rtlCol="0">
+            <a:spAutoFit/>
+          </a:bodyPr>
+          <a:lstStyle/>
+          <a:p>
+            <a:r>
+              <a:rPr lang="pt-BR" sz="4400" b="1" dirty="0">
+                <a:solidFill>
+                  <a:schemeClr val="bg1"/>
+                </a:solidFill>
+                <a:latin typeface="Segoe UI Black" panose="020B0A02040204020203" pitchFamily="34" charset="0"/>
+                <a:ea typeface="Segoe UI Black" panose="020B0A02040204020203" pitchFamily="34" charset="0"/>
+              </a:rPr>
+              <a:t>Conclusão</a:t>
+            </a:r>
+          </a:p>
+        </p:txBody>
+      </p:sp>
+      <p:sp>
+        <p:nvSpPr>
+          <p:cNvPr id="16" name="CaixaDeTexto 15">
+            <a:extLst>
+              <a:ext uri="{FF2B5EF4-FFF2-40B4-BE49-F238E27FC236}">
+                <a16:creationId xmlns="" xmlns:a16="http://schemas.microsoft.com/office/drawing/2014/main" id="{617E30F2-36C1-4F39-A611-677E47BE2EC2}"/>
+              </a:ext>
+            </a:extLst>
+          </p:cNvPr>
+          <p:cNvSpPr txBox="1"/>
+          <p:nvPr/>
+        </p:nvSpPr>
+        <p:spPr>
+          <a:xfrm>
+            <a:off x="870434" y="2096281"/>
+            <a:ext cx="7514165" cy="2862322"/>
+          </a:xfrm>
+          <a:prstGeom prst="rect">
+            <a:avLst/>
+          </a:prstGeom>
+          <a:noFill/>
+        </p:spPr>
+        <p:txBody>
+          <a:bodyPr wrap="square">
+            <a:spAutoFit/>
+          </a:bodyPr>
+          <a:lstStyle/>
+          <a:p>
+            <a:r>
+              <a:rPr lang="pt-BR" dirty="0">
+                <a:solidFill>
+                  <a:srgbClr val="FFFF00"/>
+                </a:solidFill>
+                <a:latin typeface="Segoe UI Semibold" panose="020B0702040204020203" pitchFamily="34" charset="0"/>
+                <a:cs typeface="Segoe UI Semibold" panose="020B0702040204020203" pitchFamily="34" charset="0"/>
+              </a:rPr>
+              <a:t>A solução construída seria útil?</a:t>
+            </a:r>
+          </a:p>
+          <a:p>
+            <a:r>
+              <a:rPr lang="pt-BR" dirty="0" smtClean="0">
+                <a:solidFill>
+                  <a:schemeClr val="bg1"/>
+                </a:solidFill>
+                <a:latin typeface="Segoe UI" panose="020B0502040204020203" pitchFamily="34" charset="0"/>
+                <a:cs typeface="Segoe UI" panose="020B0502040204020203" pitchFamily="34" charset="0"/>
+              </a:rPr>
+              <a:t> Sim </a:t>
+            </a:r>
+            <a:r>
+              <a:rPr lang="pt-BR" dirty="0">
+                <a:solidFill>
+                  <a:schemeClr val="bg1"/>
+                </a:solidFill>
+                <a:latin typeface="Segoe UI" panose="020B0502040204020203" pitchFamily="34" charset="0"/>
+                <a:cs typeface="Segoe UI" panose="020B0502040204020203" pitchFamily="34" charset="0"/>
+              </a:rPr>
+              <a:t>ou Não, e o porque</a:t>
+            </a:r>
+          </a:p>
+          <a:p>
+            <a:endParaRPr lang="pt-BR" dirty="0">
+              <a:solidFill>
+                <a:schemeClr val="bg1"/>
+              </a:solidFill>
+            </a:endParaRPr>
+          </a:p>
+          <a:p>
+            <a:endParaRPr lang="pt-BR" dirty="0">
+              <a:solidFill>
+                <a:schemeClr val="bg1"/>
+              </a:solidFill>
+            </a:endParaRPr>
+          </a:p>
+          <a:p>
+            <a:r>
+              <a:rPr lang="pt-BR" dirty="0">
+                <a:solidFill>
+                  <a:srgbClr val="FFFF00"/>
+                </a:solidFill>
+                <a:latin typeface="Segoe UI Semibold" panose="020B0702040204020203" pitchFamily="34" charset="0"/>
+                <a:cs typeface="Segoe UI Semibold" panose="020B0702040204020203" pitchFamily="34" charset="0"/>
+              </a:rPr>
+              <a:t>O que falta para conclusão do projeto?</a:t>
+            </a:r>
+          </a:p>
+          <a:p>
+            <a:r>
+              <a:rPr lang="pt-BR" dirty="0" smtClean="0">
+                <a:solidFill>
+                  <a:schemeClr val="bg1"/>
+                </a:solidFill>
+                <a:latin typeface="Segoe UI" panose="020B0502040204020203" pitchFamily="34" charset="0"/>
+                <a:cs typeface="Segoe UI" panose="020B0502040204020203" pitchFamily="34" charset="0"/>
+              </a:rPr>
+              <a:t> Falta </a:t>
+            </a:r>
+            <a:r>
+              <a:rPr lang="pt-BR" dirty="0" smtClean="0">
+                <a:solidFill>
+                  <a:schemeClr val="bg1"/>
+                </a:solidFill>
+                <a:latin typeface="Segoe UI" panose="020B0502040204020203" pitchFamily="34" charset="0"/>
+                <a:cs typeface="Segoe UI" panose="020B0502040204020203" pitchFamily="34" charset="0"/>
+              </a:rPr>
+              <a:t>melhorar o relatório e a</a:t>
+            </a:r>
+            <a:r>
+              <a:rPr lang="pt-BR" dirty="0" smtClean="0">
+                <a:solidFill>
+                  <a:schemeClr val="bg1"/>
+                </a:solidFill>
+                <a:latin typeface="Segoe UI" panose="020B0502040204020203" pitchFamily="34" charset="0"/>
+                <a:cs typeface="Segoe UI" panose="020B0502040204020203" pitchFamily="34" charset="0"/>
+              </a:rPr>
+              <a:t> </a:t>
+            </a:r>
+            <a:r>
+              <a:rPr lang="pt-BR" dirty="0">
+                <a:solidFill>
+                  <a:schemeClr val="bg1"/>
+                </a:solidFill>
+                <a:latin typeface="Segoe UI" panose="020B0502040204020203" pitchFamily="34" charset="0"/>
+                <a:cs typeface="Segoe UI" panose="020B0502040204020203" pitchFamily="34" charset="0"/>
+              </a:rPr>
+              <a:t>integração de </a:t>
+            </a:r>
+            <a:r>
+              <a:rPr lang="pt-BR" dirty="0" err="1">
+                <a:solidFill>
+                  <a:schemeClr val="bg1"/>
+                </a:solidFill>
+                <a:latin typeface="Segoe UI" panose="020B0502040204020203" pitchFamily="34" charset="0"/>
+                <a:cs typeface="Segoe UI" panose="020B0502040204020203" pitchFamily="34" charset="0"/>
+              </a:rPr>
+              <a:t>APIs</a:t>
+            </a:r>
+            <a:r>
+              <a:rPr lang="pt-BR" dirty="0">
+                <a:solidFill>
+                  <a:schemeClr val="bg1"/>
+                </a:solidFill>
+                <a:latin typeface="Segoe UI" panose="020B0502040204020203" pitchFamily="34" charset="0"/>
+                <a:cs typeface="Segoe UI" panose="020B0502040204020203" pitchFamily="34" charset="0"/>
+              </a:rPr>
+              <a:t> </a:t>
+            </a:r>
+            <a:r>
+              <a:rPr lang="pt-BR" dirty="0" smtClean="0">
+                <a:solidFill>
+                  <a:schemeClr val="bg1"/>
+                </a:solidFill>
+                <a:latin typeface="Segoe UI" panose="020B0502040204020203" pitchFamily="34" charset="0"/>
+                <a:cs typeface="Segoe UI" panose="020B0502040204020203" pitchFamily="34" charset="0"/>
+              </a:rPr>
+              <a:t>para o envio de e-mail</a:t>
+            </a:r>
+            <a:r>
+              <a:rPr lang="pt-BR" dirty="0" smtClean="0">
+                <a:solidFill>
+                  <a:schemeClr val="bg1"/>
+                </a:solidFill>
+                <a:latin typeface="Segoe UI" panose="020B0502040204020203" pitchFamily="34" charset="0"/>
+                <a:cs typeface="Segoe UI" panose="020B0502040204020203" pitchFamily="34" charset="0"/>
+              </a:rPr>
+              <a:t>.</a:t>
+            </a:r>
+            <a:endParaRPr lang="pt-BR" dirty="0">
+              <a:solidFill>
+                <a:schemeClr val="bg1"/>
+              </a:solidFill>
+              <a:latin typeface="Segoe UI" panose="020B0502040204020203" pitchFamily="34" charset="0"/>
+              <a:cs typeface="Segoe UI" panose="020B0502040204020203" pitchFamily="34" charset="0"/>
+            </a:endParaRPr>
+          </a:p>
+          <a:p>
+            <a:endParaRPr lang="pt-BR" dirty="0">
+              <a:solidFill>
+                <a:schemeClr val="bg1"/>
+              </a:solidFill>
+            </a:endParaRPr>
+          </a:p>
+          <a:p>
+            <a:endParaRPr lang="pt-BR" dirty="0">
+              <a:solidFill>
+                <a:schemeClr val="bg1"/>
+              </a:solidFill>
+            </a:endParaRPr>
+          </a:p>
+          <a:p>
+            <a:r>
+              <a:rPr lang="pt-BR" dirty="0">
+                <a:solidFill>
+                  <a:srgbClr val="FFFF00"/>
+                </a:solidFill>
+                <a:latin typeface="Segoe UI Semibold" panose="020B0702040204020203" pitchFamily="34" charset="0"/>
+                <a:cs typeface="Segoe UI Semibold" panose="020B0702040204020203" pitchFamily="34" charset="0"/>
+              </a:rPr>
+              <a:t>Quais conhecimentos </a:t>
+            </a:r>
+            <a:r>
+              <a:rPr lang="pt-BR" dirty="0" smtClean="0">
+                <a:solidFill>
+                  <a:srgbClr val="FFFF00"/>
+                </a:solidFill>
+                <a:latin typeface="Segoe UI Semibold" panose="020B0702040204020203" pitchFamily="34" charset="0"/>
+                <a:cs typeface="Segoe UI Semibold" panose="020B0702040204020203" pitchFamily="34" charset="0"/>
+              </a:rPr>
+              <a:t>adquiridos </a:t>
+            </a:r>
+            <a:r>
+              <a:rPr lang="pt-BR" dirty="0">
+                <a:solidFill>
+                  <a:srgbClr val="FFFF00"/>
+                </a:solidFill>
+                <a:latin typeface="Segoe UI Semibold" panose="020B0702040204020203" pitchFamily="34" charset="0"/>
+                <a:cs typeface="Segoe UI Semibold" panose="020B0702040204020203" pitchFamily="34" charset="0"/>
+              </a:rPr>
+              <a:t>durante a </a:t>
+            </a:r>
+            <a:r>
+              <a:rPr lang="pt-BR" dirty="0" smtClean="0">
+                <a:solidFill>
+                  <a:srgbClr val="FFFF00"/>
+                </a:solidFill>
+                <a:latin typeface="Segoe UI Semibold" panose="020B0702040204020203" pitchFamily="34" charset="0"/>
+                <a:cs typeface="Segoe UI Semibold" panose="020B0702040204020203" pitchFamily="34" charset="0"/>
+              </a:rPr>
+              <a:t>construção </a:t>
+            </a:r>
+            <a:r>
+              <a:rPr lang="pt-BR" dirty="0">
+                <a:solidFill>
+                  <a:srgbClr val="FFFF00"/>
+                </a:solidFill>
+                <a:latin typeface="Segoe UI Semibold" panose="020B0702040204020203" pitchFamily="34" charset="0"/>
+                <a:cs typeface="Segoe UI Semibold" panose="020B0702040204020203" pitchFamily="34" charset="0"/>
+              </a:rPr>
+              <a:t>do projeto</a:t>
+            </a:r>
+            <a:r>
+              <a:rPr lang="pt-BR" dirty="0" smtClean="0">
+                <a:solidFill>
+                  <a:srgbClr val="FFFF00"/>
+                </a:solidFill>
+                <a:latin typeface="Segoe UI Semibold" panose="020B0702040204020203" pitchFamily="34" charset="0"/>
+                <a:cs typeface="Segoe UI Semibold" panose="020B0702040204020203" pitchFamily="34" charset="0"/>
+              </a:rPr>
+              <a:t>?</a:t>
+            </a:r>
+          </a:p>
+          <a:p>
+            <a:r>
+              <a:rPr lang="pt-BR" dirty="0">
+                <a:solidFill>
+                  <a:schemeClr val="bg1"/>
+                </a:solidFill>
+                <a:latin typeface="Segoe UI" panose="020B0502040204020203" pitchFamily="34" charset="0"/>
+                <a:cs typeface="Segoe UI" panose="020B0502040204020203" pitchFamily="34" charset="0"/>
+              </a:rPr>
+              <a:t> </a:t>
+            </a:r>
+            <a:r>
+              <a:rPr lang="pt-BR" dirty="0" smtClean="0">
+                <a:solidFill>
+                  <a:schemeClr val="bg1"/>
+                </a:solidFill>
+                <a:latin typeface="Segoe UI" panose="020B0502040204020203" pitchFamily="34" charset="0"/>
+                <a:cs typeface="Segoe UI" panose="020B0502040204020203" pitchFamily="34" charset="0"/>
+              </a:rPr>
+              <a:t>API, </a:t>
+            </a:r>
+            <a:r>
+              <a:rPr lang="pt-BR" dirty="0" err="1">
+                <a:solidFill>
+                  <a:schemeClr val="bg1"/>
+                </a:solidFill>
+                <a:latin typeface="Segoe UI" panose="020B0502040204020203" pitchFamily="34" charset="0"/>
+                <a:cs typeface="Segoe UI" panose="020B0502040204020203" pitchFamily="34" charset="0"/>
+              </a:rPr>
+              <a:t>R</a:t>
+            </a:r>
+            <a:r>
+              <a:rPr lang="pt-BR" dirty="0" err="1" smtClean="0">
+                <a:solidFill>
+                  <a:schemeClr val="bg1"/>
+                </a:solidFill>
+                <a:latin typeface="Segoe UI" panose="020B0502040204020203" pitchFamily="34" charset="0"/>
+                <a:cs typeface="Segoe UI" panose="020B0502040204020203" pitchFamily="34" charset="0"/>
+              </a:rPr>
+              <a:t>ed</a:t>
+            </a:r>
+            <a:r>
+              <a:rPr lang="pt-BR" dirty="0" smtClean="0">
+                <a:solidFill>
+                  <a:schemeClr val="bg1"/>
+                </a:solidFill>
+                <a:latin typeface="Segoe UI" panose="020B0502040204020203" pitchFamily="34" charset="0"/>
+                <a:cs typeface="Segoe UI" panose="020B0502040204020203" pitchFamily="34" charset="0"/>
+              </a:rPr>
+              <a:t> Studio, SMTP, Bibliotecas do C++</a:t>
+            </a:r>
+            <a:endParaRPr lang="pt-BR" dirty="0">
+              <a:solidFill>
+                <a:schemeClr val="bg1"/>
+              </a:solidFill>
+              <a:latin typeface="Segoe UI" panose="020B0502040204020203" pitchFamily="34" charset="0"/>
+              <a:cs typeface="Segoe UI" panose="020B0502040204020203" pitchFamily="34" charset="0"/>
+            </a:endParaRPr>
+          </a:p>
+        </p:txBody>
+      </p:sp>
+      <p:cxnSp>
+        <p:nvCxnSpPr>
+          <p:cNvPr id="5" name="Conector reto 4">
+            <a:extLst>
+              <a:ext uri="{FF2B5EF4-FFF2-40B4-BE49-F238E27FC236}">
+                <a16:creationId xmlns="" xmlns:a16="http://schemas.microsoft.com/office/drawing/2014/main" id="{BF050101-D950-4FE7-B3D0-8D08B22BCEF9}"/>
+              </a:ext>
+            </a:extLst>
+          </p:cNvPr>
+          <p:cNvCxnSpPr>
+            <a:cxnSpLocks/>
+          </p:cNvCxnSpPr>
+          <p:nvPr/>
+        </p:nvCxnSpPr>
+        <p:spPr>
+          <a:xfrm>
+            <a:off x="618978" y="1175840"/>
+            <a:ext cx="0" cy="5275761"/>
+          </a:xfrm>
+          <a:prstGeom prst="line">
+            <a:avLst/>
+          </a:prstGeom>
+          <a:ln w="12700">
+            <a:solidFill>
+              <a:srgbClr val="E8E100"/>
+            </a:solidFill>
+          </a:ln>
+        </p:spPr>
+        <p:style>
+          <a:lnRef idx="1">
+            <a:schemeClr val="accent1"/>
+          </a:lnRef>
+          <a:fillRef idx="0">
+            <a:schemeClr val="accent1"/>
+          </a:fillRef>
+          <a:effectRef idx="0">
+            <a:schemeClr val="accent1"/>
+          </a:effectRef>
+          <a:fontRef idx="minor">
+            <a:schemeClr val="tx1"/>
+          </a:fontRef>
+        </p:style>
+      </p:cxnSp>
+      <p:cxnSp>
+        <p:nvCxnSpPr>
+          <p:cNvPr id="6" name="Conector reto 5">
+            <a:extLst>
+              <a:ext uri="{FF2B5EF4-FFF2-40B4-BE49-F238E27FC236}">
+                <a16:creationId xmlns="" xmlns:a16="http://schemas.microsoft.com/office/drawing/2014/main" id="{CC5D2FD8-28C9-4043-B300-C2F80ABD9332}"/>
+              </a:ext>
+            </a:extLst>
+          </p:cNvPr>
+          <p:cNvCxnSpPr>
+            <a:cxnSpLocks/>
+          </p:cNvCxnSpPr>
+          <p:nvPr/>
+        </p:nvCxnSpPr>
+        <p:spPr>
+          <a:xfrm flipH="1">
+            <a:off x="618980" y="1175840"/>
+            <a:ext cx="2110152" cy="0"/>
+          </a:xfrm>
+          <a:prstGeom prst="line">
+            <a:avLst/>
+          </a:prstGeom>
+          <a:ln w="12700">
+            <a:solidFill>
+              <a:srgbClr val="E8E100"/>
+            </a:solidFill>
+          </a:ln>
+        </p:spPr>
+        <p:style>
+          <a:lnRef idx="1">
+            <a:schemeClr val="accent1"/>
+          </a:lnRef>
+          <a:fillRef idx="0">
+            <a:schemeClr val="accent1"/>
+          </a:fillRef>
+          <a:effectRef idx="0">
+            <a:schemeClr val="accent1"/>
+          </a:effectRef>
+          <a:fontRef idx="minor">
+            <a:schemeClr val="tx1"/>
+          </a:fontRef>
+        </p:style>
+      </p:cxnSp>
+      <p:cxnSp>
+        <p:nvCxnSpPr>
+          <p:cNvPr id="7" name="Conector reto 6">
+            <a:extLst>
+              <a:ext uri="{FF2B5EF4-FFF2-40B4-BE49-F238E27FC236}">
+                <a16:creationId xmlns="" xmlns:a16="http://schemas.microsoft.com/office/drawing/2014/main" id="{930EFE72-E5B4-4CC4-9671-90128DF27EAA}"/>
+              </a:ext>
+            </a:extLst>
+          </p:cNvPr>
+          <p:cNvCxnSpPr>
+            <a:cxnSpLocks/>
+          </p:cNvCxnSpPr>
+          <p:nvPr/>
+        </p:nvCxnSpPr>
+        <p:spPr>
+          <a:xfrm flipH="1">
+            <a:off x="618978" y="2284843"/>
+            <a:ext cx="195332" cy="0"/>
+          </a:xfrm>
+          <a:prstGeom prst="line">
+            <a:avLst/>
+          </a:prstGeom>
+          <a:ln w="12700">
+            <a:solidFill>
+              <a:srgbClr val="E8E100"/>
+            </a:solidFill>
+          </a:ln>
+        </p:spPr>
+        <p:style>
+          <a:lnRef idx="1">
+            <a:schemeClr val="accent1"/>
+          </a:lnRef>
+          <a:fillRef idx="0">
+            <a:schemeClr val="accent1"/>
+          </a:fillRef>
+          <a:effectRef idx="0">
+            <a:schemeClr val="accent1"/>
+          </a:effectRef>
+          <a:fontRef idx="minor">
+            <a:schemeClr val="tx1"/>
+          </a:fontRef>
+        </p:style>
+      </p:cxnSp>
+      <p:cxnSp>
+        <p:nvCxnSpPr>
+          <p:cNvPr id="8" name="Conector reto 7">
+            <a:extLst>
+              <a:ext uri="{FF2B5EF4-FFF2-40B4-BE49-F238E27FC236}">
+                <a16:creationId xmlns="" xmlns:a16="http://schemas.microsoft.com/office/drawing/2014/main" id="{B85D4417-64E7-4C21-8E6D-239A64E5A2F9}"/>
+              </a:ext>
+            </a:extLst>
+          </p:cNvPr>
+          <p:cNvCxnSpPr>
+            <a:cxnSpLocks/>
+          </p:cNvCxnSpPr>
+          <p:nvPr/>
+        </p:nvCxnSpPr>
+        <p:spPr>
+          <a:xfrm flipH="1">
+            <a:off x="616632" y="3379773"/>
+            <a:ext cx="195332" cy="0"/>
+          </a:xfrm>
+          <a:prstGeom prst="line">
+            <a:avLst/>
+          </a:prstGeom>
+          <a:ln w="12700">
+            <a:solidFill>
+              <a:srgbClr val="E8E100"/>
+            </a:solidFill>
+          </a:ln>
+        </p:spPr>
+        <p:style>
+          <a:lnRef idx="1">
+            <a:schemeClr val="accent1"/>
+          </a:lnRef>
+          <a:fillRef idx="0">
+            <a:schemeClr val="accent1"/>
+          </a:fillRef>
+          <a:effectRef idx="0">
+            <a:schemeClr val="accent1"/>
+          </a:effectRef>
+          <a:fontRef idx="minor">
+            <a:schemeClr val="tx1"/>
+          </a:fontRef>
+        </p:style>
+      </p:cxnSp>
+      <p:cxnSp>
+        <p:nvCxnSpPr>
+          <p:cNvPr id="9" name="Conector reto 8">
+            <a:extLst>
+              <a:ext uri="{FF2B5EF4-FFF2-40B4-BE49-F238E27FC236}">
+                <a16:creationId xmlns="" xmlns:a16="http://schemas.microsoft.com/office/drawing/2014/main" id="{769AFE58-7900-4FDC-B4B8-34CB6ABA3AA8}"/>
+              </a:ext>
+            </a:extLst>
+          </p:cNvPr>
+          <p:cNvCxnSpPr>
+            <a:cxnSpLocks/>
+          </p:cNvCxnSpPr>
+          <p:nvPr/>
+        </p:nvCxnSpPr>
+        <p:spPr>
+          <a:xfrm flipH="1">
+            <a:off x="615822" y="4742006"/>
+            <a:ext cx="195332" cy="0"/>
+          </a:xfrm>
+          <a:prstGeom prst="line">
+            <a:avLst/>
+          </a:prstGeom>
+          <a:ln w="12700">
+            <a:solidFill>
+              <a:srgbClr val="E8E100"/>
+            </a:solidFill>
+          </a:ln>
+        </p:spPr>
+        <p:style>
+          <a:lnRef idx="1">
+            <a:schemeClr val="accent1"/>
+          </a:lnRef>
+          <a:fillRef idx="0">
+            <a:schemeClr val="accent1"/>
+          </a:fillRef>
+          <a:effectRef idx="0">
+            <a:schemeClr val="accent1"/>
+          </a:effectRef>
+          <a:fontRef idx="minor">
+            <a:schemeClr val="tx1"/>
+          </a:fontRef>
+        </p:style>
+      </p:cxnSp>
+      <p:cxnSp>
+        <p:nvCxnSpPr>
+          <p:cNvPr id="11" name="Conector reto 10">
+            <a:extLst>
+              <a:ext uri="{FF2B5EF4-FFF2-40B4-BE49-F238E27FC236}">
+                <a16:creationId xmlns="" xmlns:a16="http://schemas.microsoft.com/office/drawing/2014/main" id="{BDFA2A2D-40DB-46ED-9B3E-1FFE4D65941E}"/>
+              </a:ext>
+            </a:extLst>
+          </p:cNvPr>
+          <p:cNvCxnSpPr>
+            <a:cxnSpLocks/>
+          </p:cNvCxnSpPr>
+          <p:nvPr/>
+        </p:nvCxnSpPr>
+        <p:spPr>
+          <a:xfrm flipH="1">
+            <a:off x="618980" y="6451601"/>
+            <a:ext cx="1069143" cy="0"/>
+          </a:xfrm>
+          <a:prstGeom prst="line">
+            <a:avLst/>
+          </a:prstGeom>
+          <a:ln w="12700">
+            <a:solidFill>
+              <a:srgbClr val="E8E100"/>
+            </a:solidFill>
+          </a:ln>
+        </p:spPr>
+        <p:style>
+          <a:lnRef idx="1">
+            <a:schemeClr val="accent1"/>
+          </a:lnRef>
+          <a:fillRef idx="0">
+            <a:schemeClr val="accent1"/>
+          </a:fillRef>
+          <a:effectRef idx="0">
+            <a:schemeClr val="accent1"/>
+          </a:effectRef>
+          <a:fontRef idx="minor">
+            <a:schemeClr val="tx1"/>
+          </a:fontRef>
+        </p:style>
+      </p:cxnSp>
+    </p:spTree>
+    <p:extLst>
+      <p:ext uri="{BB962C8B-B14F-4D97-AF65-F5344CB8AC3E}">
+        <p14:creationId xmlns:p14="http://schemas.microsoft.com/office/powerpoint/2010/main" val="4459555"/>
+      </p:ext>
+    </p:extLst>
+  </p:cSld>
+  <p:clrMapOvr>
+    <a:masterClrMapping/>
+  </p:clrMapOvr>
+  <p:timing>
+    <p:tnLst>
+      <p:par>
+        <p:cTn id="1" dur="indefinite" restart="never" nodeType="tmRoot"/>
+      </p:par>
+    </p:tnLst>
+  </p:timing>
+</p:sld>
+</file>
+
 <file path=ppt/slides/slide2.xml><?xml version="1.0" encoding="utf-8"?>
 <p:sld xmlns:a="http://schemas.openxmlformats.org/drawingml/2006/main" xmlns:r="http://schemas.openxmlformats.org/officeDocument/2006/relationships" xmlns:p="http://schemas.openxmlformats.org/presentationml/2006/main">
   <p:cSld>
@@ -4851,7 +5657,17 @@
                 <a:latin typeface="Segoe UI" panose="020B0502040204020203" pitchFamily="34" charset="0"/>
                 <a:cs typeface="Segoe UI" panose="020B0502040204020203" pitchFamily="34" charset="0"/>
               </a:rPr>
-              <a:t>https://github.com/Fulano/AcademyCoding</a:t>
+              <a:t>https://</a:t>
+            </a:r>
+            <a:r>
+              <a:rPr lang="pt-BR" dirty="0" smtClean="0">
+                <a:solidFill>
+                  <a:schemeClr val="bg1"/>
+                </a:solidFill>
+                <a:latin typeface="Segoe UI" panose="020B0502040204020203" pitchFamily="34" charset="0"/>
+                <a:cs typeface="Segoe UI" panose="020B0502040204020203" pitchFamily="34" charset="0"/>
+              </a:rPr>
+              <a:t>github.com/GianLucena/batimento-cardiaco</a:t>
             </a:r>
           </a:p>
           <a:p>
@@ -5384,8 +6200,8 @@
         </p:nvSpPr>
         <p:spPr>
           <a:xfrm>
-            <a:off x="491066" y="406399"/>
-            <a:ext cx="7653867" cy="769441"/>
+            <a:off x="491065" y="406399"/>
+            <a:ext cx="3776135" cy="769441"/>
           </a:xfrm>
           <a:prstGeom prst="rect">
             <a:avLst/>
@@ -5406,7 +6222,7 @@
                 <a:latin typeface="Segoe UI Black" panose="020B0A02040204020203" pitchFamily="34" charset="0"/>
                 <a:ea typeface="Segoe UI Black" panose="020B0A02040204020203" pitchFamily="34" charset="0"/>
               </a:rPr>
-              <a:t>Resultados – 1 a 5 Slides</a:t>
+              <a:t>Resultados </a:t>
             </a:r>
           </a:p>
         </p:txBody>
@@ -5426,7 +6242,7 @@
         <p:spPr>
           <a:xfrm>
             <a:off x="3053443" y="2967335"/>
-            <a:ext cx="6106884" cy="1200329"/>
+            <a:ext cx="6106884" cy="646331"/>
           </a:xfrm>
           <a:prstGeom prst="rect">
             <a:avLst/>
@@ -5447,52 +6263,15 @@
                 <a:latin typeface="Segoe UI" panose="020B0502040204020203" pitchFamily="34" charset="0"/>
                 <a:cs typeface="Segoe UI" panose="020B0502040204020203" pitchFamily="34" charset="0"/>
               </a:rPr>
-              <a:t>Prints\</a:t>
-            </a:r>
-            <a:r>
-              <a:rPr lang="pt-BR" dirty="0" err="1">
-                <a:solidFill>
-                  <a:schemeClr val="bg1"/>
-                </a:solidFill>
-                <a:latin typeface="Segoe UI" panose="020B0502040204020203" pitchFamily="34" charset="0"/>
-                <a:cs typeface="Segoe UI" panose="020B0502040204020203" pitchFamily="34" charset="0"/>
-              </a:rPr>
-              <a:t>Video</a:t>
-            </a:r>
-            <a:r>
-              <a:rPr lang="pt-BR" dirty="0">
-                <a:solidFill>
-                  <a:schemeClr val="bg1"/>
-                </a:solidFill>
-                <a:latin typeface="Segoe UI" panose="020B0502040204020203" pitchFamily="34" charset="0"/>
-                <a:cs typeface="Segoe UI" panose="020B0502040204020203" pitchFamily="34" charset="0"/>
-              </a:rPr>
-              <a:t> das Interfaces (obrigatório)</a:t>
-            </a:r>
-          </a:p>
-          <a:p>
-            <a:r>
-              <a:rPr lang="pt-BR" dirty="0">
-                <a:solidFill>
-                  <a:schemeClr val="bg1"/>
-                </a:solidFill>
-                <a:latin typeface="Segoe UI" panose="020B0502040204020203" pitchFamily="34" charset="0"/>
-                <a:cs typeface="Segoe UI" panose="020B0502040204020203" pitchFamily="34" charset="0"/>
-              </a:rPr>
-              <a:t>Gráficos (opcional)</a:t>
-            </a:r>
-          </a:p>
-          <a:p>
-            <a:r>
-              <a:rPr lang="pt-BR" dirty="0">
-                <a:solidFill>
-                  <a:schemeClr val="bg1"/>
-                </a:solidFill>
-                <a:latin typeface="Segoe UI" panose="020B0502040204020203" pitchFamily="34" charset="0"/>
-                <a:cs typeface="Segoe UI" panose="020B0502040204020203" pitchFamily="34" charset="0"/>
-              </a:rPr>
-              <a:t>Diagramas UML (E.R.,  Caso de Uso, Classe, Fluxo) (opcional)</a:t>
-            </a:r>
+              <a:t>https://drive.google.com/file/d/1gawWRcY1G1NKJGPUPRyjSnQUoenUBtgK/view?usp=sharing</a:t>
+            </a:r>
+            <a:endParaRPr lang="pt-BR" dirty="0">
+              <a:solidFill>
+                <a:schemeClr val="bg1"/>
+              </a:solidFill>
+              <a:latin typeface="Segoe UI" panose="020B0502040204020203" pitchFamily="34" charset="0"/>
+              <a:cs typeface="Segoe UI" panose="020B0502040204020203" pitchFamily="34" charset="0"/>
+            </a:endParaRPr>
           </a:p>
         </p:txBody>
       </p:sp>
@@ -5706,7 +6485,7 @@
         </p:nvSpPr>
         <p:spPr>
           <a:xfrm>
-            <a:off x="491066" y="406399"/>
+            <a:off x="491065" y="406399"/>
             <a:ext cx="7653867" cy="769441"/>
           </a:xfrm>
           <a:prstGeom prst="rect">
@@ -5733,72 +6512,6 @@
           </a:p>
         </p:txBody>
       </p:sp>
-      <p:pic>
-        <p:nvPicPr>
-          <p:cNvPr id="7" name="Imagem 6">
-            <a:extLst>
-              <a:ext uri="{FF2B5EF4-FFF2-40B4-BE49-F238E27FC236}">
-                <a16:creationId xmlns="" xmlns:a16="http://schemas.microsoft.com/office/drawing/2014/main" id="{F36DE45C-B7A7-4E06-BAFA-37146B6F6B03}"/>
-              </a:ext>
-            </a:extLst>
-          </p:cNvPr>
-          <p:cNvPicPr>
-            <a:picLocks noChangeAspect="1"/>
-          </p:cNvPicPr>
-          <p:nvPr/>
-        </p:nvPicPr>
-        <p:blipFill>
-          <a:blip r:embed="rId3"/>
-          <a:stretch>
-            <a:fillRect/>
-          </a:stretch>
-        </p:blipFill>
-        <p:spPr>
-          <a:xfrm>
-            <a:off x="966099" y="1455389"/>
-            <a:ext cx="4575206" cy="4394536"/>
-          </a:xfrm>
-          <a:prstGeom prst="rect">
-            <a:avLst/>
-          </a:prstGeom>
-        </p:spPr>
-      </p:pic>
-      <p:pic>
-        <p:nvPicPr>
-          <p:cNvPr id="9" name="Imagem 8" descr="Gráfico, Gráfico de linhas&#10;&#10;Descrição gerada automaticamente">
-            <a:extLst>
-              <a:ext uri="{FF2B5EF4-FFF2-40B4-BE49-F238E27FC236}">
-                <a16:creationId xmlns="" xmlns:a16="http://schemas.microsoft.com/office/drawing/2014/main" id="{CC6C3728-5753-4447-B7D8-B7E6DBD5E4E0}"/>
-              </a:ext>
-            </a:extLst>
-          </p:cNvPr>
-          <p:cNvPicPr>
-            <a:picLocks noChangeAspect="1"/>
-          </p:cNvPicPr>
-          <p:nvPr/>
-        </p:nvPicPr>
-        <p:blipFill>
-          <a:blip r:embed="rId4">
-            <a:extLst>
-              <a:ext uri="{28A0092B-C50C-407E-A947-70E740481C1C}">
-                <a14:useLocalDpi xmlns:a14="http://schemas.microsoft.com/office/drawing/2010/main" val="0"/>
-              </a:ext>
-            </a:extLst>
-          </a:blip>
-          <a:stretch>
-            <a:fillRect/>
-          </a:stretch>
-        </p:blipFill>
-        <p:spPr>
-          <a:xfrm>
-            <a:off x="6400275" y="2326741"/>
-            <a:ext cx="5412132" cy="3338518"/>
-          </a:xfrm>
-          <a:prstGeom prst="rect">
-            <a:avLst/>
-          </a:prstGeom>
-        </p:spPr>
-      </p:pic>
       <p:sp>
         <p:nvSpPr>
           <p:cNvPr id="10" name="CaixaDeTexto 9">
@@ -5813,8 +6526,8 @@
         </p:nvSpPr>
         <p:spPr>
           <a:xfrm>
-            <a:off x="1524333" y="5794380"/>
-            <a:ext cx="3531544" cy="369332"/>
+            <a:off x="4810135" y="5810260"/>
+            <a:ext cx="2571730" cy="369332"/>
           </a:xfrm>
           <a:prstGeom prst="rect">
             <a:avLst/>
@@ -5828,56 +6541,22 @@
           <a:lstStyle/>
           <a:p>
             <a:r>
-              <a:rPr lang="pt-BR" dirty="0">
+              <a:rPr lang="pt-BR" dirty="0" smtClean="0">
                 <a:solidFill>
                   <a:schemeClr val="bg1"/>
                 </a:solidFill>
                 <a:latin typeface="Segoe UI" panose="020B0502040204020203" pitchFamily="34" charset="0"/>
                 <a:cs typeface="Segoe UI" panose="020B0502040204020203" pitchFamily="34" charset="0"/>
               </a:rPr>
-              <a:t>Print de telas e saídas da solução</a:t>
-            </a:r>
-          </a:p>
-        </p:txBody>
-      </p:sp>
-      <p:sp>
-        <p:nvSpPr>
-          <p:cNvPr id="14" name="CaixaDeTexto 13">
-            <a:extLst>
-              <a:ext uri="{FF2B5EF4-FFF2-40B4-BE49-F238E27FC236}">
-                <a16:creationId xmlns="" xmlns:a16="http://schemas.microsoft.com/office/drawing/2014/main" id="{B13AC14F-133B-4760-97A5-11D2BE672B88}"/>
-              </a:ext>
-            </a:extLst>
-          </p:cNvPr>
-          <p:cNvSpPr txBox="1"/>
-          <p:nvPr/>
-        </p:nvSpPr>
-        <p:spPr>
-          <a:xfrm>
-            <a:off x="7363239" y="5665259"/>
-            <a:ext cx="3627916" cy="369332"/>
-          </a:xfrm>
-          <a:prstGeom prst="rect">
-            <a:avLst/>
-          </a:prstGeom>
-          <a:noFill/>
-        </p:spPr>
-        <p:txBody>
-          <a:bodyPr wrap="none" rtlCol="0">
-            <a:spAutoFit/>
-          </a:bodyPr>
-          <a:lstStyle/>
-          <a:p>
-            <a:r>
-              <a:rPr lang="pt-BR" dirty="0">
-                <a:solidFill>
-                  <a:schemeClr val="bg1"/>
-                </a:solidFill>
-                <a:latin typeface="Segoe UI" panose="020B0502040204020203" pitchFamily="34" charset="0"/>
-                <a:cs typeface="Segoe UI" panose="020B0502040204020203" pitchFamily="34" charset="0"/>
-              </a:rPr>
-              <a:t>Gráfico: Performance de Execução</a:t>
-            </a:r>
+              <a:t>Erro no envio do e-mail</a:t>
+            </a:r>
+            <a:endParaRPr lang="pt-BR" dirty="0">
+              <a:solidFill>
+                <a:schemeClr val="bg1"/>
+              </a:solidFill>
+              <a:latin typeface="Segoe UI" panose="020B0502040204020203" pitchFamily="34" charset="0"/>
+              <a:cs typeface="Segoe UI" panose="020B0502040204020203" pitchFamily="34" charset="0"/>
+            </a:endParaRPr>
           </a:p>
         </p:txBody>
       </p:sp>
@@ -5967,6 +6646,68 @@
           </a:fontRef>
         </p:style>
       </p:cxnSp>
+      <p:pic>
+        <p:nvPicPr>
+          <p:cNvPr id="4098" name="Picture 2"/>
+          <p:cNvPicPr>
+            <a:picLocks noChangeAspect="1" noChangeArrowheads="1"/>
+          </p:cNvPicPr>
+          <p:nvPr/>
+        </p:nvPicPr>
+        <p:blipFill rotWithShape="1">
+          <a:blip r:embed="rId3">
+            <a:extLst>
+              <a:ext uri="{28A0092B-C50C-407E-A947-70E740481C1C}">
+                <a14:useLocalDpi xmlns:a14="http://schemas.microsoft.com/office/drawing/2010/main" val="0"/>
+              </a:ext>
+            </a:extLst>
+          </a:blip>
+          <a:srcRect l="392" t="11509" r="42549" b="18256"/>
+          <a:stretch/>
+        </p:blipFill>
+        <p:spPr bwMode="auto">
+          <a:xfrm>
+            <a:off x="2844800" y="1066800"/>
+            <a:ext cx="7366000" cy="4727580"/>
+          </a:xfrm>
+          <a:prstGeom prst="rect">
+            <a:avLst/>
+          </a:prstGeom>
+          <a:noFill/>
+          <a:ln>
+            <a:noFill/>
+          </a:ln>
+          <a:effectLst/>
+          <a:extLst>
+            <a:ext uri="{909E8E84-426E-40DD-AFC4-6F175D3DCCD1}">
+              <a14:hiddenFill xmlns:a14="http://schemas.microsoft.com/office/drawing/2010/main">
+                <a:solidFill>
+                  <a:schemeClr val="accent1"/>
+                </a:solidFill>
+              </a14:hiddenFill>
+            </a:ext>
+            <a:ext uri="{91240B29-F687-4F45-9708-019B960494DF}">
+              <a14:hiddenLine xmlns:a14="http://schemas.microsoft.com/office/drawing/2010/main" w="9525">
+                <a:solidFill>
+                  <a:schemeClr val="tx1"/>
+                </a:solidFill>
+                <a:miter lim="800000"/>
+                <a:headEnd/>
+                <a:tailEnd/>
+              </a14:hiddenLine>
+            </a:ext>
+            <a:ext uri="{AF507438-7753-43E0-B8FC-AC1667EBCBE1}">
+              <a14:hiddenEffects xmlns:a14="http://schemas.microsoft.com/office/drawing/2010/main">
+                <a:effectLst>
+                  <a:outerShdw dist="35921" dir="2700000" algn="ctr" rotWithShape="0">
+                    <a:schemeClr val="bg2"/>
+                  </a:outerShdw>
+                </a:effectLst>
+              </a14:hiddenEffects>
+            </a:ext>
+          </a:extLst>
+        </p:spPr>
+      </p:pic>
     </p:spTree>
     <p:extLst>
       <p:ext uri="{BB962C8B-B14F-4D97-AF65-F5344CB8AC3E}">
@@ -5999,10 +6740,10 @@
       </p:grpSpPr>
       <p:sp>
         <p:nvSpPr>
-          <p:cNvPr id="5" name="Retângulo 4">
+          <p:cNvPr id="2" name="Retângulo 1">
             <a:extLst>
               <a:ext uri="{FF2B5EF4-FFF2-40B4-BE49-F238E27FC236}">
-                <a16:creationId xmlns="" xmlns:a16="http://schemas.microsoft.com/office/drawing/2014/main" id="{C6C89842-138D-40D4-8CEE-99F170FAE802}"/>
+                <a16:creationId xmlns="" xmlns:a16="http://schemas.microsoft.com/office/drawing/2014/main" id="{117AACDD-8DB2-490C-B7B7-841FFEBCD821}"/>
               </a:ext>
             </a:extLst>
           </p:cNvPr>
@@ -6083,8 +6824,8 @@
         </p:nvSpPr>
         <p:spPr>
           <a:xfrm>
-            <a:off x="491066" y="406399"/>
-            <a:ext cx="10242583" cy="769441"/>
+            <a:off x="491065" y="406399"/>
+            <a:ext cx="7653867" cy="769441"/>
           </a:xfrm>
           <a:prstGeom prst="rect">
             <a:avLst/>
@@ -6105,550 +6846,52 @@
                 <a:latin typeface="Segoe UI Black" panose="020B0A02040204020203" pitchFamily="34" charset="0"/>
                 <a:ea typeface="Segoe UI Black" panose="020B0A02040204020203" pitchFamily="34" charset="0"/>
               </a:rPr>
-              <a:t>Resultados – Diagrama de Fluxo</a:t>
-            </a:r>
-          </a:p>
-        </p:txBody>
-      </p:sp>
-      <p:sp>
-        <p:nvSpPr>
-          <p:cNvPr id="2" name="Retângulo 1">
+              <a:t>Resultados</a:t>
+            </a:r>
+          </a:p>
+        </p:txBody>
+      </p:sp>
+      <p:sp>
+        <p:nvSpPr>
+          <p:cNvPr id="10" name="CaixaDeTexto 9">
             <a:extLst>
               <a:ext uri="{FF2B5EF4-FFF2-40B4-BE49-F238E27FC236}">
-                <a16:creationId xmlns="" xmlns:a16="http://schemas.microsoft.com/office/drawing/2014/main" id="{BE30C5A8-FCD2-4E8D-8F9A-C168A5DAE4E0}"/>
+                <a16:creationId xmlns="" xmlns:a16="http://schemas.microsoft.com/office/drawing/2014/main" id="{059A4E55-6238-40C9-B55E-0DA77320CCF7}"/>
               </a:ext>
             </a:extLst>
           </p:cNvPr>
-          <p:cNvSpPr/>
+          <p:cNvSpPr txBox="1"/>
           <p:nvPr/>
         </p:nvSpPr>
         <p:spPr>
           <a:xfrm>
-            <a:off x="1810136" y="3489648"/>
-            <a:ext cx="1287624" cy="452536"/>
+            <a:off x="5577268" y="5747286"/>
+            <a:ext cx="1037463" cy="369332"/>
           </a:xfrm>
           <a:prstGeom prst="rect">
             <a:avLst/>
           </a:prstGeom>
-          <a:solidFill>
-            <a:srgbClr val="E8E100"/>
-          </a:solidFill>
-          <a:ln w="28575">
-            <a:noFill/>
-          </a:ln>
-        </p:spPr>
-        <p:style>
-          <a:lnRef idx="2">
-            <a:schemeClr val="accent1">
-              <a:shade val="50000"/>
-            </a:schemeClr>
-          </a:lnRef>
-          <a:fillRef idx="1">
-            <a:schemeClr val="accent1"/>
-          </a:fillRef>
-          <a:effectRef idx="0">
-            <a:schemeClr val="accent1"/>
-          </a:effectRef>
-          <a:fontRef idx="minor">
-            <a:schemeClr val="lt1"/>
-          </a:fontRef>
-        </p:style>
-        <p:txBody>
-          <a:bodyPr rtlCol="0" anchor="ctr"/>
-          <a:lstStyle/>
-          <a:p>
-            <a:pPr algn="ctr"/>
-            <a:r>
-              <a:rPr lang="pt-BR" sz="1200" dirty="0">
-                <a:solidFill>
-                  <a:srgbClr val="003B49"/>
+          <a:noFill/>
+        </p:spPr>
+        <p:txBody>
+          <a:bodyPr wrap="none" rtlCol="0">
+            <a:spAutoFit/>
+          </a:bodyPr>
+          <a:lstStyle/>
+          <a:p>
+            <a:r>
+              <a:rPr lang="pt-BR" dirty="0" smtClean="0">
+                <a:solidFill>
+                  <a:schemeClr val="bg1"/>
                 </a:solidFill>
                 <a:latin typeface="Segoe UI" panose="020B0502040204020203" pitchFamily="34" charset="0"/>
                 <a:cs typeface="Segoe UI" panose="020B0502040204020203" pitchFamily="34" charset="0"/>
               </a:rPr>
-              <a:t>Geração de dados de teste</a:t>
-            </a:r>
-          </a:p>
-        </p:txBody>
-      </p:sp>
-      <p:sp>
-        <p:nvSpPr>
-          <p:cNvPr id="4" name="Círculo: Vazio 3">
-            <a:extLst>
-              <a:ext uri="{FF2B5EF4-FFF2-40B4-BE49-F238E27FC236}">
-                <a16:creationId xmlns="" xmlns:a16="http://schemas.microsoft.com/office/drawing/2014/main" id="{87EA8D84-86BD-4C61-9C6E-033B9A63111C}"/>
-              </a:ext>
-            </a:extLst>
-          </p:cNvPr>
-          <p:cNvSpPr/>
-          <p:nvPr/>
-        </p:nvSpPr>
-        <p:spPr>
-          <a:xfrm>
-            <a:off x="867745" y="3512975"/>
-            <a:ext cx="429209" cy="429209"/>
-          </a:xfrm>
-          <a:prstGeom prst="donut">
-            <a:avLst/>
-          </a:prstGeom>
-          <a:solidFill>
-            <a:srgbClr val="E8E100"/>
-          </a:solidFill>
-          <a:ln w="28575">
-            <a:noFill/>
-          </a:ln>
-        </p:spPr>
-        <p:style>
-          <a:lnRef idx="2">
-            <a:schemeClr val="accent1">
-              <a:shade val="50000"/>
-            </a:schemeClr>
-          </a:lnRef>
-          <a:fillRef idx="1">
-            <a:schemeClr val="accent1"/>
-          </a:fillRef>
-          <a:effectRef idx="0">
-            <a:schemeClr val="accent1"/>
-          </a:effectRef>
-          <a:fontRef idx="minor">
-            <a:schemeClr val="lt1"/>
-          </a:fontRef>
-        </p:style>
-        <p:txBody>
-          <a:bodyPr rtlCol="0" anchor="ctr"/>
-          <a:lstStyle/>
-          <a:p>
-            <a:pPr algn="ctr"/>
-            <a:endParaRPr lang="pt-BR">
+              <a:t>relatório</a:t>
+            </a:r>
+            <a:endParaRPr lang="pt-BR" dirty="0">
               <a:solidFill>
-                <a:srgbClr val="003B49"/>
-              </a:solidFill>
-            </a:endParaRPr>
-          </a:p>
-        </p:txBody>
-      </p:sp>
-      <p:cxnSp>
-        <p:nvCxnSpPr>
-          <p:cNvPr id="7" name="Conector: Curvo 6">
-            <a:extLst>
-              <a:ext uri="{FF2B5EF4-FFF2-40B4-BE49-F238E27FC236}">
-                <a16:creationId xmlns="" xmlns:a16="http://schemas.microsoft.com/office/drawing/2014/main" id="{A86ECD4B-CE25-429C-AF79-024A4D6DEC63}"/>
-              </a:ext>
-            </a:extLst>
-          </p:cNvPr>
-          <p:cNvCxnSpPr>
-            <a:cxnSpLocks/>
-            <a:stCxn id="4" idx="6"/>
-            <a:endCxn id="2" idx="1"/>
-          </p:cNvCxnSpPr>
-          <p:nvPr/>
-        </p:nvCxnSpPr>
-        <p:spPr>
-          <a:xfrm flipV="1">
-            <a:off x="1296954" y="3715916"/>
-            <a:ext cx="513182" cy="11664"/>
-          </a:xfrm>
-          <a:prstGeom prst="curvedConnector3">
-            <a:avLst/>
-          </a:prstGeom>
-          <a:ln w="28575">
-            <a:solidFill>
-              <a:schemeClr val="bg1"/>
-            </a:solidFill>
-            <a:tailEnd type="triangle"/>
-          </a:ln>
-        </p:spPr>
-        <p:style>
-          <a:lnRef idx="1">
-            <a:schemeClr val="accent1"/>
-          </a:lnRef>
-          <a:fillRef idx="0">
-            <a:schemeClr val="accent1"/>
-          </a:fillRef>
-          <a:effectRef idx="0">
-            <a:schemeClr val="accent1"/>
-          </a:effectRef>
-          <a:fontRef idx="minor">
-            <a:schemeClr val="tx1"/>
-          </a:fontRef>
-        </p:style>
-      </p:cxnSp>
-      <p:sp>
-        <p:nvSpPr>
-          <p:cNvPr id="14" name="Retângulo 13">
-            <a:extLst>
-              <a:ext uri="{FF2B5EF4-FFF2-40B4-BE49-F238E27FC236}">
-                <a16:creationId xmlns="" xmlns:a16="http://schemas.microsoft.com/office/drawing/2014/main" id="{67D5BB7F-5DE7-4F3F-8C32-9C500C1CCE00}"/>
-              </a:ext>
-            </a:extLst>
-          </p:cNvPr>
-          <p:cNvSpPr/>
-          <p:nvPr/>
-        </p:nvSpPr>
-        <p:spPr>
-          <a:xfrm>
-            <a:off x="3618202" y="3502348"/>
-            <a:ext cx="1287624" cy="452536"/>
-          </a:xfrm>
-          <a:prstGeom prst="rect">
-            <a:avLst/>
-          </a:prstGeom>
-          <a:solidFill>
-            <a:srgbClr val="E8E100"/>
-          </a:solidFill>
-          <a:ln w="28575">
-            <a:noFill/>
-          </a:ln>
-        </p:spPr>
-        <p:style>
-          <a:lnRef idx="2">
-            <a:schemeClr val="accent1">
-              <a:shade val="50000"/>
-            </a:schemeClr>
-          </a:lnRef>
-          <a:fillRef idx="1">
-            <a:schemeClr val="accent1"/>
-          </a:fillRef>
-          <a:effectRef idx="0">
-            <a:schemeClr val="accent1"/>
-          </a:effectRef>
-          <a:fontRef idx="minor">
-            <a:schemeClr val="lt1"/>
-          </a:fontRef>
-        </p:style>
-        <p:txBody>
-          <a:bodyPr rtlCol="0" anchor="ctr"/>
-          <a:lstStyle/>
-          <a:p>
-            <a:pPr algn="ctr"/>
-            <a:r>
-              <a:rPr lang="pt-BR" sz="1200" dirty="0">
-                <a:solidFill>
-                  <a:srgbClr val="003B49"/>
-                </a:solidFill>
-                <a:latin typeface="Segoe UI" panose="020B0502040204020203" pitchFamily="34" charset="0"/>
-                <a:cs typeface="Segoe UI" panose="020B0502040204020203" pitchFamily="34" charset="0"/>
-              </a:rPr>
-              <a:t>Geração Ids para pesquisa</a:t>
-            </a:r>
-          </a:p>
-        </p:txBody>
-      </p:sp>
-      <p:sp>
-        <p:nvSpPr>
-          <p:cNvPr id="16" name="Retângulo 15">
-            <a:extLst>
-              <a:ext uri="{FF2B5EF4-FFF2-40B4-BE49-F238E27FC236}">
-                <a16:creationId xmlns="" xmlns:a16="http://schemas.microsoft.com/office/drawing/2014/main" id="{5B510DB2-3BA7-426E-B74F-12B8170B70AF}"/>
-              </a:ext>
-            </a:extLst>
-          </p:cNvPr>
-          <p:cNvSpPr/>
-          <p:nvPr/>
-        </p:nvSpPr>
-        <p:spPr>
-          <a:xfrm>
-            <a:off x="5730027" y="2094812"/>
-            <a:ext cx="1287624" cy="452536"/>
-          </a:xfrm>
-          <a:prstGeom prst="rect">
-            <a:avLst/>
-          </a:prstGeom>
-          <a:solidFill>
-            <a:srgbClr val="E8E100"/>
-          </a:solidFill>
-          <a:ln w="28575">
-            <a:noFill/>
-          </a:ln>
-        </p:spPr>
-        <p:style>
-          <a:lnRef idx="2">
-            <a:schemeClr val="accent1">
-              <a:shade val="50000"/>
-            </a:schemeClr>
-          </a:lnRef>
-          <a:fillRef idx="1">
-            <a:schemeClr val="accent1"/>
-          </a:fillRef>
-          <a:effectRef idx="0">
-            <a:schemeClr val="accent1"/>
-          </a:effectRef>
-          <a:fontRef idx="minor">
-            <a:schemeClr val="lt1"/>
-          </a:fontRef>
-        </p:style>
-        <p:txBody>
-          <a:bodyPr rtlCol="0" anchor="ctr"/>
-          <a:lstStyle/>
-          <a:p>
-            <a:pPr algn="ctr"/>
-            <a:r>
-              <a:rPr lang="pt-BR" sz="1200" dirty="0">
-                <a:solidFill>
-                  <a:srgbClr val="003B49"/>
-                </a:solidFill>
-                <a:latin typeface="Segoe UI" panose="020B0502040204020203" pitchFamily="34" charset="0"/>
-                <a:cs typeface="Segoe UI" panose="020B0502040204020203" pitchFamily="34" charset="0"/>
-              </a:rPr>
-              <a:t>Alocação de Cache</a:t>
-            </a:r>
-          </a:p>
-        </p:txBody>
-      </p:sp>
-      <p:sp>
-        <p:nvSpPr>
-          <p:cNvPr id="18" name="Retângulo 17">
-            <a:extLst>
-              <a:ext uri="{FF2B5EF4-FFF2-40B4-BE49-F238E27FC236}">
-                <a16:creationId xmlns="" xmlns:a16="http://schemas.microsoft.com/office/drawing/2014/main" id="{0944A2CB-391E-43A1-A316-82BFD64BFB65}"/>
-              </a:ext>
-            </a:extLst>
-          </p:cNvPr>
-          <p:cNvSpPr/>
-          <p:nvPr/>
-        </p:nvSpPr>
-        <p:spPr>
-          <a:xfrm>
-            <a:off x="5730027" y="3189604"/>
-            <a:ext cx="1287624" cy="452536"/>
-          </a:xfrm>
-          <a:prstGeom prst="rect">
-            <a:avLst/>
-          </a:prstGeom>
-          <a:solidFill>
-            <a:srgbClr val="E8E100"/>
-          </a:solidFill>
-          <a:ln w="28575">
-            <a:noFill/>
-          </a:ln>
-        </p:spPr>
-        <p:style>
-          <a:lnRef idx="2">
-            <a:schemeClr val="accent1">
-              <a:shade val="50000"/>
-            </a:schemeClr>
-          </a:lnRef>
-          <a:fillRef idx="1">
-            <a:schemeClr val="accent1"/>
-          </a:fillRef>
-          <a:effectRef idx="0">
-            <a:schemeClr val="accent1"/>
-          </a:effectRef>
-          <a:fontRef idx="minor">
-            <a:schemeClr val="lt1"/>
-          </a:fontRef>
-        </p:style>
-        <p:txBody>
-          <a:bodyPr rtlCol="0" anchor="ctr"/>
-          <a:lstStyle/>
-          <a:p>
-            <a:pPr algn="ctr"/>
-            <a:r>
-              <a:rPr lang="pt-BR" sz="1200" dirty="0">
-                <a:solidFill>
-                  <a:srgbClr val="003B49"/>
-                </a:solidFill>
-                <a:latin typeface="Segoe UI" panose="020B0502040204020203" pitchFamily="34" charset="0"/>
-                <a:cs typeface="Segoe UI" panose="020B0502040204020203" pitchFamily="34" charset="0"/>
-              </a:rPr>
-              <a:t>Alocação de Cache</a:t>
-            </a:r>
-          </a:p>
-        </p:txBody>
-      </p:sp>
-      <p:sp>
-        <p:nvSpPr>
-          <p:cNvPr id="20" name="Retângulo 19">
-            <a:extLst>
-              <a:ext uri="{FF2B5EF4-FFF2-40B4-BE49-F238E27FC236}">
-                <a16:creationId xmlns="" xmlns:a16="http://schemas.microsoft.com/office/drawing/2014/main" id="{D58EB9B5-BB2A-4ECD-A4CC-4CD42CFBB475}"/>
-              </a:ext>
-            </a:extLst>
-          </p:cNvPr>
-          <p:cNvSpPr/>
-          <p:nvPr/>
-        </p:nvSpPr>
-        <p:spPr>
-          <a:xfrm>
-            <a:off x="5730027" y="4396363"/>
-            <a:ext cx="1287624" cy="452536"/>
-          </a:xfrm>
-          <a:prstGeom prst="rect">
-            <a:avLst/>
-          </a:prstGeom>
-          <a:solidFill>
-            <a:srgbClr val="E8E100"/>
-          </a:solidFill>
-          <a:ln w="28575">
-            <a:noFill/>
-          </a:ln>
-        </p:spPr>
-        <p:style>
-          <a:lnRef idx="2">
-            <a:schemeClr val="accent1">
-              <a:shade val="50000"/>
-            </a:schemeClr>
-          </a:lnRef>
-          <a:fillRef idx="1">
-            <a:schemeClr val="accent1"/>
-          </a:fillRef>
-          <a:effectRef idx="0">
-            <a:schemeClr val="accent1"/>
-          </a:effectRef>
-          <a:fontRef idx="minor">
-            <a:schemeClr val="lt1"/>
-          </a:fontRef>
-        </p:style>
-        <p:txBody>
-          <a:bodyPr rtlCol="0" anchor="ctr"/>
-          <a:lstStyle/>
-          <a:p>
-            <a:pPr algn="ctr"/>
-            <a:r>
-              <a:rPr lang="pt-BR" sz="1200" dirty="0">
-                <a:solidFill>
-                  <a:srgbClr val="003B49"/>
-                </a:solidFill>
-                <a:latin typeface="Segoe UI" panose="020B0502040204020203" pitchFamily="34" charset="0"/>
-                <a:cs typeface="Segoe UI" panose="020B0502040204020203" pitchFamily="34" charset="0"/>
-              </a:rPr>
-              <a:t>Alocação de Cache</a:t>
-            </a:r>
-          </a:p>
-        </p:txBody>
-      </p:sp>
-      <p:sp>
-        <p:nvSpPr>
-          <p:cNvPr id="22" name="Retângulo 21">
-            <a:extLst>
-              <a:ext uri="{FF2B5EF4-FFF2-40B4-BE49-F238E27FC236}">
-                <a16:creationId xmlns="" xmlns:a16="http://schemas.microsoft.com/office/drawing/2014/main" id="{7837974F-1678-4D7C-9CAC-998C15A887B1}"/>
-              </a:ext>
-            </a:extLst>
-          </p:cNvPr>
-          <p:cNvSpPr/>
-          <p:nvPr/>
-        </p:nvSpPr>
-        <p:spPr>
-          <a:xfrm>
-            <a:off x="5730027" y="5395336"/>
-            <a:ext cx="1287624" cy="452536"/>
-          </a:xfrm>
-          <a:prstGeom prst="rect">
-            <a:avLst/>
-          </a:prstGeom>
-          <a:solidFill>
-            <a:srgbClr val="E8E100"/>
-          </a:solidFill>
-          <a:ln w="28575">
-            <a:noFill/>
-          </a:ln>
-        </p:spPr>
-        <p:style>
-          <a:lnRef idx="2">
-            <a:schemeClr val="accent1">
-              <a:shade val="50000"/>
-            </a:schemeClr>
-          </a:lnRef>
-          <a:fillRef idx="1">
-            <a:schemeClr val="accent1"/>
-          </a:fillRef>
-          <a:effectRef idx="0">
-            <a:schemeClr val="accent1"/>
-          </a:effectRef>
-          <a:fontRef idx="minor">
-            <a:schemeClr val="lt1"/>
-          </a:fontRef>
-        </p:style>
-        <p:txBody>
-          <a:bodyPr rtlCol="0" anchor="ctr"/>
-          <a:lstStyle/>
-          <a:p>
-            <a:pPr algn="ctr"/>
-            <a:r>
-              <a:rPr lang="pt-BR" sz="1200" dirty="0">
-                <a:solidFill>
-                  <a:srgbClr val="003B49"/>
-                </a:solidFill>
-                <a:latin typeface="Segoe UI" panose="020B0502040204020203" pitchFamily="34" charset="0"/>
-                <a:cs typeface="Segoe UI" panose="020B0502040204020203" pitchFamily="34" charset="0"/>
-              </a:rPr>
-              <a:t>Alocação de Cache</a:t>
-            </a:r>
-          </a:p>
-        </p:txBody>
-      </p:sp>
-      <p:sp>
-        <p:nvSpPr>
-          <p:cNvPr id="24" name="Retângulo 23">
-            <a:extLst>
-              <a:ext uri="{FF2B5EF4-FFF2-40B4-BE49-F238E27FC236}">
-                <a16:creationId xmlns="" xmlns:a16="http://schemas.microsoft.com/office/drawing/2014/main" id="{2337C2F9-AC19-4A99-A039-AC23568687E6}"/>
-              </a:ext>
-            </a:extLst>
-          </p:cNvPr>
-          <p:cNvSpPr/>
-          <p:nvPr/>
-        </p:nvSpPr>
-        <p:spPr>
-          <a:xfrm>
-            <a:off x="7981817" y="2094812"/>
-            <a:ext cx="1899300" cy="452536"/>
-          </a:xfrm>
-          <a:prstGeom prst="rect">
-            <a:avLst/>
-          </a:prstGeom>
-          <a:solidFill>
-            <a:srgbClr val="E8E100"/>
-          </a:solidFill>
-          <a:ln w="28575">
-            <a:noFill/>
-          </a:ln>
-        </p:spPr>
-        <p:style>
-          <a:lnRef idx="2">
-            <a:schemeClr val="accent1">
-              <a:shade val="50000"/>
-            </a:schemeClr>
-          </a:lnRef>
-          <a:fillRef idx="1">
-            <a:schemeClr val="accent1"/>
-          </a:fillRef>
-          <a:effectRef idx="0">
-            <a:schemeClr val="accent1"/>
-          </a:effectRef>
-          <a:fontRef idx="minor">
-            <a:schemeClr val="lt1"/>
-          </a:fontRef>
-        </p:style>
-        <p:txBody>
-          <a:bodyPr rtlCol="0" anchor="ctr"/>
-          <a:lstStyle/>
-          <a:p>
-            <a:pPr algn="ctr"/>
-            <a:r>
-              <a:rPr lang="pt-BR" sz="1200" dirty="0">
-                <a:solidFill>
-                  <a:srgbClr val="003B49"/>
-                </a:solidFill>
-                <a:latin typeface="Segoe UI" panose="020B0502040204020203" pitchFamily="34" charset="0"/>
-                <a:cs typeface="Segoe UI" panose="020B0502040204020203" pitchFamily="34" charset="0"/>
-              </a:rPr>
-              <a:t>Execução </a:t>
-            </a:r>
-            <a:r>
-              <a:rPr lang="pt-BR" sz="1200" dirty="0" err="1">
-                <a:solidFill>
-                  <a:srgbClr val="003B49"/>
-                </a:solidFill>
-                <a:latin typeface="Segoe UI" panose="020B0502040204020203" pitchFamily="34" charset="0"/>
-                <a:cs typeface="Segoe UI" panose="020B0502040204020203" pitchFamily="34" charset="0"/>
-              </a:rPr>
-              <a:t>QueryLinqWhere</a:t>
-            </a:r>
-            <a:endParaRPr lang="pt-BR" sz="1200" dirty="0">
-              <a:solidFill>
-                <a:srgbClr val="003B49"/>
+                <a:schemeClr val="bg1"/>
               </a:solidFill>
               <a:latin typeface="Segoe UI" panose="020B0502040204020203" pitchFamily="34" charset="0"/>
               <a:cs typeface="Segoe UI" panose="020B0502040204020203" pitchFamily="34" charset="0"/>
@@ -6656,934 +6899,12 @@
           </a:p>
         </p:txBody>
       </p:sp>
-      <p:sp>
-        <p:nvSpPr>
-          <p:cNvPr id="26" name="Retângulo 25">
+      <p:cxnSp>
+        <p:nvCxnSpPr>
+          <p:cNvPr id="8" name="Conector reto 7">
             <a:extLst>
               <a:ext uri="{FF2B5EF4-FFF2-40B4-BE49-F238E27FC236}">
-                <a16:creationId xmlns="" xmlns:a16="http://schemas.microsoft.com/office/drawing/2014/main" id="{F482903B-B972-470B-8B61-E764CF3A6B5F}"/>
-              </a:ext>
-            </a:extLst>
-          </p:cNvPr>
-          <p:cNvSpPr/>
-          <p:nvPr/>
-        </p:nvSpPr>
-        <p:spPr>
-          <a:xfrm>
-            <a:off x="7981817" y="3189604"/>
-            <a:ext cx="1833985" cy="452536"/>
-          </a:xfrm>
-          <a:prstGeom prst="rect">
-            <a:avLst/>
-          </a:prstGeom>
-          <a:solidFill>
-            <a:srgbClr val="E8E100"/>
-          </a:solidFill>
-          <a:ln w="28575">
-            <a:noFill/>
-          </a:ln>
-        </p:spPr>
-        <p:style>
-          <a:lnRef idx="2">
-            <a:schemeClr val="accent1">
-              <a:shade val="50000"/>
-            </a:schemeClr>
-          </a:lnRef>
-          <a:fillRef idx="1">
-            <a:schemeClr val="accent1"/>
-          </a:fillRef>
-          <a:effectRef idx="0">
-            <a:schemeClr val="accent1"/>
-          </a:effectRef>
-          <a:fontRef idx="minor">
-            <a:schemeClr val="lt1"/>
-          </a:fontRef>
-        </p:style>
-        <p:txBody>
-          <a:bodyPr rtlCol="0" anchor="ctr"/>
-          <a:lstStyle/>
-          <a:p>
-            <a:pPr algn="ctr"/>
-            <a:r>
-              <a:rPr lang="pt-BR" sz="1200" dirty="0">
-                <a:solidFill>
-                  <a:srgbClr val="003B49"/>
-                </a:solidFill>
-                <a:latin typeface="Segoe UI" panose="020B0502040204020203" pitchFamily="34" charset="0"/>
-                <a:cs typeface="Segoe UI" panose="020B0502040204020203" pitchFamily="34" charset="0"/>
-              </a:rPr>
-              <a:t>Execução </a:t>
-            </a:r>
-            <a:r>
-              <a:rPr lang="pt-BR" sz="1200" dirty="0" err="1">
-                <a:solidFill>
-                  <a:srgbClr val="003B49"/>
-                </a:solidFill>
-                <a:latin typeface="Segoe UI" panose="020B0502040204020203" pitchFamily="34" charset="0"/>
-                <a:cs typeface="Segoe UI" panose="020B0502040204020203" pitchFamily="34" charset="0"/>
-              </a:rPr>
-              <a:t>QueryLinqContain</a:t>
-            </a:r>
-            <a:endParaRPr lang="pt-BR" sz="1200" dirty="0">
-              <a:solidFill>
-                <a:srgbClr val="003B49"/>
-              </a:solidFill>
-              <a:latin typeface="Segoe UI" panose="020B0502040204020203" pitchFamily="34" charset="0"/>
-              <a:cs typeface="Segoe UI" panose="020B0502040204020203" pitchFamily="34" charset="0"/>
-            </a:endParaRPr>
-          </a:p>
-        </p:txBody>
-      </p:sp>
-      <p:sp>
-        <p:nvSpPr>
-          <p:cNvPr id="28" name="Retângulo 27">
-            <a:extLst>
-              <a:ext uri="{FF2B5EF4-FFF2-40B4-BE49-F238E27FC236}">
-                <a16:creationId xmlns="" xmlns:a16="http://schemas.microsoft.com/office/drawing/2014/main" id="{FD7F06DB-FBD7-4445-8EC4-388F7B86D853}"/>
-              </a:ext>
-            </a:extLst>
-          </p:cNvPr>
-          <p:cNvSpPr/>
-          <p:nvPr/>
-        </p:nvSpPr>
-        <p:spPr>
-          <a:xfrm>
-            <a:off x="7981816" y="4396363"/>
-            <a:ext cx="1833985" cy="452536"/>
-          </a:xfrm>
-          <a:prstGeom prst="rect">
-            <a:avLst/>
-          </a:prstGeom>
-          <a:solidFill>
-            <a:srgbClr val="E8E100"/>
-          </a:solidFill>
-          <a:ln w="28575">
-            <a:noFill/>
-          </a:ln>
-        </p:spPr>
-        <p:style>
-          <a:lnRef idx="2">
-            <a:schemeClr val="accent1">
-              <a:shade val="50000"/>
-            </a:schemeClr>
-          </a:lnRef>
-          <a:fillRef idx="1">
-            <a:schemeClr val="accent1"/>
-          </a:fillRef>
-          <a:effectRef idx="0">
-            <a:schemeClr val="accent1"/>
-          </a:effectRef>
-          <a:fontRef idx="minor">
-            <a:schemeClr val="lt1"/>
-          </a:fontRef>
-        </p:style>
-        <p:txBody>
-          <a:bodyPr rtlCol="0" anchor="ctr"/>
-          <a:lstStyle/>
-          <a:p>
-            <a:pPr algn="ctr"/>
-            <a:r>
-              <a:rPr lang="pt-BR" sz="1200" dirty="0">
-                <a:solidFill>
-                  <a:srgbClr val="003B49"/>
-                </a:solidFill>
-                <a:latin typeface="Segoe UI" panose="020B0502040204020203" pitchFamily="34" charset="0"/>
-                <a:cs typeface="Segoe UI" panose="020B0502040204020203" pitchFamily="34" charset="0"/>
-              </a:rPr>
-              <a:t>Execução </a:t>
-            </a:r>
-            <a:r>
-              <a:rPr lang="pt-BR" sz="1200" dirty="0" err="1">
-                <a:solidFill>
-                  <a:srgbClr val="003B49"/>
-                </a:solidFill>
-                <a:latin typeface="Segoe UI" panose="020B0502040204020203" pitchFamily="34" charset="0"/>
-                <a:cs typeface="Segoe UI" panose="020B0502040204020203" pitchFamily="34" charset="0"/>
-              </a:rPr>
-              <a:t>QueryLinqParallelContain</a:t>
-            </a:r>
-            <a:endParaRPr lang="pt-BR" sz="1200" dirty="0">
-              <a:solidFill>
-                <a:srgbClr val="003B49"/>
-              </a:solidFill>
-              <a:latin typeface="Segoe UI" panose="020B0502040204020203" pitchFamily="34" charset="0"/>
-              <a:cs typeface="Segoe UI" panose="020B0502040204020203" pitchFamily="34" charset="0"/>
-            </a:endParaRPr>
-          </a:p>
-        </p:txBody>
-      </p:sp>
-      <p:sp>
-        <p:nvSpPr>
-          <p:cNvPr id="30" name="Retângulo 29">
-            <a:extLst>
-              <a:ext uri="{FF2B5EF4-FFF2-40B4-BE49-F238E27FC236}">
-                <a16:creationId xmlns="" xmlns:a16="http://schemas.microsoft.com/office/drawing/2014/main" id="{E6499969-B6A6-4202-9384-4BFE540D2E37}"/>
-              </a:ext>
-            </a:extLst>
-          </p:cNvPr>
-          <p:cNvSpPr/>
-          <p:nvPr/>
-        </p:nvSpPr>
-        <p:spPr>
-          <a:xfrm>
-            <a:off x="7981815" y="5395336"/>
-            <a:ext cx="1833985" cy="452536"/>
-          </a:xfrm>
-          <a:prstGeom prst="rect">
-            <a:avLst/>
-          </a:prstGeom>
-          <a:solidFill>
-            <a:srgbClr val="E8E100"/>
-          </a:solidFill>
-          <a:ln w="28575">
-            <a:noFill/>
-          </a:ln>
-        </p:spPr>
-        <p:style>
-          <a:lnRef idx="2">
-            <a:schemeClr val="accent1">
-              <a:shade val="50000"/>
-            </a:schemeClr>
-          </a:lnRef>
-          <a:fillRef idx="1">
-            <a:schemeClr val="accent1"/>
-          </a:fillRef>
-          <a:effectRef idx="0">
-            <a:schemeClr val="accent1"/>
-          </a:effectRef>
-          <a:fontRef idx="minor">
-            <a:schemeClr val="lt1"/>
-          </a:fontRef>
-        </p:style>
-        <p:txBody>
-          <a:bodyPr rtlCol="0" anchor="ctr"/>
-          <a:lstStyle/>
-          <a:p>
-            <a:pPr algn="ctr"/>
-            <a:r>
-              <a:rPr lang="pt-BR" sz="1200" dirty="0">
-                <a:solidFill>
-                  <a:srgbClr val="003B49"/>
-                </a:solidFill>
-                <a:latin typeface="Segoe UI" panose="020B0502040204020203" pitchFamily="34" charset="0"/>
-                <a:cs typeface="Segoe UI" panose="020B0502040204020203" pitchFamily="34" charset="0"/>
-              </a:rPr>
-              <a:t>Execução </a:t>
-            </a:r>
-          </a:p>
-          <a:p>
-            <a:pPr algn="ctr"/>
-            <a:r>
-              <a:rPr lang="pt-BR" sz="1200" dirty="0" err="1">
-                <a:solidFill>
-                  <a:srgbClr val="003B49"/>
-                </a:solidFill>
-                <a:latin typeface="Segoe UI" panose="020B0502040204020203" pitchFamily="34" charset="0"/>
-                <a:cs typeface="Segoe UI" panose="020B0502040204020203" pitchFamily="34" charset="0"/>
-              </a:rPr>
-              <a:t>QueryLinqJoin</a:t>
-            </a:r>
-            <a:endParaRPr lang="pt-BR" sz="1200" dirty="0">
-              <a:solidFill>
-                <a:srgbClr val="003B49"/>
-              </a:solidFill>
-              <a:latin typeface="Segoe UI" panose="020B0502040204020203" pitchFamily="34" charset="0"/>
-              <a:cs typeface="Segoe UI" panose="020B0502040204020203" pitchFamily="34" charset="0"/>
-            </a:endParaRPr>
-          </a:p>
-        </p:txBody>
-      </p:sp>
-      <p:sp>
-        <p:nvSpPr>
-          <p:cNvPr id="32" name="Retângulo 31">
-            <a:extLst>
-              <a:ext uri="{FF2B5EF4-FFF2-40B4-BE49-F238E27FC236}">
-                <a16:creationId xmlns="" xmlns:a16="http://schemas.microsoft.com/office/drawing/2014/main" id="{9A7F46E3-1D8F-41CA-9B7F-8E83B708244E}"/>
-              </a:ext>
-            </a:extLst>
-          </p:cNvPr>
-          <p:cNvSpPr/>
-          <p:nvPr/>
-        </p:nvSpPr>
-        <p:spPr>
-          <a:xfrm>
-            <a:off x="10425402" y="3728616"/>
-            <a:ext cx="1287624" cy="452536"/>
-          </a:xfrm>
-          <a:prstGeom prst="rect">
-            <a:avLst/>
-          </a:prstGeom>
-          <a:solidFill>
-            <a:srgbClr val="E8E100"/>
-          </a:solidFill>
-          <a:ln w="28575">
-            <a:noFill/>
-          </a:ln>
-        </p:spPr>
-        <p:style>
-          <a:lnRef idx="2">
-            <a:schemeClr val="accent1">
-              <a:shade val="50000"/>
-            </a:schemeClr>
-          </a:lnRef>
-          <a:fillRef idx="1">
-            <a:schemeClr val="accent1"/>
-          </a:fillRef>
-          <a:effectRef idx="0">
-            <a:schemeClr val="accent1"/>
-          </a:effectRef>
-          <a:fontRef idx="minor">
-            <a:schemeClr val="lt1"/>
-          </a:fontRef>
-        </p:style>
-        <p:txBody>
-          <a:bodyPr rtlCol="0" anchor="ctr"/>
-          <a:lstStyle/>
-          <a:p>
-            <a:pPr algn="ctr"/>
-            <a:r>
-              <a:rPr lang="pt-BR" sz="1200" dirty="0">
-                <a:solidFill>
-                  <a:srgbClr val="003B49"/>
-                </a:solidFill>
-                <a:latin typeface="Segoe UI" panose="020B0502040204020203" pitchFamily="34" charset="0"/>
-                <a:cs typeface="Segoe UI" panose="020B0502040204020203" pitchFamily="34" charset="0"/>
-              </a:rPr>
-              <a:t>Exibição de Resultados</a:t>
-            </a:r>
-          </a:p>
-        </p:txBody>
-      </p:sp>
-      <p:cxnSp>
-        <p:nvCxnSpPr>
-          <p:cNvPr id="33" name="Conector: Curvo 32">
-            <a:extLst>
-              <a:ext uri="{FF2B5EF4-FFF2-40B4-BE49-F238E27FC236}">
-                <a16:creationId xmlns="" xmlns:a16="http://schemas.microsoft.com/office/drawing/2014/main" id="{FB19CCE9-7FC4-40E2-9629-90347434730E}"/>
-              </a:ext>
-            </a:extLst>
-          </p:cNvPr>
-          <p:cNvCxnSpPr>
-            <a:cxnSpLocks/>
-            <a:stCxn id="2" idx="3"/>
-            <a:endCxn id="14" idx="1"/>
-          </p:cNvCxnSpPr>
-          <p:nvPr/>
-        </p:nvCxnSpPr>
-        <p:spPr>
-          <a:xfrm>
-            <a:off x="3097760" y="3715916"/>
-            <a:ext cx="520442" cy="12700"/>
-          </a:xfrm>
-          <a:prstGeom prst="curvedConnector3">
-            <a:avLst>
-              <a:gd name="adj1" fmla="val 50000"/>
-            </a:avLst>
-          </a:prstGeom>
-          <a:ln w="28575">
-            <a:solidFill>
-              <a:schemeClr val="bg1"/>
-            </a:solidFill>
-            <a:tailEnd type="triangle"/>
-          </a:ln>
-        </p:spPr>
-        <p:style>
-          <a:lnRef idx="1">
-            <a:schemeClr val="accent1"/>
-          </a:lnRef>
-          <a:fillRef idx="0">
-            <a:schemeClr val="accent1"/>
-          </a:fillRef>
-          <a:effectRef idx="0">
-            <a:schemeClr val="accent1"/>
-          </a:effectRef>
-          <a:fontRef idx="minor">
-            <a:schemeClr val="tx1"/>
-          </a:fontRef>
-        </p:style>
-      </p:cxnSp>
-      <p:cxnSp>
-        <p:nvCxnSpPr>
-          <p:cNvPr id="36" name="Conector: Curvo 35">
-            <a:extLst>
-              <a:ext uri="{FF2B5EF4-FFF2-40B4-BE49-F238E27FC236}">
-                <a16:creationId xmlns="" xmlns:a16="http://schemas.microsoft.com/office/drawing/2014/main" id="{A697B582-299A-4406-A121-3224A3E99305}"/>
-              </a:ext>
-            </a:extLst>
-          </p:cNvPr>
-          <p:cNvCxnSpPr>
-            <a:cxnSpLocks/>
-            <a:stCxn id="14" idx="3"/>
-            <a:endCxn id="16" idx="1"/>
-          </p:cNvCxnSpPr>
-          <p:nvPr/>
-        </p:nvCxnSpPr>
-        <p:spPr>
-          <a:xfrm flipV="1">
-            <a:off x="4905826" y="2321080"/>
-            <a:ext cx="824201" cy="1407536"/>
-          </a:xfrm>
-          <a:prstGeom prst="curvedConnector3">
-            <a:avLst>
-              <a:gd name="adj1" fmla="val 50000"/>
-            </a:avLst>
-          </a:prstGeom>
-          <a:ln w="28575">
-            <a:solidFill>
-              <a:schemeClr val="bg1"/>
-            </a:solidFill>
-            <a:tailEnd type="triangle"/>
-          </a:ln>
-        </p:spPr>
-        <p:style>
-          <a:lnRef idx="1">
-            <a:schemeClr val="accent1"/>
-          </a:lnRef>
-          <a:fillRef idx="0">
-            <a:schemeClr val="accent1"/>
-          </a:fillRef>
-          <a:effectRef idx="0">
-            <a:schemeClr val="accent1"/>
-          </a:effectRef>
-          <a:fontRef idx="minor">
-            <a:schemeClr val="tx1"/>
-          </a:fontRef>
-        </p:style>
-      </p:cxnSp>
-      <p:cxnSp>
-        <p:nvCxnSpPr>
-          <p:cNvPr id="39" name="Conector: Curvo 38">
-            <a:extLst>
-              <a:ext uri="{FF2B5EF4-FFF2-40B4-BE49-F238E27FC236}">
-                <a16:creationId xmlns="" xmlns:a16="http://schemas.microsoft.com/office/drawing/2014/main" id="{765F4BEA-9AF2-4955-BB78-95E8B9954AD7}"/>
-              </a:ext>
-            </a:extLst>
-          </p:cNvPr>
-          <p:cNvCxnSpPr>
-            <a:cxnSpLocks/>
-            <a:stCxn id="14" idx="3"/>
-            <a:endCxn id="18" idx="1"/>
-          </p:cNvCxnSpPr>
-          <p:nvPr/>
-        </p:nvCxnSpPr>
-        <p:spPr>
-          <a:xfrm flipV="1">
-            <a:off x="4905826" y="3415872"/>
-            <a:ext cx="824201" cy="312744"/>
-          </a:xfrm>
-          <a:prstGeom prst="curvedConnector3">
-            <a:avLst>
-              <a:gd name="adj1" fmla="val 50000"/>
-            </a:avLst>
-          </a:prstGeom>
-          <a:ln w="28575">
-            <a:solidFill>
-              <a:schemeClr val="bg1"/>
-            </a:solidFill>
-            <a:tailEnd type="triangle"/>
-          </a:ln>
-        </p:spPr>
-        <p:style>
-          <a:lnRef idx="1">
-            <a:schemeClr val="accent1"/>
-          </a:lnRef>
-          <a:fillRef idx="0">
-            <a:schemeClr val="accent1"/>
-          </a:fillRef>
-          <a:effectRef idx="0">
-            <a:schemeClr val="accent1"/>
-          </a:effectRef>
-          <a:fontRef idx="minor">
-            <a:schemeClr val="tx1"/>
-          </a:fontRef>
-        </p:style>
-      </p:cxnSp>
-      <p:cxnSp>
-        <p:nvCxnSpPr>
-          <p:cNvPr id="42" name="Conector: Curvo 41">
-            <a:extLst>
-              <a:ext uri="{FF2B5EF4-FFF2-40B4-BE49-F238E27FC236}">
-                <a16:creationId xmlns="" xmlns:a16="http://schemas.microsoft.com/office/drawing/2014/main" id="{1239CCFE-AAC6-4FA5-834D-1C78E7A35354}"/>
-              </a:ext>
-            </a:extLst>
-          </p:cNvPr>
-          <p:cNvCxnSpPr>
-            <a:cxnSpLocks/>
-            <a:stCxn id="14" idx="3"/>
-            <a:endCxn id="20" idx="1"/>
-          </p:cNvCxnSpPr>
-          <p:nvPr/>
-        </p:nvCxnSpPr>
-        <p:spPr>
-          <a:xfrm>
-            <a:off x="4905826" y="3728616"/>
-            <a:ext cx="824201" cy="894015"/>
-          </a:xfrm>
-          <a:prstGeom prst="curvedConnector3">
-            <a:avLst>
-              <a:gd name="adj1" fmla="val 50000"/>
-            </a:avLst>
-          </a:prstGeom>
-          <a:ln w="28575">
-            <a:solidFill>
-              <a:schemeClr val="bg1"/>
-            </a:solidFill>
-            <a:tailEnd type="triangle"/>
-          </a:ln>
-        </p:spPr>
-        <p:style>
-          <a:lnRef idx="1">
-            <a:schemeClr val="accent1"/>
-          </a:lnRef>
-          <a:fillRef idx="0">
-            <a:schemeClr val="accent1"/>
-          </a:fillRef>
-          <a:effectRef idx="0">
-            <a:schemeClr val="accent1"/>
-          </a:effectRef>
-          <a:fontRef idx="minor">
-            <a:schemeClr val="tx1"/>
-          </a:fontRef>
-        </p:style>
-      </p:cxnSp>
-      <p:cxnSp>
-        <p:nvCxnSpPr>
-          <p:cNvPr id="45" name="Conector: Curvo 44">
-            <a:extLst>
-              <a:ext uri="{FF2B5EF4-FFF2-40B4-BE49-F238E27FC236}">
-                <a16:creationId xmlns="" xmlns:a16="http://schemas.microsoft.com/office/drawing/2014/main" id="{92D1A7AA-1075-4F8C-900D-F6943FB5171A}"/>
-              </a:ext>
-            </a:extLst>
-          </p:cNvPr>
-          <p:cNvCxnSpPr>
-            <a:cxnSpLocks/>
-            <a:stCxn id="14" idx="3"/>
-            <a:endCxn id="22" idx="1"/>
-          </p:cNvCxnSpPr>
-          <p:nvPr/>
-        </p:nvCxnSpPr>
-        <p:spPr>
-          <a:xfrm>
-            <a:off x="4905826" y="3728616"/>
-            <a:ext cx="824201" cy="1892988"/>
-          </a:xfrm>
-          <a:prstGeom prst="curvedConnector3">
-            <a:avLst>
-              <a:gd name="adj1" fmla="val 50000"/>
-            </a:avLst>
-          </a:prstGeom>
-          <a:ln w="28575">
-            <a:solidFill>
-              <a:schemeClr val="bg1"/>
-            </a:solidFill>
-            <a:tailEnd type="triangle"/>
-          </a:ln>
-        </p:spPr>
-        <p:style>
-          <a:lnRef idx="1">
-            <a:schemeClr val="accent1"/>
-          </a:lnRef>
-          <a:fillRef idx="0">
-            <a:schemeClr val="accent1"/>
-          </a:fillRef>
-          <a:effectRef idx="0">
-            <a:schemeClr val="accent1"/>
-          </a:effectRef>
-          <a:fontRef idx="minor">
-            <a:schemeClr val="tx1"/>
-          </a:fontRef>
-        </p:style>
-      </p:cxnSp>
-      <p:cxnSp>
-        <p:nvCxnSpPr>
-          <p:cNvPr id="48" name="Conector: Curvo 47">
-            <a:extLst>
-              <a:ext uri="{FF2B5EF4-FFF2-40B4-BE49-F238E27FC236}">
-                <a16:creationId xmlns="" xmlns:a16="http://schemas.microsoft.com/office/drawing/2014/main" id="{A7F77D0F-547B-4A46-BB29-34003DC29306}"/>
-              </a:ext>
-            </a:extLst>
-          </p:cNvPr>
-          <p:cNvCxnSpPr>
-            <a:cxnSpLocks/>
-            <a:stCxn id="16" idx="3"/>
-            <a:endCxn id="24" idx="1"/>
-          </p:cNvCxnSpPr>
-          <p:nvPr/>
-        </p:nvCxnSpPr>
-        <p:spPr>
-          <a:xfrm>
-            <a:off x="7017651" y="2321080"/>
-            <a:ext cx="964166" cy="12700"/>
-          </a:xfrm>
-          <a:prstGeom prst="curvedConnector3">
-            <a:avLst>
-              <a:gd name="adj1" fmla="val 50000"/>
-            </a:avLst>
-          </a:prstGeom>
-          <a:ln w="28575">
-            <a:solidFill>
-              <a:schemeClr val="bg1"/>
-            </a:solidFill>
-            <a:tailEnd type="triangle"/>
-          </a:ln>
-        </p:spPr>
-        <p:style>
-          <a:lnRef idx="1">
-            <a:schemeClr val="accent1"/>
-          </a:lnRef>
-          <a:fillRef idx="0">
-            <a:schemeClr val="accent1"/>
-          </a:fillRef>
-          <a:effectRef idx="0">
-            <a:schemeClr val="accent1"/>
-          </a:effectRef>
-          <a:fontRef idx="minor">
-            <a:schemeClr val="tx1"/>
-          </a:fontRef>
-        </p:style>
-      </p:cxnSp>
-      <p:cxnSp>
-        <p:nvCxnSpPr>
-          <p:cNvPr id="51" name="Conector: Curvo 50">
-            <a:extLst>
-              <a:ext uri="{FF2B5EF4-FFF2-40B4-BE49-F238E27FC236}">
-                <a16:creationId xmlns="" xmlns:a16="http://schemas.microsoft.com/office/drawing/2014/main" id="{82D8010A-B4BA-47B7-AB6A-584E3F8EEA47}"/>
-              </a:ext>
-            </a:extLst>
-          </p:cNvPr>
-          <p:cNvCxnSpPr>
-            <a:cxnSpLocks/>
-            <a:stCxn id="18" idx="3"/>
-            <a:endCxn id="26" idx="1"/>
-          </p:cNvCxnSpPr>
-          <p:nvPr/>
-        </p:nvCxnSpPr>
-        <p:spPr>
-          <a:xfrm>
-            <a:off x="7017651" y="3415872"/>
-            <a:ext cx="964166" cy="12700"/>
-          </a:xfrm>
-          <a:prstGeom prst="curvedConnector3">
-            <a:avLst>
-              <a:gd name="adj1" fmla="val 50000"/>
-            </a:avLst>
-          </a:prstGeom>
-          <a:ln w="28575">
-            <a:solidFill>
-              <a:schemeClr val="bg1"/>
-            </a:solidFill>
-            <a:tailEnd type="triangle"/>
-          </a:ln>
-        </p:spPr>
-        <p:style>
-          <a:lnRef idx="1">
-            <a:schemeClr val="accent1"/>
-          </a:lnRef>
-          <a:fillRef idx="0">
-            <a:schemeClr val="accent1"/>
-          </a:fillRef>
-          <a:effectRef idx="0">
-            <a:schemeClr val="accent1"/>
-          </a:effectRef>
-          <a:fontRef idx="minor">
-            <a:schemeClr val="tx1"/>
-          </a:fontRef>
-        </p:style>
-      </p:cxnSp>
-      <p:cxnSp>
-        <p:nvCxnSpPr>
-          <p:cNvPr id="55" name="Conector: Curvo 54">
-            <a:extLst>
-              <a:ext uri="{FF2B5EF4-FFF2-40B4-BE49-F238E27FC236}">
-                <a16:creationId xmlns="" xmlns:a16="http://schemas.microsoft.com/office/drawing/2014/main" id="{2F00912A-FCC2-4F58-813D-BE0A469723DB}"/>
-              </a:ext>
-            </a:extLst>
-          </p:cNvPr>
-          <p:cNvCxnSpPr>
-            <a:cxnSpLocks/>
-            <a:stCxn id="20" idx="3"/>
-            <a:endCxn id="28" idx="1"/>
-          </p:cNvCxnSpPr>
-          <p:nvPr/>
-        </p:nvCxnSpPr>
-        <p:spPr>
-          <a:xfrm>
-            <a:off x="7017651" y="4622631"/>
-            <a:ext cx="964165" cy="12700"/>
-          </a:xfrm>
-          <a:prstGeom prst="curvedConnector3">
-            <a:avLst>
-              <a:gd name="adj1" fmla="val 50000"/>
-            </a:avLst>
-          </a:prstGeom>
-          <a:ln w="28575">
-            <a:solidFill>
-              <a:schemeClr val="bg1"/>
-            </a:solidFill>
-            <a:tailEnd type="triangle"/>
-          </a:ln>
-        </p:spPr>
-        <p:style>
-          <a:lnRef idx="1">
-            <a:schemeClr val="accent1"/>
-          </a:lnRef>
-          <a:fillRef idx="0">
-            <a:schemeClr val="accent1"/>
-          </a:fillRef>
-          <a:effectRef idx="0">
-            <a:schemeClr val="accent1"/>
-          </a:effectRef>
-          <a:fontRef idx="minor">
-            <a:schemeClr val="tx1"/>
-          </a:fontRef>
-        </p:style>
-      </p:cxnSp>
-      <p:cxnSp>
-        <p:nvCxnSpPr>
-          <p:cNvPr id="58" name="Conector: Curvo 57">
-            <a:extLst>
-              <a:ext uri="{FF2B5EF4-FFF2-40B4-BE49-F238E27FC236}">
-                <a16:creationId xmlns="" xmlns:a16="http://schemas.microsoft.com/office/drawing/2014/main" id="{5D057DE3-242E-4699-98BD-4BD59B68A818}"/>
-              </a:ext>
-            </a:extLst>
-          </p:cNvPr>
-          <p:cNvCxnSpPr>
-            <a:cxnSpLocks/>
-            <a:stCxn id="22" idx="3"/>
-            <a:endCxn id="30" idx="1"/>
-          </p:cNvCxnSpPr>
-          <p:nvPr/>
-        </p:nvCxnSpPr>
-        <p:spPr>
-          <a:xfrm>
-            <a:off x="7017651" y="5621604"/>
-            <a:ext cx="964164" cy="12700"/>
-          </a:xfrm>
-          <a:prstGeom prst="curvedConnector3">
-            <a:avLst>
-              <a:gd name="adj1" fmla="val 50000"/>
-            </a:avLst>
-          </a:prstGeom>
-          <a:ln w="28575">
-            <a:solidFill>
-              <a:schemeClr val="bg1"/>
-            </a:solidFill>
-            <a:tailEnd type="triangle"/>
-          </a:ln>
-        </p:spPr>
-        <p:style>
-          <a:lnRef idx="1">
-            <a:schemeClr val="accent1"/>
-          </a:lnRef>
-          <a:fillRef idx="0">
-            <a:schemeClr val="accent1"/>
-          </a:fillRef>
-          <a:effectRef idx="0">
-            <a:schemeClr val="accent1"/>
-          </a:effectRef>
-          <a:fontRef idx="minor">
-            <a:schemeClr val="tx1"/>
-          </a:fontRef>
-        </p:style>
-      </p:cxnSp>
-      <p:cxnSp>
-        <p:nvCxnSpPr>
-          <p:cNvPr id="61" name="Conector: Curvo 60">
-            <a:extLst>
-              <a:ext uri="{FF2B5EF4-FFF2-40B4-BE49-F238E27FC236}">
-                <a16:creationId xmlns="" xmlns:a16="http://schemas.microsoft.com/office/drawing/2014/main" id="{DC983811-64A4-41E3-9790-3BB5407EE449}"/>
-              </a:ext>
-            </a:extLst>
-          </p:cNvPr>
-          <p:cNvCxnSpPr>
-            <a:cxnSpLocks/>
-            <a:stCxn id="30" idx="3"/>
-            <a:endCxn id="32" idx="1"/>
-          </p:cNvCxnSpPr>
-          <p:nvPr/>
-        </p:nvCxnSpPr>
-        <p:spPr>
-          <a:xfrm flipV="1">
-            <a:off x="9815800" y="3954884"/>
-            <a:ext cx="609602" cy="1666720"/>
-          </a:xfrm>
-          <a:prstGeom prst="curvedConnector3">
-            <a:avLst>
-              <a:gd name="adj1" fmla="val 50000"/>
-            </a:avLst>
-          </a:prstGeom>
-          <a:ln w="28575">
-            <a:solidFill>
-              <a:schemeClr val="bg1"/>
-            </a:solidFill>
-            <a:tailEnd type="triangle"/>
-          </a:ln>
-        </p:spPr>
-        <p:style>
-          <a:lnRef idx="1">
-            <a:schemeClr val="accent1"/>
-          </a:lnRef>
-          <a:fillRef idx="0">
-            <a:schemeClr val="accent1"/>
-          </a:fillRef>
-          <a:effectRef idx="0">
-            <a:schemeClr val="accent1"/>
-          </a:effectRef>
-          <a:fontRef idx="minor">
-            <a:schemeClr val="tx1"/>
-          </a:fontRef>
-        </p:style>
-      </p:cxnSp>
-      <p:cxnSp>
-        <p:nvCxnSpPr>
-          <p:cNvPr id="64" name="Conector: Curvo 63">
-            <a:extLst>
-              <a:ext uri="{FF2B5EF4-FFF2-40B4-BE49-F238E27FC236}">
-                <a16:creationId xmlns="" xmlns:a16="http://schemas.microsoft.com/office/drawing/2014/main" id="{BBB07F56-2E13-46C1-B303-C92BDE58EFA2}"/>
-              </a:ext>
-            </a:extLst>
-          </p:cNvPr>
-          <p:cNvCxnSpPr>
-            <a:cxnSpLocks/>
-            <a:stCxn id="28" idx="3"/>
-            <a:endCxn id="32" idx="1"/>
-          </p:cNvCxnSpPr>
-          <p:nvPr/>
-        </p:nvCxnSpPr>
-        <p:spPr>
-          <a:xfrm flipV="1">
-            <a:off x="9815801" y="3954884"/>
-            <a:ext cx="609601" cy="667747"/>
-          </a:xfrm>
-          <a:prstGeom prst="curvedConnector3">
-            <a:avLst>
-              <a:gd name="adj1" fmla="val 50000"/>
-            </a:avLst>
-          </a:prstGeom>
-          <a:ln w="28575">
-            <a:solidFill>
-              <a:schemeClr val="bg1"/>
-            </a:solidFill>
-            <a:tailEnd type="triangle"/>
-          </a:ln>
-        </p:spPr>
-        <p:style>
-          <a:lnRef idx="1">
-            <a:schemeClr val="accent1"/>
-          </a:lnRef>
-          <a:fillRef idx="0">
-            <a:schemeClr val="accent1"/>
-          </a:fillRef>
-          <a:effectRef idx="0">
-            <a:schemeClr val="accent1"/>
-          </a:effectRef>
-          <a:fontRef idx="minor">
-            <a:schemeClr val="tx1"/>
-          </a:fontRef>
-        </p:style>
-      </p:cxnSp>
-      <p:cxnSp>
-        <p:nvCxnSpPr>
-          <p:cNvPr id="67" name="Conector: Curvo 66">
-            <a:extLst>
-              <a:ext uri="{FF2B5EF4-FFF2-40B4-BE49-F238E27FC236}">
-                <a16:creationId xmlns="" xmlns:a16="http://schemas.microsoft.com/office/drawing/2014/main" id="{5A09DA3E-8902-4537-AA95-500B97345DF3}"/>
-              </a:ext>
-            </a:extLst>
-          </p:cNvPr>
-          <p:cNvCxnSpPr>
-            <a:cxnSpLocks/>
-            <a:stCxn id="26" idx="3"/>
-            <a:endCxn id="32" idx="1"/>
-          </p:cNvCxnSpPr>
-          <p:nvPr/>
-        </p:nvCxnSpPr>
-        <p:spPr>
-          <a:xfrm>
-            <a:off x="9815802" y="3415872"/>
-            <a:ext cx="609600" cy="539012"/>
-          </a:xfrm>
-          <a:prstGeom prst="curvedConnector3">
-            <a:avLst>
-              <a:gd name="adj1" fmla="val 50000"/>
-            </a:avLst>
-          </a:prstGeom>
-          <a:ln w="28575">
-            <a:solidFill>
-              <a:schemeClr val="bg1"/>
-            </a:solidFill>
-            <a:tailEnd type="triangle"/>
-          </a:ln>
-        </p:spPr>
-        <p:style>
-          <a:lnRef idx="1">
-            <a:schemeClr val="accent1"/>
-          </a:lnRef>
-          <a:fillRef idx="0">
-            <a:schemeClr val="accent1"/>
-          </a:fillRef>
-          <a:effectRef idx="0">
-            <a:schemeClr val="accent1"/>
-          </a:effectRef>
-          <a:fontRef idx="minor">
-            <a:schemeClr val="tx1"/>
-          </a:fontRef>
-        </p:style>
-      </p:cxnSp>
-      <p:cxnSp>
-        <p:nvCxnSpPr>
-          <p:cNvPr id="70" name="Conector: Curvo 69">
-            <a:extLst>
-              <a:ext uri="{FF2B5EF4-FFF2-40B4-BE49-F238E27FC236}">
-                <a16:creationId xmlns="" xmlns:a16="http://schemas.microsoft.com/office/drawing/2014/main" id="{CCF06618-4A16-454C-9A13-48F59E155A38}"/>
-              </a:ext>
-            </a:extLst>
-          </p:cNvPr>
-          <p:cNvCxnSpPr>
-            <a:cxnSpLocks/>
-            <a:stCxn id="24" idx="3"/>
-            <a:endCxn id="32" idx="1"/>
-          </p:cNvCxnSpPr>
-          <p:nvPr/>
-        </p:nvCxnSpPr>
-        <p:spPr>
-          <a:xfrm>
-            <a:off x="9881117" y="2321080"/>
-            <a:ext cx="544285" cy="1633804"/>
-          </a:xfrm>
-          <a:prstGeom prst="curvedConnector3">
-            <a:avLst>
-              <a:gd name="adj1" fmla="val 50000"/>
-            </a:avLst>
-          </a:prstGeom>
-          <a:ln w="28575">
-            <a:solidFill>
-              <a:schemeClr val="bg1"/>
-            </a:solidFill>
-            <a:tailEnd type="triangle"/>
-          </a:ln>
-        </p:spPr>
-        <p:style>
-          <a:lnRef idx="1">
-            <a:schemeClr val="accent1"/>
-          </a:lnRef>
-          <a:fillRef idx="0">
-            <a:schemeClr val="accent1"/>
-          </a:fillRef>
-          <a:effectRef idx="0">
-            <a:schemeClr val="accent1"/>
-          </a:effectRef>
-          <a:fontRef idx="minor">
-            <a:schemeClr val="tx1"/>
-          </a:fontRef>
-        </p:style>
-      </p:cxnSp>
-      <p:cxnSp>
-        <p:nvCxnSpPr>
-          <p:cNvPr id="29" name="Conector reto 28">
-            <a:extLst>
-              <a:ext uri="{FF2B5EF4-FFF2-40B4-BE49-F238E27FC236}">
-                <a16:creationId xmlns="" xmlns:a16="http://schemas.microsoft.com/office/drawing/2014/main" id="{6F64854E-E911-47DA-A59F-5022A14EDED8}"/>
+                <a16:creationId xmlns="" xmlns:a16="http://schemas.microsoft.com/office/drawing/2014/main" id="{8A95D465-6A67-4798-800E-B9F70604C339}"/>
               </a:ext>
             </a:extLst>
           </p:cNvPr>
@@ -7623,10 +6944,10 @@
       </p:cxnSp>
       <p:cxnSp>
         <p:nvCxnSpPr>
-          <p:cNvPr id="31" name="Conector reto 30">
+          <p:cNvPr id="11" name="Conector reto 10">
             <a:extLst>
               <a:ext uri="{FF2B5EF4-FFF2-40B4-BE49-F238E27FC236}">
-                <a16:creationId xmlns="" xmlns:a16="http://schemas.microsoft.com/office/drawing/2014/main" id="{C90C1037-FEC9-46B1-9264-83C3673C8C66}"/>
+                <a16:creationId xmlns="" xmlns:a16="http://schemas.microsoft.com/office/drawing/2014/main" id="{FD3F1FBC-2B87-4ED4-B351-CEC3899B1265}"/>
               </a:ext>
             </a:extLst>
           </p:cNvPr>
@@ -7664,23 +6985,78 @@
           </a:fontRef>
         </p:style>
       </p:cxnSp>
+      <p:pic>
+        <p:nvPicPr>
+          <p:cNvPr id="5122" name="Picture 2"/>
+          <p:cNvPicPr>
+            <a:picLocks noChangeAspect="1" noChangeArrowheads="1"/>
+          </p:cNvPicPr>
+          <p:nvPr/>
+        </p:nvPicPr>
+        <p:blipFill rotWithShape="1">
+          <a:blip r:embed="rId3">
+            <a:extLst>
+              <a:ext uri="{28A0092B-C50C-407E-A947-70E740481C1C}">
+                <a14:useLocalDpi xmlns:a14="http://schemas.microsoft.com/office/drawing/2010/main" val="0"/>
+              </a:ext>
+            </a:extLst>
+          </a:blip>
+          <a:srcRect r="48463" b="58680"/>
+          <a:stretch/>
+        </p:blipFill>
+        <p:spPr bwMode="auto">
+          <a:xfrm>
+            <a:off x="2971800" y="2505620"/>
+            <a:ext cx="6705600" cy="3022600"/>
+          </a:xfrm>
+          <a:prstGeom prst="rect">
+            <a:avLst/>
+          </a:prstGeom>
+          <a:noFill/>
+          <a:ln>
+            <a:noFill/>
+          </a:ln>
+          <a:effectLst/>
+          <a:extLst>
+            <a:ext uri="{909E8E84-426E-40DD-AFC4-6F175D3DCCD1}">
+              <a14:hiddenFill xmlns:a14="http://schemas.microsoft.com/office/drawing/2010/main">
+                <a:solidFill>
+                  <a:schemeClr val="accent1"/>
+                </a:solidFill>
+              </a14:hiddenFill>
+            </a:ext>
+            <a:ext uri="{91240B29-F687-4F45-9708-019B960494DF}">
+              <a14:hiddenLine xmlns:a14="http://schemas.microsoft.com/office/drawing/2010/main" w="9525">
+                <a:solidFill>
+                  <a:schemeClr val="tx1"/>
+                </a:solidFill>
+                <a:miter lim="800000"/>
+                <a:headEnd/>
+                <a:tailEnd/>
+              </a14:hiddenLine>
+            </a:ext>
+            <a:ext uri="{AF507438-7753-43E0-B8FC-AC1667EBCBE1}">
+              <a14:hiddenEffects xmlns:a14="http://schemas.microsoft.com/office/drawing/2010/main">
+                <a:effectLst>
+                  <a:outerShdw dist="35921" dir="2700000" algn="ctr" rotWithShape="0">
+                    <a:schemeClr val="bg2"/>
+                  </a:outerShdw>
+                </a:effectLst>
+              </a14:hiddenEffects>
+            </a:ext>
+          </a:extLst>
+        </p:spPr>
+      </p:pic>
     </p:spTree>
     <p:extLst>
       <p:ext uri="{BB962C8B-B14F-4D97-AF65-F5344CB8AC3E}">
-        <p14:creationId xmlns:p14="http://schemas.microsoft.com/office/powerpoint/2010/main" val="2820215226"/>
+        <p14:creationId xmlns:p14="http://schemas.microsoft.com/office/powerpoint/2010/main" val="3168405104"/>
       </p:ext>
     </p:extLst>
   </p:cSld>
   <p:clrMapOvr>
     <a:masterClrMapping/>
   </p:clrMapOvr>
-  <p:timing>
-    <p:tnLst>
-      <p:par>
-        <p:cTn id="1" dur="indefinite" restart="never" nodeType="tmRoot"/>
-      </p:par>
-    </p:tnLst>
-  </p:timing>
 </p:sld>
 </file>
 
@@ -7703,10 +7079,10 @@
       </p:grpSpPr>
       <p:sp>
         <p:nvSpPr>
-          <p:cNvPr id="4" name="Retângulo 3">
+          <p:cNvPr id="5" name="Retângulo 4">
             <a:extLst>
               <a:ext uri="{FF2B5EF4-FFF2-40B4-BE49-F238E27FC236}">
-                <a16:creationId xmlns="" xmlns:a16="http://schemas.microsoft.com/office/drawing/2014/main" id="{7E373BB6-A77F-4A31-9A25-87691A4E4B55}"/>
+                <a16:creationId xmlns="" xmlns:a16="http://schemas.microsoft.com/office/drawing/2014/main" id="{C6C89842-138D-40D4-8CEE-99F170FAE802}"/>
               </a:ext>
             </a:extLst>
           </p:cNvPr>
@@ -7769,7 +7145,7 @@
           <a:lstStyle/>
           <a:p>
             <a:pPr algn="ctr"/>
-            <a:endParaRPr lang="pt-BR"/>
+            <a:endParaRPr lang="pt-BR" dirty="0"/>
           </a:p>
         </p:txBody>
       </p:sp>
@@ -7787,8 +7163,8 @@
         </p:nvSpPr>
         <p:spPr>
           <a:xfrm>
-            <a:off x="491067" y="406399"/>
-            <a:ext cx="2785534" cy="707886"/>
+            <a:off x="491066" y="406399"/>
+            <a:ext cx="10242583" cy="769441"/>
           </a:xfrm>
           <a:prstGeom prst="rect">
             <a:avLst/>
@@ -7802,41 +7178,661 @@
           <a:lstStyle/>
           <a:p>
             <a:r>
-              <a:rPr lang="pt-BR" sz="4000" b="1" dirty="0">
+              <a:rPr lang="pt-BR" sz="4400" b="1" dirty="0">
                 <a:solidFill>
                   <a:schemeClr val="bg1"/>
                 </a:solidFill>
                 <a:latin typeface="Segoe UI Black" panose="020B0A02040204020203" pitchFamily="34" charset="0"/>
                 <a:ea typeface="Segoe UI Black" panose="020B0A02040204020203" pitchFamily="34" charset="0"/>
               </a:rPr>
-              <a:t>O </a:t>
-            </a:r>
-            <a:r>
-              <a:rPr lang="pt-BR" sz="4000" b="1" dirty="0" smtClean="0">
-                <a:solidFill>
-                  <a:schemeClr val="bg1"/>
-                </a:solidFill>
-                <a:latin typeface="Segoe UI Black" panose="020B0A02040204020203" pitchFamily="34" charset="0"/>
-                <a:ea typeface="Segoe UI Black" panose="020B0A02040204020203" pitchFamily="34" charset="0"/>
+              <a:t>Resultados – Diagrama de Fluxo</a:t>
+            </a:r>
+          </a:p>
+        </p:txBody>
+      </p:sp>
+      <p:sp>
+        <p:nvSpPr>
+          <p:cNvPr id="2" name="Retângulo 1">
+            <a:extLst>
+              <a:ext uri="{FF2B5EF4-FFF2-40B4-BE49-F238E27FC236}">
+                <a16:creationId xmlns="" xmlns:a16="http://schemas.microsoft.com/office/drawing/2014/main" id="{BE30C5A8-FCD2-4E8D-8F9A-C168A5DAE4E0}"/>
+              </a:ext>
+            </a:extLst>
+          </p:cNvPr>
+          <p:cNvSpPr/>
+          <p:nvPr/>
+        </p:nvSpPr>
+        <p:spPr>
+          <a:xfrm>
+            <a:off x="1810136" y="3489648"/>
+            <a:ext cx="1287624" cy="527272"/>
+          </a:xfrm>
+          <a:prstGeom prst="rect">
+            <a:avLst/>
+          </a:prstGeom>
+          <a:solidFill>
+            <a:srgbClr val="E8E100"/>
+          </a:solidFill>
+          <a:ln w="28575">
+            <a:noFill/>
+          </a:ln>
+        </p:spPr>
+        <p:style>
+          <a:lnRef idx="2">
+            <a:schemeClr val="accent1">
+              <a:shade val="50000"/>
+            </a:schemeClr>
+          </a:lnRef>
+          <a:fillRef idx="1">
+            <a:schemeClr val="accent1"/>
+          </a:fillRef>
+          <a:effectRef idx="0">
+            <a:schemeClr val="accent1"/>
+          </a:effectRef>
+          <a:fontRef idx="minor">
+            <a:schemeClr val="lt1"/>
+          </a:fontRef>
+        </p:style>
+        <p:txBody>
+          <a:bodyPr rtlCol="0" anchor="ctr"/>
+          <a:lstStyle/>
+          <a:p>
+            <a:pPr algn="ctr"/>
+            <a:r>
+              <a:rPr lang="pt-BR" sz="1200" dirty="0">
+                <a:solidFill>
+                  <a:srgbClr val="003B49"/>
+                </a:solidFill>
+                <a:latin typeface="Segoe UI" panose="020B0502040204020203" pitchFamily="34" charset="0"/>
+                <a:cs typeface="Segoe UI" panose="020B0502040204020203" pitchFamily="34" charset="0"/>
               </a:rPr>
-              <a:t>Código</a:t>
-            </a:r>
-            <a:endParaRPr lang="pt-BR" sz="4000" b="1" dirty="0">
+              <a:t>Geração de dados </a:t>
+            </a:r>
+            <a:r>
+              <a:rPr lang="pt-BR" sz="1200" dirty="0" smtClean="0">
+                <a:solidFill>
+                  <a:srgbClr val="003B49"/>
+                </a:solidFill>
+                <a:latin typeface="Segoe UI" panose="020B0502040204020203" pitchFamily="34" charset="0"/>
+                <a:cs typeface="Segoe UI" panose="020B0502040204020203" pitchFamily="34" charset="0"/>
+              </a:rPr>
+              <a:t>do simulador</a:t>
+            </a:r>
+            <a:endParaRPr lang="pt-BR" sz="1200" dirty="0">
               <a:solidFill>
-                <a:schemeClr val="bg1"/>
+                <a:srgbClr val="003B49"/>
               </a:solidFill>
-              <a:latin typeface="Segoe UI Black" panose="020B0A02040204020203" pitchFamily="34" charset="0"/>
-              <a:ea typeface="Segoe UI Black" panose="020B0A02040204020203" pitchFamily="34" charset="0"/>
+              <a:latin typeface="Segoe UI" panose="020B0502040204020203" pitchFamily="34" charset="0"/>
+              <a:cs typeface="Segoe UI" panose="020B0502040204020203" pitchFamily="34" charset="0"/>
+            </a:endParaRPr>
+          </a:p>
+        </p:txBody>
+      </p:sp>
+      <p:sp>
+        <p:nvSpPr>
+          <p:cNvPr id="4" name="Círculo: Vazio 3">
+            <a:extLst>
+              <a:ext uri="{FF2B5EF4-FFF2-40B4-BE49-F238E27FC236}">
+                <a16:creationId xmlns="" xmlns:a16="http://schemas.microsoft.com/office/drawing/2014/main" id="{87EA8D84-86BD-4C61-9C6E-033B9A63111C}"/>
+              </a:ext>
+            </a:extLst>
+          </p:cNvPr>
+          <p:cNvSpPr/>
+          <p:nvPr/>
+        </p:nvSpPr>
+        <p:spPr>
+          <a:xfrm>
+            <a:off x="867745" y="3512975"/>
+            <a:ext cx="429209" cy="429209"/>
+          </a:xfrm>
+          <a:prstGeom prst="donut">
+            <a:avLst/>
+          </a:prstGeom>
+          <a:solidFill>
+            <a:srgbClr val="E8E100"/>
+          </a:solidFill>
+          <a:ln w="28575">
+            <a:noFill/>
+          </a:ln>
+        </p:spPr>
+        <p:style>
+          <a:lnRef idx="2">
+            <a:schemeClr val="accent1">
+              <a:shade val="50000"/>
+            </a:schemeClr>
+          </a:lnRef>
+          <a:fillRef idx="1">
+            <a:schemeClr val="accent1"/>
+          </a:fillRef>
+          <a:effectRef idx="0">
+            <a:schemeClr val="accent1"/>
+          </a:effectRef>
+          <a:fontRef idx="minor">
+            <a:schemeClr val="lt1"/>
+          </a:fontRef>
+        </p:style>
+        <p:txBody>
+          <a:bodyPr rtlCol="0" anchor="ctr"/>
+          <a:lstStyle/>
+          <a:p>
+            <a:pPr algn="ctr"/>
+            <a:endParaRPr lang="pt-BR">
+              <a:solidFill>
+                <a:srgbClr val="003B49"/>
+              </a:solidFill>
             </a:endParaRPr>
           </a:p>
         </p:txBody>
       </p:sp>
       <p:cxnSp>
         <p:nvCxnSpPr>
-          <p:cNvPr id="5" name="Conector reto 4">
+          <p:cNvPr id="7" name="Conector: Curvo 6">
             <a:extLst>
               <a:ext uri="{FF2B5EF4-FFF2-40B4-BE49-F238E27FC236}">
-                <a16:creationId xmlns="" xmlns:a16="http://schemas.microsoft.com/office/drawing/2014/main" id="{C2BDF31B-9660-4050-A52E-65FD0B5C1DBD}"/>
+                <a16:creationId xmlns="" xmlns:a16="http://schemas.microsoft.com/office/drawing/2014/main" id="{A86ECD4B-CE25-429C-AF79-024A4D6DEC63}"/>
+              </a:ext>
+            </a:extLst>
+          </p:cNvPr>
+          <p:cNvCxnSpPr>
+            <a:cxnSpLocks/>
+            <a:stCxn id="4" idx="6"/>
+            <a:endCxn id="2" idx="1"/>
+          </p:cNvCxnSpPr>
+          <p:nvPr/>
+        </p:nvCxnSpPr>
+        <p:spPr>
+          <a:xfrm>
+            <a:off x="1296954" y="3727580"/>
+            <a:ext cx="513182" cy="25704"/>
+          </a:xfrm>
+          <a:prstGeom prst="curvedConnector3">
+            <a:avLst/>
+          </a:prstGeom>
+          <a:ln w="28575">
+            <a:solidFill>
+              <a:schemeClr val="bg1"/>
+            </a:solidFill>
+            <a:tailEnd type="triangle"/>
+          </a:ln>
+        </p:spPr>
+        <p:style>
+          <a:lnRef idx="1">
+            <a:schemeClr val="accent1"/>
+          </a:lnRef>
+          <a:fillRef idx="0">
+            <a:schemeClr val="accent1"/>
+          </a:fillRef>
+          <a:effectRef idx="0">
+            <a:schemeClr val="accent1"/>
+          </a:effectRef>
+          <a:fontRef idx="minor">
+            <a:schemeClr val="tx1"/>
+          </a:fontRef>
+        </p:style>
+      </p:cxnSp>
+      <p:sp>
+        <p:nvSpPr>
+          <p:cNvPr id="14" name="Retângulo 13">
+            <a:extLst>
+              <a:ext uri="{FF2B5EF4-FFF2-40B4-BE49-F238E27FC236}">
+                <a16:creationId xmlns="" xmlns:a16="http://schemas.microsoft.com/office/drawing/2014/main" id="{67D5BB7F-5DE7-4F3F-8C32-9C500C1CCE00}"/>
+              </a:ext>
+            </a:extLst>
+          </p:cNvPr>
+          <p:cNvSpPr/>
+          <p:nvPr/>
+        </p:nvSpPr>
+        <p:spPr>
+          <a:xfrm>
+            <a:off x="3478502" y="3639198"/>
+            <a:ext cx="1287624" cy="551801"/>
+          </a:xfrm>
+          <a:prstGeom prst="rect">
+            <a:avLst/>
+          </a:prstGeom>
+          <a:solidFill>
+            <a:srgbClr val="E8E100"/>
+          </a:solidFill>
+          <a:ln w="28575">
+            <a:noFill/>
+          </a:ln>
+        </p:spPr>
+        <p:style>
+          <a:lnRef idx="2">
+            <a:schemeClr val="accent1">
+              <a:shade val="50000"/>
+            </a:schemeClr>
+          </a:lnRef>
+          <a:fillRef idx="1">
+            <a:schemeClr val="accent1"/>
+          </a:fillRef>
+          <a:effectRef idx="0">
+            <a:schemeClr val="accent1"/>
+          </a:effectRef>
+          <a:fontRef idx="minor">
+            <a:schemeClr val="lt1"/>
+          </a:fontRef>
+        </p:style>
+        <p:txBody>
+          <a:bodyPr rtlCol="0" anchor="ctr"/>
+          <a:lstStyle/>
+          <a:p>
+            <a:pPr algn="ctr"/>
+            <a:r>
+              <a:rPr lang="pt-BR" sz="1200" dirty="0" smtClean="0">
+                <a:solidFill>
+                  <a:srgbClr val="003B49"/>
+                </a:solidFill>
+                <a:latin typeface="Segoe UI" panose="020B0502040204020203" pitchFamily="34" charset="0"/>
+                <a:cs typeface="Segoe UI" panose="020B0502040204020203" pitchFamily="34" charset="0"/>
+              </a:rPr>
+              <a:t>Geração do relatório com os dados</a:t>
+            </a:r>
+            <a:endParaRPr lang="pt-BR" sz="1200" dirty="0">
+              <a:solidFill>
+                <a:srgbClr val="003B49"/>
+              </a:solidFill>
+              <a:latin typeface="Segoe UI" panose="020B0502040204020203" pitchFamily="34" charset="0"/>
+              <a:cs typeface="Segoe UI" panose="020B0502040204020203" pitchFamily="34" charset="0"/>
+            </a:endParaRPr>
+          </a:p>
+        </p:txBody>
+      </p:sp>
+      <p:sp>
+        <p:nvSpPr>
+          <p:cNvPr id="22" name="Retângulo 21">
+            <a:extLst>
+              <a:ext uri="{FF2B5EF4-FFF2-40B4-BE49-F238E27FC236}">
+                <a16:creationId xmlns="" xmlns:a16="http://schemas.microsoft.com/office/drawing/2014/main" id="{7837974F-1678-4D7C-9CAC-998C15A887B1}"/>
+              </a:ext>
+            </a:extLst>
+          </p:cNvPr>
+          <p:cNvSpPr/>
+          <p:nvPr/>
+        </p:nvSpPr>
+        <p:spPr>
+          <a:xfrm>
+            <a:off x="5612357" y="3300748"/>
+            <a:ext cx="1287624" cy="452536"/>
+          </a:xfrm>
+          <a:prstGeom prst="rect">
+            <a:avLst/>
+          </a:prstGeom>
+          <a:solidFill>
+            <a:srgbClr val="E8E100"/>
+          </a:solidFill>
+          <a:ln w="28575">
+            <a:noFill/>
+          </a:ln>
+        </p:spPr>
+        <p:style>
+          <a:lnRef idx="2">
+            <a:schemeClr val="accent1">
+              <a:shade val="50000"/>
+            </a:schemeClr>
+          </a:lnRef>
+          <a:fillRef idx="1">
+            <a:schemeClr val="accent1"/>
+          </a:fillRef>
+          <a:effectRef idx="0">
+            <a:schemeClr val="accent1"/>
+          </a:effectRef>
+          <a:fontRef idx="minor">
+            <a:schemeClr val="lt1"/>
+          </a:fontRef>
+        </p:style>
+        <p:txBody>
+          <a:bodyPr rtlCol="0" anchor="ctr"/>
+          <a:lstStyle/>
+          <a:p>
+            <a:pPr algn="ctr"/>
+            <a:r>
+              <a:rPr lang="pt-BR" sz="1200" dirty="0" smtClean="0">
+                <a:solidFill>
+                  <a:srgbClr val="003B49"/>
+                </a:solidFill>
+                <a:latin typeface="Segoe UI" panose="020B0502040204020203" pitchFamily="34" charset="0"/>
+                <a:cs typeface="Segoe UI" panose="020B0502040204020203" pitchFamily="34" charset="0"/>
+              </a:rPr>
+              <a:t>Erro ao conectar o API</a:t>
+            </a:r>
+            <a:endParaRPr lang="pt-BR" sz="1200" dirty="0">
+              <a:solidFill>
+                <a:srgbClr val="003B49"/>
+              </a:solidFill>
+              <a:latin typeface="Segoe UI" panose="020B0502040204020203" pitchFamily="34" charset="0"/>
+              <a:cs typeface="Segoe UI" panose="020B0502040204020203" pitchFamily="34" charset="0"/>
+            </a:endParaRPr>
+          </a:p>
+        </p:txBody>
+      </p:sp>
+      <p:sp>
+        <p:nvSpPr>
+          <p:cNvPr id="30" name="Retângulo 29">
+            <a:extLst>
+              <a:ext uri="{FF2B5EF4-FFF2-40B4-BE49-F238E27FC236}">
+                <a16:creationId xmlns="" xmlns:a16="http://schemas.microsoft.com/office/drawing/2014/main" id="{E6499969-B6A6-4202-9384-4BFE540D2E37}"/>
+              </a:ext>
+            </a:extLst>
+          </p:cNvPr>
+          <p:cNvSpPr/>
+          <p:nvPr/>
+        </p:nvSpPr>
+        <p:spPr>
+          <a:xfrm>
+            <a:off x="7664314" y="3498794"/>
+            <a:ext cx="1833985" cy="452536"/>
+          </a:xfrm>
+          <a:prstGeom prst="rect">
+            <a:avLst/>
+          </a:prstGeom>
+          <a:solidFill>
+            <a:srgbClr val="E8E100"/>
+          </a:solidFill>
+          <a:ln w="28575">
+            <a:noFill/>
+          </a:ln>
+        </p:spPr>
+        <p:style>
+          <a:lnRef idx="2">
+            <a:schemeClr val="accent1">
+              <a:shade val="50000"/>
+            </a:schemeClr>
+          </a:lnRef>
+          <a:fillRef idx="1">
+            <a:schemeClr val="accent1"/>
+          </a:fillRef>
+          <a:effectRef idx="0">
+            <a:schemeClr val="accent1"/>
+          </a:effectRef>
+          <a:fontRef idx="minor">
+            <a:schemeClr val="lt1"/>
+          </a:fontRef>
+        </p:style>
+        <p:txBody>
+          <a:bodyPr rtlCol="0" anchor="ctr"/>
+          <a:lstStyle/>
+          <a:p>
+            <a:pPr algn="ctr"/>
+            <a:r>
+              <a:rPr lang="pt-BR" sz="1200" dirty="0" smtClean="0">
+                <a:solidFill>
+                  <a:srgbClr val="003B49"/>
+                </a:solidFill>
+                <a:latin typeface="Segoe UI" panose="020B0502040204020203" pitchFamily="34" charset="0"/>
+                <a:cs typeface="Segoe UI" panose="020B0502040204020203" pitchFamily="34" charset="0"/>
+              </a:rPr>
+              <a:t> erro ao enviar o e-mail</a:t>
+            </a:r>
+            <a:endParaRPr lang="pt-BR" sz="1200" dirty="0">
+              <a:solidFill>
+                <a:srgbClr val="003B49"/>
+              </a:solidFill>
+              <a:latin typeface="Segoe UI" panose="020B0502040204020203" pitchFamily="34" charset="0"/>
+              <a:cs typeface="Segoe UI" panose="020B0502040204020203" pitchFamily="34" charset="0"/>
+            </a:endParaRPr>
+          </a:p>
+        </p:txBody>
+      </p:sp>
+      <p:sp>
+        <p:nvSpPr>
+          <p:cNvPr id="32" name="Retângulo 31">
+            <a:extLst>
+              <a:ext uri="{FF2B5EF4-FFF2-40B4-BE49-F238E27FC236}">
+                <a16:creationId xmlns="" xmlns:a16="http://schemas.microsoft.com/office/drawing/2014/main" id="{9A7F46E3-1D8F-41CA-9B7F-8E83B708244E}"/>
+              </a:ext>
+            </a:extLst>
+          </p:cNvPr>
+          <p:cNvSpPr/>
+          <p:nvPr/>
+        </p:nvSpPr>
+        <p:spPr>
+          <a:xfrm>
+            <a:off x="10234902" y="3451165"/>
+            <a:ext cx="1287624" cy="452536"/>
+          </a:xfrm>
+          <a:prstGeom prst="rect">
+            <a:avLst/>
+          </a:prstGeom>
+          <a:solidFill>
+            <a:srgbClr val="E8E100"/>
+          </a:solidFill>
+          <a:ln w="28575">
+            <a:noFill/>
+          </a:ln>
+        </p:spPr>
+        <p:style>
+          <a:lnRef idx="2">
+            <a:schemeClr val="accent1">
+              <a:shade val="50000"/>
+            </a:schemeClr>
+          </a:lnRef>
+          <a:fillRef idx="1">
+            <a:schemeClr val="accent1"/>
+          </a:fillRef>
+          <a:effectRef idx="0">
+            <a:schemeClr val="accent1"/>
+          </a:effectRef>
+          <a:fontRef idx="minor">
+            <a:schemeClr val="lt1"/>
+          </a:fontRef>
+        </p:style>
+        <p:txBody>
+          <a:bodyPr rtlCol="0" anchor="ctr"/>
+          <a:lstStyle/>
+          <a:p>
+            <a:pPr algn="ctr"/>
+            <a:r>
+              <a:rPr lang="pt-BR" sz="1200" dirty="0">
+                <a:solidFill>
+                  <a:srgbClr val="003B49"/>
+                </a:solidFill>
+                <a:latin typeface="Segoe UI" panose="020B0502040204020203" pitchFamily="34" charset="0"/>
+                <a:cs typeface="Segoe UI" panose="020B0502040204020203" pitchFamily="34" charset="0"/>
+              </a:rPr>
+              <a:t>Exibição de Resultados</a:t>
+            </a:r>
+          </a:p>
+        </p:txBody>
+      </p:sp>
+      <p:cxnSp>
+        <p:nvCxnSpPr>
+          <p:cNvPr id="33" name="Conector: Curvo 32">
+            <a:extLst>
+              <a:ext uri="{FF2B5EF4-FFF2-40B4-BE49-F238E27FC236}">
+                <a16:creationId xmlns="" xmlns:a16="http://schemas.microsoft.com/office/drawing/2014/main" id="{FB19CCE9-7FC4-40E2-9629-90347434730E}"/>
+              </a:ext>
+            </a:extLst>
+          </p:cNvPr>
+          <p:cNvCxnSpPr>
+            <a:cxnSpLocks/>
+            <a:stCxn id="2" idx="3"/>
+            <a:endCxn id="14" idx="1"/>
+          </p:cNvCxnSpPr>
+          <p:nvPr/>
+        </p:nvCxnSpPr>
+        <p:spPr>
+          <a:xfrm>
+            <a:off x="3097760" y="3753284"/>
+            <a:ext cx="380742" cy="161815"/>
+          </a:xfrm>
+          <a:prstGeom prst="curvedConnector3">
+            <a:avLst>
+              <a:gd name="adj1" fmla="val 50000"/>
+            </a:avLst>
+          </a:prstGeom>
+          <a:ln w="28575">
+            <a:solidFill>
+              <a:schemeClr val="bg1"/>
+            </a:solidFill>
+            <a:tailEnd type="triangle"/>
+          </a:ln>
+        </p:spPr>
+        <p:style>
+          <a:lnRef idx="1">
+            <a:schemeClr val="accent1"/>
+          </a:lnRef>
+          <a:fillRef idx="0">
+            <a:schemeClr val="accent1"/>
+          </a:fillRef>
+          <a:effectRef idx="0">
+            <a:schemeClr val="accent1"/>
+          </a:effectRef>
+          <a:fontRef idx="minor">
+            <a:schemeClr val="tx1"/>
+          </a:fontRef>
+        </p:style>
+      </p:cxnSp>
+      <p:cxnSp>
+        <p:nvCxnSpPr>
+          <p:cNvPr id="45" name="Conector: Curvo 44">
+            <a:extLst>
+              <a:ext uri="{FF2B5EF4-FFF2-40B4-BE49-F238E27FC236}">
+                <a16:creationId xmlns="" xmlns:a16="http://schemas.microsoft.com/office/drawing/2014/main" id="{92D1A7AA-1075-4F8C-900D-F6943FB5171A}"/>
+              </a:ext>
+            </a:extLst>
+          </p:cNvPr>
+          <p:cNvCxnSpPr>
+            <a:cxnSpLocks/>
+            <a:stCxn id="14" idx="3"/>
+            <a:endCxn id="22" idx="1"/>
+          </p:cNvCxnSpPr>
+          <p:nvPr/>
+        </p:nvCxnSpPr>
+        <p:spPr>
+          <a:xfrm flipV="1">
+            <a:off x="4766126" y="3527016"/>
+            <a:ext cx="846231" cy="388083"/>
+          </a:xfrm>
+          <a:prstGeom prst="curvedConnector3">
+            <a:avLst>
+              <a:gd name="adj1" fmla="val 50000"/>
+            </a:avLst>
+          </a:prstGeom>
+          <a:ln w="28575">
+            <a:solidFill>
+              <a:schemeClr val="bg1"/>
+            </a:solidFill>
+            <a:tailEnd type="triangle"/>
+          </a:ln>
+        </p:spPr>
+        <p:style>
+          <a:lnRef idx="1">
+            <a:schemeClr val="accent1"/>
+          </a:lnRef>
+          <a:fillRef idx="0">
+            <a:schemeClr val="accent1"/>
+          </a:fillRef>
+          <a:effectRef idx="0">
+            <a:schemeClr val="accent1"/>
+          </a:effectRef>
+          <a:fontRef idx="minor">
+            <a:schemeClr val="tx1"/>
+          </a:fontRef>
+        </p:style>
+      </p:cxnSp>
+      <p:cxnSp>
+        <p:nvCxnSpPr>
+          <p:cNvPr id="58" name="Conector: Curvo 57">
+            <a:extLst>
+              <a:ext uri="{FF2B5EF4-FFF2-40B4-BE49-F238E27FC236}">
+                <a16:creationId xmlns="" xmlns:a16="http://schemas.microsoft.com/office/drawing/2014/main" id="{5D057DE3-242E-4699-98BD-4BD59B68A818}"/>
+              </a:ext>
+            </a:extLst>
+          </p:cNvPr>
+          <p:cNvCxnSpPr>
+            <a:cxnSpLocks/>
+            <a:stCxn id="22" idx="3"/>
+            <a:endCxn id="30" idx="1"/>
+          </p:cNvCxnSpPr>
+          <p:nvPr/>
+        </p:nvCxnSpPr>
+        <p:spPr>
+          <a:xfrm>
+            <a:off x="6899981" y="3527016"/>
+            <a:ext cx="764333" cy="198046"/>
+          </a:xfrm>
+          <a:prstGeom prst="curvedConnector3">
+            <a:avLst>
+              <a:gd name="adj1" fmla="val 50000"/>
+            </a:avLst>
+          </a:prstGeom>
+          <a:ln w="28575">
+            <a:solidFill>
+              <a:schemeClr val="bg1"/>
+            </a:solidFill>
+            <a:tailEnd type="triangle"/>
+          </a:ln>
+        </p:spPr>
+        <p:style>
+          <a:lnRef idx="1">
+            <a:schemeClr val="accent1"/>
+          </a:lnRef>
+          <a:fillRef idx="0">
+            <a:schemeClr val="accent1"/>
+          </a:fillRef>
+          <a:effectRef idx="0">
+            <a:schemeClr val="accent1"/>
+          </a:effectRef>
+          <a:fontRef idx="minor">
+            <a:schemeClr val="tx1"/>
+          </a:fontRef>
+        </p:style>
+      </p:cxnSp>
+      <p:cxnSp>
+        <p:nvCxnSpPr>
+          <p:cNvPr id="61" name="Conector: Curvo 60">
+            <a:extLst>
+              <a:ext uri="{FF2B5EF4-FFF2-40B4-BE49-F238E27FC236}">
+                <a16:creationId xmlns="" xmlns:a16="http://schemas.microsoft.com/office/drawing/2014/main" id="{DC983811-64A4-41E3-9790-3BB5407EE449}"/>
+              </a:ext>
+            </a:extLst>
+          </p:cNvPr>
+          <p:cNvCxnSpPr>
+            <a:cxnSpLocks/>
+            <a:stCxn id="30" idx="3"/>
+            <a:endCxn id="32" idx="1"/>
+          </p:cNvCxnSpPr>
+          <p:nvPr/>
+        </p:nvCxnSpPr>
+        <p:spPr>
+          <a:xfrm flipV="1">
+            <a:off x="9498299" y="3677433"/>
+            <a:ext cx="736603" cy="47629"/>
+          </a:xfrm>
+          <a:prstGeom prst="curvedConnector3">
+            <a:avLst>
+              <a:gd name="adj1" fmla="val 50000"/>
+            </a:avLst>
+          </a:prstGeom>
+          <a:ln w="28575">
+            <a:solidFill>
+              <a:schemeClr val="bg1"/>
+            </a:solidFill>
+            <a:tailEnd type="triangle"/>
+          </a:ln>
+        </p:spPr>
+        <p:style>
+          <a:lnRef idx="1">
+            <a:schemeClr val="accent1"/>
+          </a:lnRef>
+          <a:fillRef idx="0">
+            <a:schemeClr val="accent1"/>
+          </a:fillRef>
+          <a:effectRef idx="0">
+            <a:schemeClr val="accent1"/>
+          </a:effectRef>
+          <a:fontRef idx="minor">
+            <a:schemeClr val="tx1"/>
+          </a:fontRef>
+        </p:style>
+      </p:cxnSp>
+      <p:cxnSp>
+        <p:nvCxnSpPr>
+          <p:cNvPr id="29" name="Conector reto 28">
+            <a:extLst>
+              <a:ext uri="{FF2B5EF4-FFF2-40B4-BE49-F238E27FC236}">
+                <a16:creationId xmlns="" xmlns:a16="http://schemas.microsoft.com/office/drawing/2014/main" id="{6F64854E-E911-47DA-A59F-5022A14EDED8}"/>
               </a:ext>
             </a:extLst>
           </p:cNvPr>
@@ -7876,10 +7872,10 @@
       </p:cxnSp>
       <p:cxnSp>
         <p:nvCxnSpPr>
-          <p:cNvPr id="6" name="Conector reto 5">
+          <p:cNvPr id="31" name="Conector reto 30">
             <a:extLst>
               <a:ext uri="{FF2B5EF4-FFF2-40B4-BE49-F238E27FC236}">
-                <a16:creationId xmlns="" xmlns:a16="http://schemas.microsoft.com/office/drawing/2014/main" id="{02D67AF3-27F6-453B-B69F-12B3EE1BEAAC}"/>
+                <a16:creationId xmlns="" xmlns:a16="http://schemas.microsoft.com/office/drawing/2014/main" id="{C90C1037-FEC9-46B1-9264-83C3673C8C66}"/>
               </a:ext>
             </a:extLst>
           </p:cNvPr>
@@ -7917,503 +7913,16 @@
           </a:fontRef>
         </p:style>
       </p:cxnSp>
-      <p:pic>
-        <p:nvPicPr>
-          <p:cNvPr id="1027" name="Picture 3"/>
-          <p:cNvPicPr>
-            <a:picLocks noChangeAspect="1" noChangeArrowheads="1"/>
-          </p:cNvPicPr>
-          <p:nvPr/>
-        </p:nvPicPr>
-        <p:blipFill rotWithShape="1">
-          <a:blip r:embed="rId3">
-            <a:extLst>
-              <a:ext uri="{28A0092B-C50C-407E-A947-70E740481C1C}">
-                <a14:useLocalDpi xmlns:a14="http://schemas.microsoft.com/office/drawing/2010/main" val="0"/>
-              </a:ext>
-            </a:extLst>
-          </a:blip>
-          <a:srcRect l="1215"/>
-          <a:stretch/>
-        </p:blipFill>
-        <p:spPr bwMode="auto">
-          <a:xfrm>
-            <a:off x="1010497" y="1454608"/>
-            <a:ext cx="3983108" cy="3948783"/>
-          </a:xfrm>
-          <a:prstGeom prst="rect">
-            <a:avLst/>
-          </a:prstGeom>
-          <a:noFill/>
-          <a:ln>
-            <a:noFill/>
-          </a:ln>
-          <a:effectLst/>
-          <a:extLst>
-            <a:ext uri="{909E8E84-426E-40DD-AFC4-6F175D3DCCD1}">
-              <a14:hiddenFill xmlns:a14="http://schemas.microsoft.com/office/drawing/2010/main">
-                <a:solidFill>
-                  <a:schemeClr val="accent1"/>
-                </a:solidFill>
-              </a14:hiddenFill>
-            </a:ext>
-            <a:ext uri="{91240B29-F687-4F45-9708-019B960494DF}">
-              <a14:hiddenLine xmlns:a14="http://schemas.microsoft.com/office/drawing/2010/main" w="9525">
-                <a:solidFill>
-                  <a:schemeClr val="tx1"/>
-                </a:solidFill>
-                <a:miter lim="800000"/>
-                <a:headEnd/>
-                <a:tailEnd/>
-              </a14:hiddenLine>
-            </a:ext>
-            <a:ext uri="{AF507438-7753-43E0-B8FC-AC1667EBCBE1}">
-              <a14:hiddenEffects xmlns:a14="http://schemas.microsoft.com/office/drawing/2010/main">
-                <a:effectLst>
-                  <a:outerShdw dist="35921" dir="2700000" algn="ctr" rotWithShape="0">
-                    <a:schemeClr val="bg2"/>
-                  </a:outerShdw>
-                </a:effectLst>
-              </a14:hiddenEffects>
-            </a:ext>
-          </a:extLst>
-        </p:spPr>
-      </p:pic>
-      <p:pic>
-        <p:nvPicPr>
-          <p:cNvPr id="1028" name="Picture 4"/>
-          <p:cNvPicPr>
-            <a:picLocks noChangeAspect="1" noChangeArrowheads="1"/>
-          </p:cNvPicPr>
-          <p:nvPr/>
-        </p:nvPicPr>
-        <p:blipFill rotWithShape="1">
-          <a:blip r:embed="rId4">
-            <a:extLst>
-              <a:ext uri="{28A0092B-C50C-407E-A947-70E740481C1C}">
-                <a14:useLocalDpi xmlns:a14="http://schemas.microsoft.com/office/drawing/2010/main" val="0"/>
-              </a:ext>
-            </a:extLst>
-          </a:blip>
-          <a:srcRect r="1025"/>
-          <a:stretch/>
-        </p:blipFill>
-        <p:spPr bwMode="auto">
-          <a:xfrm>
-            <a:off x="1010497" y="5320938"/>
-            <a:ext cx="3983108" cy="1456151"/>
-          </a:xfrm>
-          <a:prstGeom prst="rect">
-            <a:avLst/>
-          </a:prstGeom>
-          <a:noFill/>
-          <a:ln>
-            <a:noFill/>
-          </a:ln>
-          <a:effectLst/>
-          <a:extLst>
-            <a:ext uri="{909E8E84-426E-40DD-AFC4-6F175D3DCCD1}">
-              <a14:hiddenFill xmlns:a14="http://schemas.microsoft.com/office/drawing/2010/main">
-                <a:solidFill>
-                  <a:schemeClr val="accent1"/>
-                </a:solidFill>
-              </a14:hiddenFill>
-            </a:ext>
-            <a:ext uri="{91240B29-F687-4F45-9708-019B960494DF}">
-              <a14:hiddenLine xmlns:a14="http://schemas.microsoft.com/office/drawing/2010/main" w="9525">
-                <a:solidFill>
-                  <a:schemeClr val="tx1"/>
-                </a:solidFill>
-                <a:miter lim="800000"/>
-                <a:headEnd/>
-                <a:tailEnd/>
-              </a14:hiddenLine>
-            </a:ext>
-            <a:ext uri="{AF507438-7753-43E0-B8FC-AC1667EBCBE1}">
-              <a14:hiddenEffects xmlns:a14="http://schemas.microsoft.com/office/drawing/2010/main">
-                <a:effectLst>
-                  <a:outerShdw dist="35921" dir="2700000" algn="ctr" rotWithShape="0">
-                    <a:schemeClr val="bg2"/>
-                  </a:outerShdw>
-                </a:effectLst>
-              </a14:hiddenEffects>
-            </a:ext>
-          </a:extLst>
-        </p:spPr>
-      </p:pic>
-      <p:pic>
-        <p:nvPicPr>
-          <p:cNvPr id="1029" name="Picture 5"/>
-          <p:cNvPicPr>
-            <a:picLocks noChangeAspect="1" noChangeArrowheads="1"/>
-          </p:cNvPicPr>
-          <p:nvPr/>
-        </p:nvPicPr>
-        <p:blipFill>
-          <a:blip r:embed="rId5">
-            <a:extLst>
-              <a:ext uri="{28A0092B-C50C-407E-A947-70E740481C1C}">
-                <a14:useLocalDpi xmlns:a14="http://schemas.microsoft.com/office/drawing/2010/main" val="0"/>
-              </a:ext>
-            </a:extLst>
-          </a:blip>
-          <a:srcRect/>
-          <a:stretch>
-            <a:fillRect/>
-          </a:stretch>
-        </p:blipFill>
-        <p:spPr bwMode="auto">
-          <a:xfrm>
-            <a:off x="5187098" y="1454608"/>
-            <a:ext cx="4072351" cy="3603682"/>
-          </a:xfrm>
-          <a:prstGeom prst="rect">
-            <a:avLst/>
-          </a:prstGeom>
-          <a:noFill/>
-          <a:ln>
-            <a:noFill/>
-          </a:ln>
-          <a:effectLst/>
-          <a:extLst>
-            <a:ext uri="{909E8E84-426E-40DD-AFC4-6F175D3DCCD1}">
-              <a14:hiddenFill xmlns:a14="http://schemas.microsoft.com/office/drawing/2010/main">
-                <a:solidFill>
-                  <a:schemeClr val="accent1"/>
-                </a:solidFill>
-              </a14:hiddenFill>
-            </a:ext>
-            <a:ext uri="{91240B29-F687-4F45-9708-019B960494DF}">
-              <a14:hiddenLine xmlns:a14="http://schemas.microsoft.com/office/drawing/2010/main" w="9525">
-                <a:solidFill>
-                  <a:schemeClr val="tx1"/>
-                </a:solidFill>
-                <a:miter lim="800000"/>
-                <a:headEnd/>
-                <a:tailEnd/>
-              </a14:hiddenLine>
-            </a:ext>
-            <a:ext uri="{AF507438-7753-43E0-B8FC-AC1667EBCBE1}">
-              <a14:hiddenEffects xmlns:a14="http://schemas.microsoft.com/office/drawing/2010/main">
-                <a:effectLst>
-                  <a:outerShdw dist="35921" dir="2700000" algn="ctr" rotWithShape="0">
-                    <a:schemeClr val="bg2"/>
-                  </a:outerShdw>
-                </a:effectLst>
-              </a14:hiddenEffects>
-            </a:ext>
-          </a:extLst>
-        </p:spPr>
-      </p:pic>
-      <p:pic>
-        <p:nvPicPr>
-          <p:cNvPr id="1030" name="Picture 6"/>
-          <p:cNvPicPr>
-            <a:picLocks noChangeAspect="1" noChangeArrowheads="1"/>
-          </p:cNvPicPr>
-          <p:nvPr/>
-        </p:nvPicPr>
-        <p:blipFill rotWithShape="1">
-          <a:blip r:embed="rId6">
-            <a:extLst>
-              <a:ext uri="{28A0092B-C50C-407E-A947-70E740481C1C}">
-                <a14:useLocalDpi xmlns:a14="http://schemas.microsoft.com/office/drawing/2010/main" val="0"/>
-              </a:ext>
-            </a:extLst>
-          </a:blip>
-          <a:srcRect l="969" r="6951"/>
-          <a:stretch/>
-        </p:blipFill>
-        <p:spPr bwMode="auto">
-          <a:xfrm>
-            <a:off x="5187097" y="5058290"/>
-            <a:ext cx="4072352" cy="1130748"/>
-          </a:xfrm>
-          <a:prstGeom prst="rect">
-            <a:avLst/>
-          </a:prstGeom>
-          <a:noFill/>
-          <a:ln>
-            <a:noFill/>
-          </a:ln>
-          <a:effectLst/>
-          <a:extLst>
-            <a:ext uri="{909E8E84-426E-40DD-AFC4-6F175D3DCCD1}">
-              <a14:hiddenFill xmlns:a14="http://schemas.microsoft.com/office/drawing/2010/main">
-                <a:solidFill>
-                  <a:schemeClr val="accent1"/>
-                </a:solidFill>
-              </a14:hiddenFill>
-            </a:ext>
-            <a:ext uri="{91240B29-F687-4F45-9708-019B960494DF}">
-              <a14:hiddenLine xmlns:a14="http://schemas.microsoft.com/office/drawing/2010/main" w="9525">
-                <a:solidFill>
-                  <a:schemeClr val="tx1"/>
-                </a:solidFill>
-                <a:miter lim="800000"/>
-                <a:headEnd/>
-                <a:tailEnd/>
-              </a14:hiddenLine>
-            </a:ext>
-            <a:ext uri="{AF507438-7753-43E0-B8FC-AC1667EBCBE1}">
-              <a14:hiddenEffects xmlns:a14="http://schemas.microsoft.com/office/drawing/2010/main">
-                <a:effectLst>
-                  <a:outerShdw dist="35921" dir="2700000" algn="ctr" rotWithShape="0">
-                    <a:schemeClr val="bg2"/>
-                  </a:outerShdw>
-                </a:effectLst>
-              </a14:hiddenEffects>
-            </a:ext>
-          </a:extLst>
-        </p:spPr>
-      </p:pic>
-      <p:pic>
-        <p:nvPicPr>
-          <p:cNvPr id="1031" name="Picture 7"/>
-          <p:cNvPicPr>
-            <a:picLocks noChangeAspect="1" noChangeArrowheads="1"/>
-          </p:cNvPicPr>
-          <p:nvPr/>
-        </p:nvPicPr>
-        <p:blipFill rotWithShape="1">
-          <a:blip r:embed="rId7">
-            <a:extLst>
-              <a:ext uri="{28A0092B-C50C-407E-A947-70E740481C1C}">
-                <a14:useLocalDpi xmlns:a14="http://schemas.microsoft.com/office/drawing/2010/main" val="0"/>
-              </a:ext>
-            </a:extLst>
-          </a:blip>
-          <a:srcRect l="18295" t="11855" r="42831" b="35523"/>
-          <a:stretch/>
-        </p:blipFill>
-        <p:spPr bwMode="auto">
-          <a:xfrm>
-            <a:off x="9484536" y="1454608"/>
-            <a:ext cx="2460722" cy="1872762"/>
-          </a:xfrm>
-          <a:prstGeom prst="rect">
-            <a:avLst/>
-          </a:prstGeom>
-          <a:noFill/>
-          <a:ln>
-            <a:noFill/>
-          </a:ln>
-          <a:effectLst/>
-          <a:extLst>
-            <a:ext uri="{909E8E84-426E-40DD-AFC4-6F175D3DCCD1}">
-              <a14:hiddenFill xmlns:a14="http://schemas.microsoft.com/office/drawing/2010/main">
-                <a:solidFill>
-                  <a:schemeClr val="accent1"/>
-                </a:solidFill>
-              </a14:hiddenFill>
-            </a:ext>
-            <a:ext uri="{91240B29-F687-4F45-9708-019B960494DF}">
-              <a14:hiddenLine xmlns:a14="http://schemas.microsoft.com/office/drawing/2010/main" w="9525">
-                <a:solidFill>
-                  <a:schemeClr val="tx1"/>
-                </a:solidFill>
-                <a:miter lim="800000"/>
-                <a:headEnd/>
-                <a:tailEnd/>
-              </a14:hiddenLine>
-            </a:ext>
-            <a:ext uri="{AF507438-7753-43E0-B8FC-AC1667EBCBE1}">
-              <a14:hiddenEffects xmlns:a14="http://schemas.microsoft.com/office/drawing/2010/main">
-                <a:effectLst>
-                  <a:outerShdw dist="35921" dir="2700000" algn="ctr" rotWithShape="0">
-                    <a:schemeClr val="bg2"/>
-                  </a:outerShdw>
-                </a:effectLst>
-              </a14:hiddenEffects>
-            </a:ext>
-          </a:extLst>
-        </p:spPr>
-      </p:pic>
-      <p:sp>
-        <p:nvSpPr>
-          <p:cNvPr id="13" name="CaixaDeTexto 12">
-            <a:extLst>
-              <a:ext uri="{FF2B5EF4-FFF2-40B4-BE49-F238E27FC236}">
-                <a16:creationId xmlns="" xmlns:a16="http://schemas.microsoft.com/office/drawing/2014/main" id="{CCB03EB9-35E4-4BB9-8BD3-734B489CA57B}"/>
-              </a:ext>
-            </a:extLst>
-          </p:cNvPr>
-          <p:cNvSpPr txBox="1"/>
-          <p:nvPr/>
-        </p:nvSpPr>
-        <p:spPr>
-          <a:xfrm>
-            <a:off x="1112071" y="1163830"/>
-            <a:ext cx="3881534" cy="276999"/>
-          </a:xfrm>
-          <a:prstGeom prst="rect">
-            <a:avLst/>
-          </a:prstGeom>
-          <a:noFill/>
-        </p:spPr>
-        <p:txBody>
-          <a:bodyPr wrap="square" rtlCol="0">
-            <a:spAutoFit/>
-          </a:bodyPr>
-          <a:lstStyle/>
-          <a:p>
-            <a:pPr algn="ctr"/>
-            <a:r>
-              <a:rPr lang="pt-BR" sz="1200" dirty="0" smtClean="0">
-                <a:solidFill>
-                  <a:schemeClr val="bg1"/>
-                </a:solidFill>
-                <a:latin typeface="Segoe UI" panose="020B0502040204020203" pitchFamily="34" charset="0"/>
-                <a:cs typeface="Segoe UI" panose="020B0502040204020203" pitchFamily="34" charset="0"/>
-              </a:rPr>
-              <a:t>API enviar o </a:t>
-            </a:r>
-            <a:r>
-              <a:rPr lang="pt-BR" sz="1200" dirty="0" err="1" smtClean="0">
-                <a:solidFill>
-                  <a:schemeClr val="bg1"/>
-                </a:solidFill>
-                <a:latin typeface="Segoe UI" panose="020B0502040204020203" pitchFamily="34" charset="0"/>
-                <a:cs typeface="Segoe UI" panose="020B0502040204020203" pitchFamily="34" charset="0"/>
-              </a:rPr>
-              <a:t>email</a:t>
-            </a:r>
-            <a:endParaRPr lang="pt-BR" sz="1200" dirty="0" smtClean="0">
-              <a:solidFill>
-                <a:schemeClr val="bg1"/>
-              </a:solidFill>
-              <a:latin typeface="Segoe UI" panose="020B0502040204020203" pitchFamily="34" charset="0"/>
-              <a:cs typeface="Segoe UI" panose="020B0502040204020203" pitchFamily="34" charset="0"/>
-            </a:endParaRPr>
-          </a:p>
-        </p:txBody>
-      </p:sp>
-      <p:sp>
-        <p:nvSpPr>
-          <p:cNvPr id="14" name="CaixaDeTexto 13">
-            <a:extLst>
-              <a:ext uri="{FF2B5EF4-FFF2-40B4-BE49-F238E27FC236}">
-                <a16:creationId xmlns="" xmlns:a16="http://schemas.microsoft.com/office/drawing/2014/main" id="{CCB03EB9-35E4-4BB9-8BD3-734B489CA57B}"/>
-              </a:ext>
-            </a:extLst>
-          </p:cNvPr>
-          <p:cNvSpPr txBox="1"/>
-          <p:nvPr/>
-        </p:nvSpPr>
-        <p:spPr>
-          <a:xfrm>
-            <a:off x="9625418" y="1183085"/>
-            <a:ext cx="2178958" cy="278768"/>
-          </a:xfrm>
-          <a:prstGeom prst="rect">
-            <a:avLst/>
-          </a:prstGeom>
-          <a:noFill/>
-        </p:spPr>
-        <p:txBody>
-          <a:bodyPr wrap="square" rtlCol="0">
-            <a:spAutoFit/>
-          </a:bodyPr>
-          <a:lstStyle/>
-          <a:p>
-            <a:pPr algn="ctr"/>
-            <a:r>
-              <a:rPr lang="pt-BR" sz="1200" dirty="0" smtClean="0">
-                <a:solidFill>
-                  <a:schemeClr val="bg1"/>
-                </a:solidFill>
-                <a:latin typeface="Segoe UI" panose="020B0502040204020203" pitchFamily="34" charset="0"/>
-                <a:cs typeface="Segoe UI" panose="020B0502040204020203" pitchFamily="34" charset="0"/>
-              </a:rPr>
-              <a:t>Interface gráfica teste</a:t>
-            </a:r>
-            <a:endParaRPr lang="pt-BR" sz="1200" dirty="0">
-              <a:solidFill>
-                <a:schemeClr val="bg1"/>
-              </a:solidFill>
-              <a:latin typeface="Segoe UI" panose="020B0502040204020203" pitchFamily="34" charset="0"/>
-              <a:cs typeface="Segoe UI" panose="020B0502040204020203" pitchFamily="34" charset="0"/>
-            </a:endParaRPr>
-          </a:p>
-        </p:txBody>
-      </p:sp>
-      <p:sp>
-        <p:nvSpPr>
-          <p:cNvPr id="15" name="CaixaDeTexto 14">
-            <a:extLst>
-              <a:ext uri="{FF2B5EF4-FFF2-40B4-BE49-F238E27FC236}">
-                <a16:creationId xmlns="" xmlns:a16="http://schemas.microsoft.com/office/drawing/2014/main" id="{CCB03EB9-35E4-4BB9-8BD3-734B489CA57B}"/>
-              </a:ext>
-            </a:extLst>
-          </p:cNvPr>
-          <p:cNvSpPr txBox="1"/>
-          <p:nvPr/>
-        </p:nvSpPr>
-        <p:spPr>
-          <a:xfrm>
-            <a:off x="5536921" y="1163830"/>
-            <a:ext cx="3372703" cy="276999"/>
-          </a:xfrm>
-          <a:prstGeom prst="rect">
-            <a:avLst/>
-          </a:prstGeom>
-          <a:noFill/>
-        </p:spPr>
-        <p:txBody>
-          <a:bodyPr wrap="square" rtlCol="0">
-            <a:spAutoFit/>
-          </a:bodyPr>
-          <a:lstStyle/>
-          <a:p>
-            <a:pPr algn="ctr"/>
-            <a:r>
-              <a:rPr lang="pt-BR" sz="1200" dirty="0" smtClean="0">
-                <a:solidFill>
-                  <a:schemeClr val="bg1"/>
-                </a:solidFill>
-                <a:latin typeface="Segoe UI" panose="020B0502040204020203" pitchFamily="34" charset="0"/>
-                <a:cs typeface="Segoe UI" panose="020B0502040204020203" pitchFamily="34" charset="0"/>
-              </a:rPr>
-              <a:t>Código da interface gráfica para </a:t>
-            </a:r>
-            <a:r>
-              <a:rPr lang="pt-BR" sz="1200" dirty="0" err="1" smtClean="0">
-                <a:solidFill>
-                  <a:schemeClr val="bg1"/>
-                </a:solidFill>
-                <a:latin typeface="Segoe UI" panose="020B0502040204020203" pitchFamily="34" charset="0"/>
-                <a:cs typeface="Segoe UI" panose="020B0502040204020203" pitchFamily="34" charset="0"/>
-              </a:rPr>
-              <a:t>c++</a:t>
-            </a:r>
-            <a:endParaRPr lang="pt-BR" sz="1200" dirty="0">
-              <a:solidFill>
-                <a:schemeClr val="bg1"/>
-              </a:solidFill>
-              <a:latin typeface="Segoe UI" panose="020B0502040204020203" pitchFamily="34" charset="0"/>
-              <a:cs typeface="Segoe UI" panose="020B0502040204020203" pitchFamily="34" charset="0"/>
-            </a:endParaRPr>
-          </a:p>
-        </p:txBody>
-      </p:sp>
     </p:spTree>
     <p:extLst>
       <p:ext uri="{BB962C8B-B14F-4D97-AF65-F5344CB8AC3E}">
-        <p14:creationId xmlns:p14="http://schemas.microsoft.com/office/powerpoint/2010/main" val="960004708"/>
+        <p14:creationId xmlns:p14="http://schemas.microsoft.com/office/powerpoint/2010/main" val="2820215226"/>
       </p:ext>
     </p:extLst>
   </p:cSld>
   <p:clrMapOvr>
     <a:masterClrMapping/>
   </p:clrMapOvr>
-  <mc:AlternateContent xmlns:mc="http://schemas.openxmlformats.org/markup-compatibility/2006" xmlns:p14="http://schemas.microsoft.com/office/powerpoint/2010/main">
-    <mc:Choice Requires="p14">
-      <p:transition spd="slow" p14:dur="2000"/>
-    </mc:Choice>
-    <mc:Fallback xmlns="">
-      <p:transition spd="slow"/>
-    </mc:Fallback>
-  </mc:AlternateContent>
   <p:timing>
     <p:tnLst>
       <p:par>
@@ -8443,10 +7952,10 @@
       </p:grpSpPr>
       <p:sp>
         <p:nvSpPr>
-          <p:cNvPr id="12" name="Retângulo 11">
+          <p:cNvPr id="4" name="Retângulo 3">
             <a:extLst>
               <a:ext uri="{FF2B5EF4-FFF2-40B4-BE49-F238E27FC236}">
-                <a16:creationId xmlns="" xmlns:a16="http://schemas.microsoft.com/office/drawing/2014/main" id="{2D726018-96D8-4003-8CBE-2B91EF678111}"/>
+                <a16:creationId xmlns="" xmlns:a16="http://schemas.microsoft.com/office/drawing/2014/main" id="{7E373BB6-A77F-4A31-9A25-87691A4E4B55}"/>
               </a:ext>
             </a:extLst>
           </p:cNvPr>
@@ -8518,7 +8027,7 @@
           <p:cNvPr id="3" name="CaixaDeTexto 2">
             <a:extLst>
               <a:ext uri="{FF2B5EF4-FFF2-40B4-BE49-F238E27FC236}">
-                <a16:creationId xmlns="" xmlns:a16="http://schemas.microsoft.com/office/drawing/2014/main" id="{86301BD6-C550-44DF-859F-ECB04CCCE069}"/>
+                <a16:creationId xmlns="" xmlns:a16="http://schemas.microsoft.com/office/drawing/2014/main" id="{C96E8235-BAEE-4EE4-A18E-07CCB26E717A}"/>
               </a:ext>
             </a:extLst>
           </p:cNvPr>
@@ -8527,8 +8036,8 @@
         </p:nvSpPr>
         <p:spPr>
           <a:xfrm>
-            <a:off x="491066" y="406399"/>
-            <a:ext cx="7653867" cy="769441"/>
+            <a:off x="491067" y="406399"/>
+            <a:ext cx="2785534" cy="707886"/>
           </a:xfrm>
           <a:prstGeom prst="rect">
             <a:avLst/>
@@ -8542,86 +8051,41 @@
           <a:lstStyle/>
           <a:p>
             <a:r>
-              <a:rPr lang="pt-BR" sz="4400" b="1" dirty="0">
+              <a:rPr lang="pt-BR" sz="4000" b="1" dirty="0">
                 <a:solidFill>
                   <a:schemeClr val="bg1"/>
                 </a:solidFill>
                 <a:latin typeface="Segoe UI Black" panose="020B0A02040204020203" pitchFamily="34" charset="0"/>
                 <a:ea typeface="Segoe UI Black" panose="020B0A02040204020203" pitchFamily="34" charset="0"/>
               </a:rPr>
-              <a:t>O Código</a:t>
-            </a:r>
-          </a:p>
-        </p:txBody>
-      </p:sp>
-      <p:sp>
-        <p:nvSpPr>
-          <p:cNvPr id="9" name="CaixaDeTexto 8">
-            <a:extLst>
-              <a:ext uri="{FF2B5EF4-FFF2-40B4-BE49-F238E27FC236}">
-                <a16:creationId xmlns="" xmlns:a16="http://schemas.microsoft.com/office/drawing/2014/main" id="{CCB03EB9-35E4-4BB9-8BD3-734B489CA57B}"/>
-              </a:ext>
-            </a:extLst>
-          </p:cNvPr>
-          <p:cNvSpPr txBox="1"/>
-          <p:nvPr/>
-        </p:nvSpPr>
-        <p:spPr>
-          <a:xfrm>
-            <a:off x="4574116" y="714175"/>
-            <a:ext cx="3881534" cy="461665"/>
-          </a:xfrm>
-          <a:prstGeom prst="rect">
-            <a:avLst/>
-          </a:prstGeom>
-          <a:noFill/>
-        </p:spPr>
-        <p:txBody>
-          <a:bodyPr wrap="square" rtlCol="0">
-            <a:spAutoFit/>
-          </a:bodyPr>
-          <a:lstStyle/>
-          <a:p>
-            <a:pPr algn="ctr"/>
-            <a:r>
-              <a:rPr lang="pt-BR" sz="1200" dirty="0" smtClean="0">
+              <a:t>O </a:t>
+            </a:r>
+            <a:r>
+              <a:rPr lang="pt-BR" sz="4000" b="1" dirty="0" smtClean="0">
                 <a:solidFill>
                   <a:schemeClr val="bg1"/>
                 </a:solidFill>
-                <a:latin typeface="Segoe UI" panose="020B0502040204020203" pitchFamily="34" charset="0"/>
-                <a:cs typeface="Segoe UI" panose="020B0502040204020203" pitchFamily="34" charset="0"/>
+                <a:latin typeface="Segoe UI Black" panose="020B0A02040204020203" pitchFamily="34" charset="0"/>
+                <a:ea typeface="Segoe UI Black" panose="020B0A02040204020203" pitchFamily="34" charset="0"/>
               </a:rPr>
-              <a:t>Simulador de batimentos cardíacos e da pressão </a:t>
-            </a:r>
-          </a:p>
-          <a:p>
-            <a:pPr algn="ctr"/>
-            <a:r>
-              <a:rPr lang="pt-BR" sz="1200" dirty="0" smtClean="0">
-                <a:solidFill>
-                  <a:schemeClr val="bg1"/>
-                </a:solidFill>
-                <a:latin typeface="Segoe UI" panose="020B0502040204020203" pitchFamily="34" charset="0"/>
-                <a:cs typeface="Segoe UI" panose="020B0502040204020203" pitchFamily="34" charset="0"/>
-              </a:rPr>
-              <a:t>de uma pessoa </a:t>
-            </a:r>
-            <a:endParaRPr lang="pt-BR" sz="1200" dirty="0">
+              <a:t>Código</a:t>
+            </a:r>
+            <a:endParaRPr lang="pt-BR" sz="4000" b="1" dirty="0">
               <a:solidFill>
                 <a:schemeClr val="bg1"/>
               </a:solidFill>
-              <a:latin typeface="Segoe UI" panose="020B0502040204020203" pitchFamily="34" charset="0"/>
-              <a:cs typeface="Segoe UI" panose="020B0502040204020203" pitchFamily="34" charset="0"/>
+              <a:latin typeface="Segoe UI Black" panose="020B0A02040204020203" pitchFamily="34" charset="0"/>
+              <a:ea typeface="Segoe UI Black" panose="020B0A02040204020203" pitchFamily="34" charset="0"/>
             </a:endParaRPr>
           </a:p>
         </p:txBody>
       </p:sp>
       <p:cxnSp>
         <p:nvCxnSpPr>
-          <p:cNvPr id="14" name="Conector reto 13">
+          <p:cNvPr id="5" name="Conector reto 4">
             <a:extLst>
               <a:ext uri="{FF2B5EF4-FFF2-40B4-BE49-F238E27FC236}">
-                <a16:creationId xmlns="" xmlns:a16="http://schemas.microsoft.com/office/drawing/2014/main" id="{44B47A9D-629B-47DF-9779-F6C9957F5916}"/>
+                <a16:creationId xmlns="" xmlns:a16="http://schemas.microsoft.com/office/drawing/2014/main" id="{C2BDF31B-9660-4050-A52E-65FD0B5C1DBD}"/>
               </a:ext>
             </a:extLst>
           </p:cNvPr>
@@ -8661,10 +8125,10 @@
       </p:cxnSp>
       <p:cxnSp>
         <p:nvCxnSpPr>
-          <p:cNvPr id="16" name="Conector reto 15">
+          <p:cNvPr id="6" name="Conector reto 5">
             <a:extLst>
               <a:ext uri="{FF2B5EF4-FFF2-40B4-BE49-F238E27FC236}">
-                <a16:creationId xmlns="" xmlns:a16="http://schemas.microsoft.com/office/drawing/2014/main" id="{BA8F920D-31FC-4922-995F-FABDF9FC45F1}"/>
+                <a16:creationId xmlns="" xmlns:a16="http://schemas.microsoft.com/office/drawing/2014/main" id="{02D67AF3-27F6-453B-B69F-12B3EE1BEAAC}"/>
               </a:ext>
             </a:extLst>
           </p:cNvPr>
@@ -8704,27 +8168,27 @@
       </p:cxnSp>
       <p:pic>
         <p:nvPicPr>
-          <p:cNvPr id="2050" name="Picture 2"/>
+          <p:cNvPr id="1027" name="Picture 3"/>
           <p:cNvPicPr>
             <a:picLocks noChangeAspect="1" noChangeArrowheads="1"/>
           </p:cNvPicPr>
           <p:nvPr/>
         </p:nvPicPr>
         <p:blipFill rotWithShape="1">
-          <a:blip r:embed="rId2">
+          <a:blip r:embed="rId3">
             <a:extLst>
               <a:ext uri="{28A0092B-C50C-407E-A947-70E740481C1C}">
                 <a14:useLocalDpi xmlns:a14="http://schemas.microsoft.com/office/drawing/2010/main" val="0"/>
               </a:ext>
             </a:extLst>
           </a:blip>
-          <a:srcRect l="7998" t="9973" r="42310" b="11941"/>
+          <a:srcRect l="1215"/>
           <a:stretch/>
         </p:blipFill>
         <p:spPr bwMode="auto">
           <a:xfrm>
-            <a:off x="3373920" y="1175840"/>
-            <a:ext cx="6281926" cy="5549956"/>
+            <a:off x="1010497" y="1454608"/>
+            <a:ext cx="3983108" cy="3948783"/>
           </a:xfrm>
           <a:prstGeom prst="rect">
             <a:avLst/>
@@ -8764,16 +8228,441 @@
           </a:extLst>
         </p:spPr>
       </p:pic>
+      <p:pic>
+        <p:nvPicPr>
+          <p:cNvPr id="1028" name="Picture 4"/>
+          <p:cNvPicPr>
+            <a:picLocks noChangeAspect="1" noChangeArrowheads="1"/>
+          </p:cNvPicPr>
+          <p:nvPr/>
+        </p:nvPicPr>
+        <p:blipFill rotWithShape="1">
+          <a:blip r:embed="rId4">
+            <a:extLst>
+              <a:ext uri="{28A0092B-C50C-407E-A947-70E740481C1C}">
+                <a14:useLocalDpi xmlns:a14="http://schemas.microsoft.com/office/drawing/2010/main" val="0"/>
+              </a:ext>
+            </a:extLst>
+          </a:blip>
+          <a:srcRect r="1025"/>
+          <a:stretch/>
+        </p:blipFill>
+        <p:spPr bwMode="auto">
+          <a:xfrm>
+            <a:off x="1010497" y="5320938"/>
+            <a:ext cx="3983108" cy="1456151"/>
+          </a:xfrm>
+          <a:prstGeom prst="rect">
+            <a:avLst/>
+          </a:prstGeom>
+          <a:noFill/>
+          <a:ln>
+            <a:noFill/>
+          </a:ln>
+          <a:effectLst/>
+          <a:extLst>
+            <a:ext uri="{909E8E84-426E-40DD-AFC4-6F175D3DCCD1}">
+              <a14:hiddenFill xmlns:a14="http://schemas.microsoft.com/office/drawing/2010/main">
+                <a:solidFill>
+                  <a:schemeClr val="accent1"/>
+                </a:solidFill>
+              </a14:hiddenFill>
+            </a:ext>
+            <a:ext uri="{91240B29-F687-4F45-9708-019B960494DF}">
+              <a14:hiddenLine xmlns:a14="http://schemas.microsoft.com/office/drawing/2010/main" w="9525">
+                <a:solidFill>
+                  <a:schemeClr val="tx1"/>
+                </a:solidFill>
+                <a:miter lim="800000"/>
+                <a:headEnd/>
+                <a:tailEnd/>
+              </a14:hiddenLine>
+            </a:ext>
+            <a:ext uri="{AF507438-7753-43E0-B8FC-AC1667EBCBE1}">
+              <a14:hiddenEffects xmlns:a14="http://schemas.microsoft.com/office/drawing/2010/main">
+                <a:effectLst>
+                  <a:outerShdw dist="35921" dir="2700000" algn="ctr" rotWithShape="0">
+                    <a:schemeClr val="bg2"/>
+                  </a:outerShdw>
+                </a:effectLst>
+              </a14:hiddenEffects>
+            </a:ext>
+          </a:extLst>
+        </p:spPr>
+      </p:pic>
+      <p:pic>
+        <p:nvPicPr>
+          <p:cNvPr id="1029" name="Picture 5"/>
+          <p:cNvPicPr>
+            <a:picLocks noChangeAspect="1" noChangeArrowheads="1"/>
+          </p:cNvPicPr>
+          <p:nvPr/>
+        </p:nvPicPr>
+        <p:blipFill>
+          <a:blip r:embed="rId5">
+            <a:extLst>
+              <a:ext uri="{28A0092B-C50C-407E-A947-70E740481C1C}">
+                <a14:useLocalDpi xmlns:a14="http://schemas.microsoft.com/office/drawing/2010/main" val="0"/>
+              </a:ext>
+            </a:extLst>
+          </a:blip>
+          <a:srcRect/>
+          <a:stretch>
+            <a:fillRect/>
+          </a:stretch>
+        </p:blipFill>
+        <p:spPr bwMode="auto">
+          <a:xfrm>
+            <a:off x="5187098" y="1454608"/>
+            <a:ext cx="4072351" cy="3603682"/>
+          </a:xfrm>
+          <a:prstGeom prst="rect">
+            <a:avLst/>
+          </a:prstGeom>
+          <a:noFill/>
+          <a:ln>
+            <a:noFill/>
+          </a:ln>
+          <a:effectLst/>
+          <a:extLst>
+            <a:ext uri="{909E8E84-426E-40DD-AFC4-6F175D3DCCD1}">
+              <a14:hiddenFill xmlns:a14="http://schemas.microsoft.com/office/drawing/2010/main">
+                <a:solidFill>
+                  <a:schemeClr val="accent1"/>
+                </a:solidFill>
+              </a14:hiddenFill>
+            </a:ext>
+            <a:ext uri="{91240B29-F687-4F45-9708-019B960494DF}">
+              <a14:hiddenLine xmlns:a14="http://schemas.microsoft.com/office/drawing/2010/main" w="9525">
+                <a:solidFill>
+                  <a:schemeClr val="tx1"/>
+                </a:solidFill>
+                <a:miter lim="800000"/>
+                <a:headEnd/>
+                <a:tailEnd/>
+              </a14:hiddenLine>
+            </a:ext>
+            <a:ext uri="{AF507438-7753-43E0-B8FC-AC1667EBCBE1}">
+              <a14:hiddenEffects xmlns:a14="http://schemas.microsoft.com/office/drawing/2010/main">
+                <a:effectLst>
+                  <a:outerShdw dist="35921" dir="2700000" algn="ctr" rotWithShape="0">
+                    <a:schemeClr val="bg2"/>
+                  </a:outerShdw>
+                </a:effectLst>
+              </a14:hiddenEffects>
+            </a:ext>
+          </a:extLst>
+        </p:spPr>
+      </p:pic>
+      <p:pic>
+        <p:nvPicPr>
+          <p:cNvPr id="1030" name="Picture 6"/>
+          <p:cNvPicPr>
+            <a:picLocks noChangeAspect="1" noChangeArrowheads="1"/>
+          </p:cNvPicPr>
+          <p:nvPr/>
+        </p:nvPicPr>
+        <p:blipFill rotWithShape="1">
+          <a:blip r:embed="rId6">
+            <a:extLst>
+              <a:ext uri="{28A0092B-C50C-407E-A947-70E740481C1C}">
+                <a14:useLocalDpi xmlns:a14="http://schemas.microsoft.com/office/drawing/2010/main" val="0"/>
+              </a:ext>
+            </a:extLst>
+          </a:blip>
+          <a:srcRect l="969" r="6951"/>
+          <a:stretch/>
+        </p:blipFill>
+        <p:spPr bwMode="auto">
+          <a:xfrm>
+            <a:off x="5187097" y="5058290"/>
+            <a:ext cx="4072352" cy="1130748"/>
+          </a:xfrm>
+          <a:prstGeom prst="rect">
+            <a:avLst/>
+          </a:prstGeom>
+          <a:noFill/>
+          <a:ln>
+            <a:noFill/>
+          </a:ln>
+          <a:effectLst/>
+          <a:extLst>
+            <a:ext uri="{909E8E84-426E-40DD-AFC4-6F175D3DCCD1}">
+              <a14:hiddenFill xmlns:a14="http://schemas.microsoft.com/office/drawing/2010/main">
+                <a:solidFill>
+                  <a:schemeClr val="accent1"/>
+                </a:solidFill>
+              </a14:hiddenFill>
+            </a:ext>
+            <a:ext uri="{91240B29-F687-4F45-9708-019B960494DF}">
+              <a14:hiddenLine xmlns:a14="http://schemas.microsoft.com/office/drawing/2010/main" w="9525">
+                <a:solidFill>
+                  <a:schemeClr val="tx1"/>
+                </a:solidFill>
+                <a:miter lim="800000"/>
+                <a:headEnd/>
+                <a:tailEnd/>
+              </a14:hiddenLine>
+            </a:ext>
+            <a:ext uri="{AF507438-7753-43E0-B8FC-AC1667EBCBE1}">
+              <a14:hiddenEffects xmlns:a14="http://schemas.microsoft.com/office/drawing/2010/main">
+                <a:effectLst>
+                  <a:outerShdw dist="35921" dir="2700000" algn="ctr" rotWithShape="0">
+                    <a:schemeClr val="bg2"/>
+                  </a:outerShdw>
+                </a:effectLst>
+              </a14:hiddenEffects>
+            </a:ext>
+          </a:extLst>
+        </p:spPr>
+      </p:pic>
+      <p:pic>
+        <p:nvPicPr>
+          <p:cNvPr id="1031" name="Picture 7"/>
+          <p:cNvPicPr>
+            <a:picLocks noChangeAspect="1" noChangeArrowheads="1"/>
+          </p:cNvPicPr>
+          <p:nvPr/>
+        </p:nvPicPr>
+        <p:blipFill rotWithShape="1">
+          <a:blip r:embed="rId7">
+            <a:extLst>
+              <a:ext uri="{28A0092B-C50C-407E-A947-70E740481C1C}">
+                <a14:useLocalDpi xmlns:a14="http://schemas.microsoft.com/office/drawing/2010/main" val="0"/>
+              </a:ext>
+            </a:extLst>
+          </a:blip>
+          <a:srcRect l="18295" t="11855" r="42831" b="35523"/>
+          <a:stretch/>
+        </p:blipFill>
+        <p:spPr bwMode="auto">
+          <a:xfrm>
+            <a:off x="9484536" y="1454608"/>
+            <a:ext cx="2460722" cy="1872762"/>
+          </a:xfrm>
+          <a:prstGeom prst="rect">
+            <a:avLst/>
+          </a:prstGeom>
+          <a:noFill/>
+          <a:ln>
+            <a:noFill/>
+          </a:ln>
+          <a:effectLst/>
+          <a:extLst>
+            <a:ext uri="{909E8E84-426E-40DD-AFC4-6F175D3DCCD1}">
+              <a14:hiddenFill xmlns:a14="http://schemas.microsoft.com/office/drawing/2010/main">
+                <a:solidFill>
+                  <a:schemeClr val="accent1"/>
+                </a:solidFill>
+              </a14:hiddenFill>
+            </a:ext>
+            <a:ext uri="{91240B29-F687-4F45-9708-019B960494DF}">
+              <a14:hiddenLine xmlns:a14="http://schemas.microsoft.com/office/drawing/2010/main" w="9525">
+                <a:solidFill>
+                  <a:schemeClr val="tx1"/>
+                </a:solidFill>
+                <a:miter lim="800000"/>
+                <a:headEnd/>
+                <a:tailEnd/>
+              </a14:hiddenLine>
+            </a:ext>
+            <a:ext uri="{AF507438-7753-43E0-B8FC-AC1667EBCBE1}">
+              <a14:hiddenEffects xmlns:a14="http://schemas.microsoft.com/office/drawing/2010/main">
+                <a:effectLst>
+                  <a:outerShdw dist="35921" dir="2700000" algn="ctr" rotWithShape="0">
+                    <a:schemeClr val="bg2"/>
+                  </a:outerShdw>
+                </a:effectLst>
+              </a14:hiddenEffects>
+            </a:ext>
+          </a:extLst>
+        </p:spPr>
+      </p:pic>
+      <p:sp>
+        <p:nvSpPr>
+          <p:cNvPr id="13" name="CaixaDeTexto 12">
+            <a:extLst>
+              <a:ext uri="{FF2B5EF4-FFF2-40B4-BE49-F238E27FC236}">
+                <a16:creationId xmlns="" xmlns:a16="http://schemas.microsoft.com/office/drawing/2014/main" id="{CCB03EB9-35E4-4BB9-8BD3-734B489CA57B}"/>
+              </a:ext>
+            </a:extLst>
+          </p:cNvPr>
+          <p:cNvSpPr txBox="1"/>
+          <p:nvPr/>
+        </p:nvSpPr>
+        <p:spPr>
+          <a:xfrm>
+            <a:off x="1112071" y="1163830"/>
+            <a:ext cx="3881534" cy="276999"/>
+          </a:xfrm>
+          <a:prstGeom prst="rect">
+            <a:avLst/>
+          </a:prstGeom>
+          <a:noFill/>
+        </p:spPr>
+        <p:txBody>
+          <a:bodyPr wrap="square" rtlCol="0">
+            <a:spAutoFit/>
+          </a:bodyPr>
+          <a:lstStyle/>
+          <a:p>
+            <a:pPr algn="ctr"/>
+            <a:r>
+              <a:rPr lang="pt-BR" sz="1200" dirty="0" smtClean="0">
+                <a:solidFill>
+                  <a:schemeClr val="bg1"/>
+                </a:solidFill>
+                <a:latin typeface="Segoe UI" panose="020B0502040204020203" pitchFamily="34" charset="0"/>
+                <a:cs typeface="Segoe UI" panose="020B0502040204020203" pitchFamily="34" charset="0"/>
+              </a:rPr>
+              <a:t>API enviar o </a:t>
+            </a:r>
+            <a:r>
+              <a:rPr lang="pt-BR" sz="1200" dirty="0" err="1" smtClean="0">
+                <a:solidFill>
+                  <a:schemeClr val="bg1"/>
+                </a:solidFill>
+                <a:latin typeface="Segoe UI" panose="020B0502040204020203" pitchFamily="34" charset="0"/>
+                <a:cs typeface="Segoe UI" panose="020B0502040204020203" pitchFamily="34" charset="0"/>
+              </a:rPr>
+              <a:t>email</a:t>
+            </a:r>
+            <a:endParaRPr lang="pt-BR" sz="1200" dirty="0" smtClean="0">
+              <a:solidFill>
+                <a:schemeClr val="bg1"/>
+              </a:solidFill>
+              <a:latin typeface="Segoe UI" panose="020B0502040204020203" pitchFamily="34" charset="0"/>
+              <a:cs typeface="Segoe UI" panose="020B0502040204020203" pitchFamily="34" charset="0"/>
+            </a:endParaRPr>
+          </a:p>
+        </p:txBody>
+      </p:sp>
+      <p:sp>
+        <p:nvSpPr>
+          <p:cNvPr id="14" name="CaixaDeTexto 13">
+            <a:extLst>
+              <a:ext uri="{FF2B5EF4-FFF2-40B4-BE49-F238E27FC236}">
+                <a16:creationId xmlns="" xmlns:a16="http://schemas.microsoft.com/office/drawing/2014/main" id="{CCB03EB9-35E4-4BB9-8BD3-734B489CA57B}"/>
+              </a:ext>
+            </a:extLst>
+          </p:cNvPr>
+          <p:cNvSpPr txBox="1"/>
+          <p:nvPr/>
+        </p:nvSpPr>
+        <p:spPr>
+          <a:xfrm>
+            <a:off x="9625418" y="1183085"/>
+            <a:ext cx="2178958" cy="278768"/>
+          </a:xfrm>
+          <a:prstGeom prst="rect">
+            <a:avLst/>
+          </a:prstGeom>
+          <a:noFill/>
+        </p:spPr>
+        <p:txBody>
+          <a:bodyPr wrap="square" rtlCol="0">
+            <a:spAutoFit/>
+          </a:bodyPr>
+          <a:lstStyle/>
+          <a:p>
+            <a:pPr algn="ctr"/>
+            <a:r>
+              <a:rPr lang="pt-BR" sz="1200" dirty="0" smtClean="0">
+                <a:solidFill>
+                  <a:schemeClr val="bg1"/>
+                </a:solidFill>
+                <a:latin typeface="Segoe UI" panose="020B0502040204020203" pitchFamily="34" charset="0"/>
+                <a:cs typeface="Segoe UI" panose="020B0502040204020203" pitchFamily="34" charset="0"/>
+              </a:rPr>
+              <a:t>Interface gráfica teste</a:t>
+            </a:r>
+            <a:endParaRPr lang="pt-BR" sz="1200" dirty="0">
+              <a:solidFill>
+                <a:schemeClr val="bg1"/>
+              </a:solidFill>
+              <a:latin typeface="Segoe UI" panose="020B0502040204020203" pitchFamily="34" charset="0"/>
+              <a:cs typeface="Segoe UI" panose="020B0502040204020203" pitchFamily="34" charset="0"/>
+            </a:endParaRPr>
+          </a:p>
+        </p:txBody>
+      </p:sp>
+      <p:sp>
+        <p:nvSpPr>
+          <p:cNvPr id="15" name="CaixaDeTexto 14">
+            <a:extLst>
+              <a:ext uri="{FF2B5EF4-FFF2-40B4-BE49-F238E27FC236}">
+                <a16:creationId xmlns="" xmlns:a16="http://schemas.microsoft.com/office/drawing/2014/main" id="{CCB03EB9-35E4-4BB9-8BD3-734B489CA57B}"/>
+              </a:ext>
+            </a:extLst>
+          </p:cNvPr>
+          <p:cNvSpPr txBox="1"/>
+          <p:nvPr/>
+        </p:nvSpPr>
+        <p:spPr>
+          <a:xfrm>
+            <a:off x="5536921" y="1163830"/>
+            <a:ext cx="3372703" cy="276999"/>
+          </a:xfrm>
+          <a:prstGeom prst="rect">
+            <a:avLst/>
+          </a:prstGeom>
+          <a:noFill/>
+        </p:spPr>
+        <p:txBody>
+          <a:bodyPr wrap="square" rtlCol="0">
+            <a:spAutoFit/>
+          </a:bodyPr>
+          <a:lstStyle/>
+          <a:p>
+            <a:pPr algn="ctr"/>
+            <a:r>
+              <a:rPr lang="pt-BR" sz="1200" dirty="0" smtClean="0">
+                <a:solidFill>
+                  <a:schemeClr val="bg1"/>
+                </a:solidFill>
+                <a:latin typeface="Segoe UI" panose="020B0502040204020203" pitchFamily="34" charset="0"/>
+                <a:cs typeface="Segoe UI" panose="020B0502040204020203" pitchFamily="34" charset="0"/>
+              </a:rPr>
+              <a:t>Código da interface gráfica para </a:t>
+            </a:r>
+            <a:r>
+              <a:rPr lang="pt-BR" sz="1200" dirty="0" err="1" smtClean="0">
+                <a:solidFill>
+                  <a:schemeClr val="bg1"/>
+                </a:solidFill>
+                <a:latin typeface="Segoe UI" panose="020B0502040204020203" pitchFamily="34" charset="0"/>
+                <a:cs typeface="Segoe UI" panose="020B0502040204020203" pitchFamily="34" charset="0"/>
+              </a:rPr>
+              <a:t>c++</a:t>
+            </a:r>
+            <a:endParaRPr lang="pt-BR" sz="1200" dirty="0">
+              <a:solidFill>
+                <a:schemeClr val="bg1"/>
+              </a:solidFill>
+              <a:latin typeface="Segoe UI" panose="020B0502040204020203" pitchFamily="34" charset="0"/>
+              <a:cs typeface="Segoe UI" panose="020B0502040204020203" pitchFamily="34" charset="0"/>
+            </a:endParaRPr>
+          </a:p>
+        </p:txBody>
+      </p:sp>
     </p:spTree>
     <p:extLst>
       <p:ext uri="{BB962C8B-B14F-4D97-AF65-F5344CB8AC3E}">
-        <p14:creationId xmlns:p14="http://schemas.microsoft.com/office/powerpoint/2010/main" val="3403586435"/>
+        <p14:creationId xmlns:p14="http://schemas.microsoft.com/office/powerpoint/2010/main" val="960004708"/>
       </p:ext>
     </p:extLst>
   </p:cSld>
   <p:clrMapOvr>
     <a:masterClrMapping/>
   </p:clrMapOvr>
+  <mc:AlternateContent xmlns:mc="http://schemas.openxmlformats.org/markup-compatibility/2006" xmlns:p14="http://schemas.microsoft.com/office/powerpoint/2010/main">
+    <mc:Choice Requires="p14">
+      <p:transition spd="slow" p14:dur="2000"/>
+    </mc:Choice>
+    <mc:Fallback xmlns="">
+      <p:transition spd="slow"/>
+    </mc:Fallback>
+  </mc:AlternateContent>
   <p:timing>
     <p:tnLst>
       <p:par>
@@ -8803,10 +8692,10 @@
       </p:grpSpPr>
       <p:sp>
         <p:nvSpPr>
-          <p:cNvPr id="7" name="Retângulo 6">
+          <p:cNvPr id="12" name="Retângulo 11">
             <a:extLst>
               <a:ext uri="{FF2B5EF4-FFF2-40B4-BE49-F238E27FC236}">
-                <a16:creationId xmlns="" xmlns:a16="http://schemas.microsoft.com/office/drawing/2014/main" id="{D28B92DE-7530-47D2-82A2-DB22C4247ADB}"/>
+                <a16:creationId xmlns="" xmlns:a16="http://schemas.microsoft.com/office/drawing/2014/main" id="{2D726018-96D8-4003-8CBE-2B91EF678111}"/>
               </a:ext>
             </a:extLst>
           </p:cNvPr>
@@ -8908,7 +8797,6 @@
                 </a:solidFill>
                 <a:latin typeface="Segoe UI Black" panose="020B0A02040204020203" pitchFamily="34" charset="0"/>
                 <a:ea typeface="Segoe UI Black" panose="020B0A02040204020203" pitchFamily="34" charset="0"/>
-                <a:cs typeface="Segoe UI" panose="020B0502040204020203" pitchFamily="34" charset="0"/>
               </a:rPr>
               <a:t>O Código</a:t>
             </a:r>
@@ -8929,8 +8817,8 @@
         </p:nvSpPr>
         <p:spPr>
           <a:xfrm>
-            <a:off x="3870649" y="5970155"/>
-            <a:ext cx="4450702" cy="276999"/>
+            <a:off x="4574116" y="714175"/>
+            <a:ext cx="3881534" cy="461665"/>
           </a:xfrm>
           <a:prstGeom prst="rect">
             <a:avLst/>
@@ -8945,15 +8833,18 @@
           <a:p>
             <a:pPr algn="ctr"/>
             <a:r>
-              <a:rPr lang="pt-BR" sz="1200" dirty="0">
+              <a:rPr lang="pt-BR" sz="1200" dirty="0" smtClean="0">
                 <a:solidFill>
                   <a:schemeClr val="bg1"/>
                 </a:solidFill>
                 <a:latin typeface="Segoe UI" panose="020B0502040204020203" pitchFamily="34" charset="0"/>
                 <a:cs typeface="Segoe UI" panose="020B0502040204020203" pitchFamily="34" charset="0"/>
               </a:rPr>
-              <a:t>Geração </a:t>
-            </a:r>
+              <a:t>Simulador de batimentos cardíacos e da pressão </a:t>
+            </a:r>
+          </a:p>
+          <a:p>
+            <a:pPr algn="ctr"/>
             <a:r>
               <a:rPr lang="pt-BR" sz="1200" dirty="0" smtClean="0">
                 <a:solidFill>
@@ -8962,27 +8853,24 @@
                 <a:latin typeface="Segoe UI" panose="020B0502040204020203" pitchFamily="34" charset="0"/>
                 <a:cs typeface="Segoe UI" panose="020B0502040204020203" pitchFamily="34" charset="0"/>
               </a:rPr>
-              <a:t>do formulário contendo os  </a:t>
-            </a:r>
-            <a:r>
-              <a:rPr lang="pt-BR" sz="1200" dirty="0">
-                <a:solidFill>
-                  <a:schemeClr val="bg1"/>
-                </a:solidFill>
-                <a:latin typeface="Segoe UI" panose="020B0502040204020203" pitchFamily="34" charset="0"/>
-                <a:cs typeface="Segoe UI" panose="020B0502040204020203" pitchFamily="34" charset="0"/>
-              </a:rPr>
-              <a:t>resultados</a:t>
-            </a:r>
+              <a:t>de uma pessoa </a:t>
+            </a:r>
+            <a:endParaRPr lang="pt-BR" sz="1200" dirty="0">
+              <a:solidFill>
+                <a:schemeClr val="bg1"/>
+              </a:solidFill>
+              <a:latin typeface="Segoe UI" panose="020B0502040204020203" pitchFamily="34" charset="0"/>
+              <a:cs typeface="Segoe UI" panose="020B0502040204020203" pitchFamily="34" charset="0"/>
+            </a:endParaRPr>
           </a:p>
         </p:txBody>
       </p:sp>
       <p:cxnSp>
         <p:nvCxnSpPr>
-          <p:cNvPr id="8" name="Conector reto 7">
+          <p:cNvPr id="14" name="Conector reto 13">
             <a:extLst>
               <a:ext uri="{FF2B5EF4-FFF2-40B4-BE49-F238E27FC236}">
-                <a16:creationId xmlns="" xmlns:a16="http://schemas.microsoft.com/office/drawing/2014/main" id="{BD7BA598-4BF2-4009-9227-AA61BDE87328}"/>
+                <a16:creationId xmlns="" xmlns:a16="http://schemas.microsoft.com/office/drawing/2014/main" id="{44B47A9D-629B-47DF-9779-F6C9957F5916}"/>
               </a:ext>
             </a:extLst>
           </p:cNvPr>
@@ -9022,10 +8910,10 @@
       </p:cxnSp>
       <p:cxnSp>
         <p:nvCxnSpPr>
-          <p:cNvPr id="11" name="Conector reto 10">
+          <p:cNvPr id="16" name="Conector reto 15">
             <a:extLst>
               <a:ext uri="{FF2B5EF4-FFF2-40B4-BE49-F238E27FC236}">
-                <a16:creationId xmlns="" xmlns:a16="http://schemas.microsoft.com/office/drawing/2014/main" id="{A12C931A-79EA-488C-994B-48DB5DC8445B}"/>
+                <a16:creationId xmlns="" xmlns:a16="http://schemas.microsoft.com/office/drawing/2014/main" id="{BA8F920D-31FC-4922-995F-FABDF9FC45F1}"/>
               </a:ext>
             </a:extLst>
           </p:cNvPr>
@@ -9065,7 +8953,7 @@
       </p:cxnSp>
       <p:pic>
         <p:nvPicPr>
-          <p:cNvPr id="3074" name="Picture 2"/>
+          <p:cNvPr id="2050" name="Picture 2"/>
           <p:cNvPicPr>
             <a:picLocks noChangeAspect="1" noChangeArrowheads="1"/>
           </p:cNvPicPr>
@@ -9079,13 +8967,13 @@
               </a:ext>
             </a:extLst>
           </a:blip>
-          <a:srcRect l="15000" t="27526" r="8809" b="10251"/>
+          <a:srcRect l="7998" t="9973" r="42310" b="11941"/>
           <a:stretch/>
         </p:blipFill>
         <p:spPr bwMode="auto">
           <a:xfrm>
-            <a:off x="2245205" y="2085390"/>
-            <a:ext cx="8027139" cy="3863060"/>
+            <a:off x="3373920" y="1175840"/>
+            <a:ext cx="6281926" cy="5549956"/>
           </a:xfrm>
           <a:prstGeom prst="rect">
             <a:avLst/>
@@ -9128,7 +9016,7 @@
     </p:spTree>
     <p:extLst>
       <p:ext uri="{BB962C8B-B14F-4D97-AF65-F5344CB8AC3E}">
-        <p14:creationId xmlns:p14="http://schemas.microsoft.com/office/powerpoint/2010/main" val="255042538"/>
+        <p14:creationId xmlns:p14="http://schemas.microsoft.com/office/powerpoint/2010/main" val="3403586435"/>
       </p:ext>
     </p:extLst>
   </p:cSld>
@@ -9164,10 +9052,10 @@
       </p:grpSpPr>
       <p:sp>
         <p:nvSpPr>
-          <p:cNvPr id="4" name="Retângulo 3">
+          <p:cNvPr id="7" name="Retângulo 6">
             <a:extLst>
               <a:ext uri="{FF2B5EF4-FFF2-40B4-BE49-F238E27FC236}">
-                <a16:creationId xmlns="" xmlns:a16="http://schemas.microsoft.com/office/drawing/2014/main" id="{1847075C-0238-4300-A35E-7AA1E2CABBEE}"/>
+                <a16:creationId xmlns="" xmlns:a16="http://schemas.microsoft.com/office/drawing/2014/main" id="{D28B92DE-7530-47D2-82A2-DB22C4247ADB}"/>
               </a:ext>
             </a:extLst>
           </p:cNvPr>
@@ -9239,7 +9127,7 @@
           <p:cNvPr id="3" name="CaixaDeTexto 2">
             <a:extLst>
               <a:ext uri="{FF2B5EF4-FFF2-40B4-BE49-F238E27FC236}">
-                <a16:creationId xmlns="" xmlns:a16="http://schemas.microsoft.com/office/drawing/2014/main" id="{C96E8235-BAEE-4EE4-A18E-07CCB26E717A}"/>
+                <a16:creationId xmlns="" xmlns:a16="http://schemas.microsoft.com/office/drawing/2014/main" id="{86301BD6-C550-44DF-859F-ECB04CCCE069}"/>
               </a:ext>
             </a:extLst>
           </p:cNvPr>
@@ -9269,18 +9157,19 @@
                 </a:solidFill>
                 <a:latin typeface="Segoe UI Black" panose="020B0A02040204020203" pitchFamily="34" charset="0"/>
                 <a:ea typeface="Segoe UI Black" panose="020B0A02040204020203" pitchFamily="34" charset="0"/>
+                <a:cs typeface="Segoe UI" panose="020B0502040204020203" pitchFamily="34" charset="0"/>
               </a:rPr>
-              <a:t>Conclusão</a:t>
-            </a:r>
-          </a:p>
-        </p:txBody>
-      </p:sp>
-      <p:sp>
-        <p:nvSpPr>
-          <p:cNvPr id="16" name="CaixaDeTexto 15">
+              <a:t>O Código</a:t>
+            </a:r>
+          </a:p>
+        </p:txBody>
+      </p:sp>
+      <p:sp>
+        <p:nvSpPr>
+          <p:cNvPr id="9" name="CaixaDeTexto 8">
             <a:extLst>
               <a:ext uri="{FF2B5EF4-FFF2-40B4-BE49-F238E27FC236}">
-                <a16:creationId xmlns="" xmlns:a16="http://schemas.microsoft.com/office/drawing/2014/main" id="{617E30F2-36C1-4F39-A611-677E47BE2EC2}"/>
+                <a16:creationId xmlns="" xmlns:a16="http://schemas.microsoft.com/office/drawing/2014/main" id="{CCB03EB9-35E4-4BB9-8BD3-734B489CA57B}"/>
               </a:ext>
             </a:extLst>
           </p:cNvPr>
@@ -9289,8 +9178,8 @@
         </p:nvSpPr>
         <p:spPr>
           <a:xfrm>
-            <a:off x="870434" y="2096281"/>
-            <a:ext cx="7514165" cy="2862322"/>
+            <a:off x="3870649" y="5970155"/>
+            <a:ext cx="4450702" cy="276999"/>
           </a:xfrm>
           <a:prstGeom prst="rect">
             <a:avLst/>
@@ -9298,302 +9187,51 @@
           <a:noFill/>
         </p:spPr>
         <p:txBody>
-          <a:bodyPr wrap="square">
+          <a:bodyPr wrap="square" rtlCol="0">
             <a:spAutoFit/>
           </a:bodyPr>
           <a:lstStyle/>
           <a:p>
-            <a:r>
-              <a:rPr lang="pt-BR" dirty="0">
-                <a:solidFill>
-                  <a:srgbClr val="FFFF00"/>
-                </a:solidFill>
-                <a:latin typeface="Segoe UI Semibold" panose="020B0702040204020203" pitchFamily="34" charset="0"/>
-                <a:cs typeface="Segoe UI Semibold" panose="020B0702040204020203" pitchFamily="34" charset="0"/>
-              </a:rPr>
-              <a:t>A solução construída seria útil?</a:t>
-            </a:r>
-          </a:p>
-          <a:p>
-            <a:r>
-              <a:rPr lang="pt-BR" dirty="0" smtClean="0">
+            <a:pPr algn="ctr"/>
+            <a:r>
+              <a:rPr lang="pt-BR" sz="1200" dirty="0">
                 <a:solidFill>
                   <a:schemeClr val="bg1"/>
                 </a:solidFill>
                 <a:latin typeface="Segoe UI" panose="020B0502040204020203" pitchFamily="34" charset="0"/>
                 <a:cs typeface="Segoe UI" panose="020B0502040204020203" pitchFamily="34" charset="0"/>
               </a:rPr>
-              <a:t> Sim </a:t>
-            </a:r>
-            <a:r>
-              <a:rPr lang="pt-BR" dirty="0">
+              <a:t>Geração </a:t>
+            </a:r>
+            <a:r>
+              <a:rPr lang="pt-BR" sz="1200" dirty="0" smtClean="0">
                 <a:solidFill>
                   <a:schemeClr val="bg1"/>
                 </a:solidFill>
                 <a:latin typeface="Segoe UI" panose="020B0502040204020203" pitchFamily="34" charset="0"/>
                 <a:cs typeface="Segoe UI" panose="020B0502040204020203" pitchFamily="34" charset="0"/>
               </a:rPr>
-              <a:t>ou Não, e o porque</a:t>
-            </a:r>
-          </a:p>
-          <a:p>
-            <a:endParaRPr lang="pt-BR" dirty="0">
-              <a:solidFill>
-                <a:schemeClr val="bg1"/>
-              </a:solidFill>
-            </a:endParaRPr>
-          </a:p>
-          <a:p>
-            <a:endParaRPr lang="pt-BR" dirty="0">
-              <a:solidFill>
-                <a:schemeClr val="bg1"/>
-              </a:solidFill>
-            </a:endParaRPr>
-          </a:p>
-          <a:p>
-            <a:r>
-              <a:rPr lang="pt-BR" dirty="0">
-                <a:solidFill>
-                  <a:srgbClr val="FFFF00"/>
-                </a:solidFill>
-                <a:latin typeface="Segoe UI Semibold" panose="020B0702040204020203" pitchFamily="34" charset="0"/>
-                <a:cs typeface="Segoe UI Semibold" panose="020B0702040204020203" pitchFamily="34" charset="0"/>
-              </a:rPr>
-              <a:t>O que falta para conclusão do projeto?</a:t>
-            </a:r>
-          </a:p>
-          <a:p>
-            <a:r>
-              <a:rPr lang="pt-BR" dirty="0" smtClean="0">
+              <a:t>do formulário contendo os  </a:t>
+            </a:r>
+            <a:r>
+              <a:rPr lang="pt-BR" sz="1200" dirty="0">
                 <a:solidFill>
                   <a:schemeClr val="bg1"/>
                 </a:solidFill>
                 <a:latin typeface="Segoe UI" panose="020B0502040204020203" pitchFamily="34" charset="0"/>
                 <a:cs typeface="Segoe UI" panose="020B0502040204020203" pitchFamily="34" charset="0"/>
               </a:rPr>
-              <a:t> Falta </a:t>
-            </a:r>
-            <a:r>
-              <a:rPr lang="pt-BR" dirty="0" smtClean="0">
-                <a:solidFill>
-                  <a:schemeClr val="bg1"/>
-                </a:solidFill>
-                <a:latin typeface="Segoe UI" panose="020B0502040204020203" pitchFamily="34" charset="0"/>
-                <a:cs typeface="Segoe UI" panose="020B0502040204020203" pitchFamily="34" charset="0"/>
-              </a:rPr>
-              <a:t>melhorar o relatório e a</a:t>
-            </a:r>
-            <a:r>
-              <a:rPr lang="pt-BR" dirty="0" smtClean="0">
-                <a:solidFill>
-                  <a:schemeClr val="bg1"/>
-                </a:solidFill>
-                <a:latin typeface="Segoe UI" panose="020B0502040204020203" pitchFamily="34" charset="0"/>
-                <a:cs typeface="Segoe UI" panose="020B0502040204020203" pitchFamily="34" charset="0"/>
-              </a:rPr>
-              <a:t> </a:t>
-            </a:r>
-            <a:r>
-              <a:rPr lang="pt-BR" dirty="0">
-                <a:solidFill>
-                  <a:schemeClr val="bg1"/>
-                </a:solidFill>
-                <a:latin typeface="Segoe UI" panose="020B0502040204020203" pitchFamily="34" charset="0"/>
-                <a:cs typeface="Segoe UI" panose="020B0502040204020203" pitchFamily="34" charset="0"/>
-              </a:rPr>
-              <a:t>integração de </a:t>
-            </a:r>
-            <a:r>
-              <a:rPr lang="pt-BR" dirty="0" err="1">
-                <a:solidFill>
-                  <a:schemeClr val="bg1"/>
-                </a:solidFill>
-                <a:latin typeface="Segoe UI" panose="020B0502040204020203" pitchFamily="34" charset="0"/>
-                <a:cs typeface="Segoe UI" panose="020B0502040204020203" pitchFamily="34" charset="0"/>
-              </a:rPr>
-              <a:t>APIs</a:t>
-            </a:r>
-            <a:r>
-              <a:rPr lang="pt-BR" dirty="0">
-                <a:solidFill>
-                  <a:schemeClr val="bg1"/>
-                </a:solidFill>
-                <a:latin typeface="Segoe UI" panose="020B0502040204020203" pitchFamily="34" charset="0"/>
-                <a:cs typeface="Segoe UI" panose="020B0502040204020203" pitchFamily="34" charset="0"/>
-              </a:rPr>
-              <a:t> </a:t>
-            </a:r>
-            <a:r>
-              <a:rPr lang="pt-BR" dirty="0" smtClean="0">
-                <a:solidFill>
-                  <a:schemeClr val="bg1"/>
-                </a:solidFill>
-                <a:latin typeface="Segoe UI" panose="020B0502040204020203" pitchFamily="34" charset="0"/>
-                <a:cs typeface="Segoe UI" panose="020B0502040204020203" pitchFamily="34" charset="0"/>
-              </a:rPr>
-              <a:t>para o envio de e-mail</a:t>
-            </a:r>
-            <a:r>
-              <a:rPr lang="pt-BR" dirty="0" smtClean="0">
-                <a:solidFill>
-                  <a:schemeClr val="bg1"/>
-                </a:solidFill>
-                <a:latin typeface="Segoe UI" panose="020B0502040204020203" pitchFamily="34" charset="0"/>
-                <a:cs typeface="Segoe UI" panose="020B0502040204020203" pitchFamily="34" charset="0"/>
-              </a:rPr>
-              <a:t>.</a:t>
-            </a:r>
-            <a:endParaRPr lang="pt-BR" dirty="0">
-              <a:solidFill>
-                <a:schemeClr val="bg1"/>
-              </a:solidFill>
-              <a:latin typeface="Segoe UI" panose="020B0502040204020203" pitchFamily="34" charset="0"/>
-              <a:cs typeface="Segoe UI" panose="020B0502040204020203" pitchFamily="34" charset="0"/>
-            </a:endParaRPr>
-          </a:p>
-          <a:p>
-            <a:endParaRPr lang="pt-BR" dirty="0">
-              <a:solidFill>
-                <a:schemeClr val="bg1"/>
-              </a:solidFill>
-            </a:endParaRPr>
-          </a:p>
-          <a:p>
-            <a:endParaRPr lang="pt-BR" dirty="0">
-              <a:solidFill>
-                <a:schemeClr val="bg1"/>
-              </a:solidFill>
-            </a:endParaRPr>
-          </a:p>
-          <a:p>
-            <a:r>
-              <a:rPr lang="pt-BR" dirty="0">
-                <a:solidFill>
-                  <a:srgbClr val="FFFF00"/>
-                </a:solidFill>
-                <a:latin typeface="Segoe UI Semibold" panose="020B0702040204020203" pitchFamily="34" charset="0"/>
-                <a:cs typeface="Segoe UI Semibold" panose="020B0702040204020203" pitchFamily="34" charset="0"/>
-              </a:rPr>
-              <a:t>Quais conhecimentos </a:t>
-            </a:r>
-            <a:r>
-              <a:rPr lang="pt-BR" dirty="0" smtClean="0">
-                <a:solidFill>
-                  <a:srgbClr val="FFFF00"/>
-                </a:solidFill>
-                <a:latin typeface="Segoe UI Semibold" panose="020B0702040204020203" pitchFamily="34" charset="0"/>
-                <a:cs typeface="Segoe UI Semibold" panose="020B0702040204020203" pitchFamily="34" charset="0"/>
-              </a:rPr>
-              <a:t>adquiridos </a:t>
-            </a:r>
-            <a:r>
-              <a:rPr lang="pt-BR" dirty="0">
-                <a:solidFill>
-                  <a:srgbClr val="FFFF00"/>
-                </a:solidFill>
-                <a:latin typeface="Segoe UI Semibold" panose="020B0702040204020203" pitchFamily="34" charset="0"/>
-                <a:cs typeface="Segoe UI Semibold" panose="020B0702040204020203" pitchFamily="34" charset="0"/>
-              </a:rPr>
-              <a:t>durante a </a:t>
-            </a:r>
-            <a:r>
-              <a:rPr lang="pt-BR" dirty="0" smtClean="0">
-                <a:solidFill>
-                  <a:srgbClr val="FFFF00"/>
-                </a:solidFill>
-                <a:latin typeface="Segoe UI Semibold" panose="020B0702040204020203" pitchFamily="34" charset="0"/>
-                <a:cs typeface="Segoe UI Semibold" panose="020B0702040204020203" pitchFamily="34" charset="0"/>
-              </a:rPr>
-              <a:t>construção </a:t>
-            </a:r>
-            <a:r>
-              <a:rPr lang="pt-BR" dirty="0">
-                <a:solidFill>
-                  <a:srgbClr val="FFFF00"/>
-                </a:solidFill>
-                <a:latin typeface="Segoe UI Semibold" panose="020B0702040204020203" pitchFamily="34" charset="0"/>
-                <a:cs typeface="Segoe UI Semibold" panose="020B0702040204020203" pitchFamily="34" charset="0"/>
-              </a:rPr>
-              <a:t>do projeto</a:t>
-            </a:r>
-            <a:r>
-              <a:rPr lang="pt-BR" dirty="0" smtClean="0">
-                <a:solidFill>
-                  <a:srgbClr val="FFFF00"/>
-                </a:solidFill>
-                <a:latin typeface="Segoe UI Semibold" panose="020B0702040204020203" pitchFamily="34" charset="0"/>
-                <a:cs typeface="Segoe UI Semibold" panose="020B0702040204020203" pitchFamily="34" charset="0"/>
-              </a:rPr>
-              <a:t>?</a:t>
-            </a:r>
-          </a:p>
-          <a:p>
-            <a:r>
-              <a:rPr lang="pt-BR" dirty="0">
-                <a:solidFill>
-                  <a:schemeClr val="bg1"/>
-                </a:solidFill>
-                <a:latin typeface="Segoe UI" panose="020B0502040204020203" pitchFamily="34" charset="0"/>
-                <a:cs typeface="Segoe UI" panose="020B0502040204020203" pitchFamily="34" charset="0"/>
-              </a:rPr>
-              <a:t> </a:t>
-            </a:r>
-            <a:r>
-              <a:rPr lang="pt-BR" dirty="0" smtClean="0">
-                <a:solidFill>
-                  <a:schemeClr val="bg1"/>
-                </a:solidFill>
-                <a:latin typeface="Segoe UI" panose="020B0502040204020203" pitchFamily="34" charset="0"/>
-                <a:cs typeface="Segoe UI" panose="020B0502040204020203" pitchFamily="34" charset="0"/>
-              </a:rPr>
-              <a:t>API, </a:t>
-            </a:r>
-            <a:r>
-              <a:rPr lang="pt-BR" dirty="0" err="1">
-                <a:solidFill>
-                  <a:schemeClr val="bg1"/>
-                </a:solidFill>
-                <a:latin typeface="Segoe UI" panose="020B0502040204020203" pitchFamily="34" charset="0"/>
-                <a:cs typeface="Segoe UI" panose="020B0502040204020203" pitchFamily="34" charset="0"/>
-              </a:rPr>
-              <a:t>R</a:t>
-            </a:r>
-            <a:r>
-              <a:rPr lang="pt-BR" dirty="0" err="1" smtClean="0">
-                <a:solidFill>
-                  <a:schemeClr val="bg1"/>
-                </a:solidFill>
-                <a:latin typeface="Segoe UI" panose="020B0502040204020203" pitchFamily="34" charset="0"/>
-                <a:cs typeface="Segoe UI" panose="020B0502040204020203" pitchFamily="34" charset="0"/>
-              </a:rPr>
-              <a:t>ed</a:t>
-            </a:r>
-            <a:r>
-              <a:rPr lang="pt-BR" dirty="0" smtClean="0">
-                <a:solidFill>
-                  <a:schemeClr val="bg1"/>
-                </a:solidFill>
-                <a:latin typeface="Segoe UI" panose="020B0502040204020203" pitchFamily="34" charset="0"/>
-                <a:cs typeface="Segoe UI" panose="020B0502040204020203" pitchFamily="34" charset="0"/>
-              </a:rPr>
-              <a:t> Studio, SMTP, Bibliotecas do C++</a:t>
-            </a:r>
-            <a:endParaRPr lang="pt-BR" dirty="0">
-              <a:solidFill>
-                <a:schemeClr val="bg1"/>
-              </a:solidFill>
-              <a:latin typeface="Segoe UI" panose="020B0502040204020203" pitchFamily="34" charset="0"/>
-              <a:cs typeface="Segoe UI" panose="020B0502040204020203" pitchFamily="34" charset="0"/>
-            </a:endParaRPr>
+              <a:t>resultados</a:t>
+            </a:r>
           </a:p>
         </p:txBody>
       </p:sp>
       <p:cxnSp>
         <p:nvCxnSpPr>
-          <p:cNvPr id="5" name="Conector reto 4">
+          <p:cNvPr id="8" name="Conector reto 7">
             <a:extLst>
               <a:ext uri="{FF2B5EF4-FFF2-40B4-BE49-F238E27FC236}">
-                <a16:creationId xmlns="" xmlns:a16="http://schemas.microsoft.com/office/drawing/2014/main" id="{BF050101-D950-4FE7-B3D0-8D08B22BCEF9}"/>
+                <a16:creationId xmlns="" xmlns:a16="http://schemas.microsoft.com/office/drawing/2014/main" id="{BD7BA598-4BF2-4009-9227-AA61BDE87328}"/>
               </a:ext>
             </a:extLst>
           </p:cNvPr>
@@ -9605,7 +9243,7 @@
         <p:spPr>
           <a:xfrm>
             <a:off x="618978" y="1175840"/>
-            <a:ext cx="0" cy="5275761"/>
+            <a:ext cx="2" cy="5682160"/>
           </a:xfrm>
           <a:prstGeom prst="line">
             <a:avLst/>
@@ -9633,10 +9271,10 @@
       </p:cxnSp>
       <p:cxnSp>
         <p:nvCxnSpPr>
-          <p:cNvPr id="6" name="Conector reto 5">
+          <p:cNvPr id="11" name="Conector reto 10">
             <a:extLst>
               <a:ext uri="{FF2B5EF4-FFF2-40B4-BE49-F238E27FC236}">
-                <a16:creationId xmlns="" xmlns:a16="http://schemas.microsoft.com/office/drawing/2014/main" id="{CC5D2FD8-28C9-4043-B300-C2F80ABD9332}"/>
+                <a16:creationId xmlns="" xmlns:a16="http://schemas.microsoft.com/office/drawing/2014/main" id="{A12C931A-79EA-488C-994B-48DB5DC8445B}"/>
               </a:ext>
             </a:extLst>
           </p:cNvPr>
@@ -9674,182 +9312,72 @@
           </a:fontRef>
         </p:style>
       </p:cxnSp>
-      <p:cxnSp>
-        <p:nvCxnSpPr>
-          <p:cNvPr id="7" name="Conector reto 6">
+      <p:pic>
+        <p:nvPicPr>
+          <p:cNvPr id="3074" name="Picture 2"/>
+          <p:cNvPicPr>
+            <a:picLocks noChangeAspect="1" noChangeArrowheads="1"/>
+          </p:cNvPicPr>
+          <p:nvPr/>
+        </p:nvPicPr>
+        <p:blipFill rotWithShape="1">
+          <a:blip r:embed="rId2">
             <a:extLst>
-              <a:ext uri="{FF2B5EF4-FFF2-40B4-BE49-F238E27FC236}">
-                <a16:creationId xmlns="" xmlns:a16="http://schemas.microsoft.com/office/drawing/2014/main" id="{930EFE72-E5B4-4CC4-9671-90128DF27EAA}"/>
+              <a:ext uri="{28A0092B-C50C-407E-A947-70E740481C1C}">
+                <a14:useLocalDpi xmlns:a14="http://schemas.microsoft.com/office/drawing/2010/main" val="0"/>
               </a:ext>
             </a:extLst>
-          </p:cNvPr>
-          <p:cNvCxnSpPr>
-            <a:cxnSpLocks/>
-          </p:cNvCxnSpPr>
-          <p:nvPr/>
-        </p:nvCxnSpPr>
-        <p:spPr>
-          <a:xfrm flipH="1">
-            <a:off x="618978" y="2284843"/>
-            <a:ext cx="195332" cy="0"/>
-          </a:xfrm>
-          <a:prstGeom prst="line">
+          </a:blip>
+          <a:srcRect l="15000" t="27526" r="8809" b="10251"/>
+          <a:stretch/>
+        </p:blipFill>
+        <p:spPr bwMode="auto">
+          <a:xfrm>
+            <a:off x="2245205" y="2085390"/>
+            <a:ext cx="8027139" cy="3863060"/>
+          </a:xfrm>
+          <a:prstGeom prst="rect">
             <a:avLst/>
           </a:prstGeom>
-          <a:ln w="12700">
-            <a:solidFill>
-              <a:srgbClr val="E8E100"/>
-            </a:solidFill>
+          <a:noFill/>
+          <a:ln>
+            <a:noFill/>
           </a:ln>
-        </p:spPr>
-        <p:style>
-          <a:lnRef idx="1">
-            <a:schemeClr val="accent1"/>
-          </a:lnRef>
-          <a:fillRef idx="0">
-            <a:schemeClr val="accent1"/>
-          </a:fillRef>
-          <a:effectRef idx="0">
-            <a:schemeClr val="accent1"/>
-          </a:effectRef>
-          <a:fontRef idx="minor">
-            <a:schemeClr val="tx1"/>
-          </a:fontRef>
-        </p:style>
-      </p:cxnSp>
-      <p:cxnSp>
-        <p:nvCxnSpPr>
-          <p:cNvPr id="8" name="Conector reto 7">
-            <a:extLst>
-              <a:ext uri="{FF2B5EF4-FFF2-40B4-BE49-F238E27FC236}">
-                <a16:creationId xmlns="" xmlns:a16="http://schemas.microsoft.com/office/drawing/2014/main" id="{B85D4417-64E7-4C21-8E6D-239A64E5A2F9}"/>
-              </a:ext>
-            </a:extLst>
-          </p:cNvPr>
-          <p:cNvCxnSpPr>
-            <a:cxnSpLocks/>
-          </p:cNvCxnSpPr>
-          <p:nvPr/>
-        </p:nvCxnSpPr>
-        <p:spPr>
-          <a:xfrm flipH="1">
-            <a:off x="616632" y="3379773"/>
-            <a:ext cx="195332" cy="0"/>
-          </a:xfrm>
-          <a:prstGeom prst="line">
-            <a:avLst/>
-          </a:prstGeom>
-          <a:ln w="12700">
-            <a:solidFill>
-              <a:srgbClr val="E8E100"/>
-            </a:solidFill>
-          </a:ln>
-        </p:spPr>
-        <p:style>
-          <a:lnRef idx="1">
-            <a:schemeClr val="accent1"/>
-          </a:lnRef>
-          <a:fillRef idx="0">
-            <a:schemeClr val="accent1"/>
-          </a:fillRef>
-          <a:effectRef idx="0">
-            <a:schemeClr val="accent1"/>
-          </a:effectRef>
-          <a:fontRef idx="minor">
-            <a:schemeClr val="tx1"/>
-          </a:fontRef>
-        </p:style>
-      </p:cxnSp>
-      <p:cxnSp>
-        <p:nvCxnSpPr>
-          <p:cNvPr id="9" name="Conector reto 8">
-            <a:extLst>
-              <a:ext uri="{FF2B5EF4-FFF2-40B4-BE49-F238E27FC236}">
-                <a16:creationId xmlns="" xmlns:a16="http://schemas.microsoft.com/office/drawing/2014/main" id="{769AFE58-7900-4FDC-B4B8-34CB6ABA3AA8}"/>
-              </a:ext>
-            </a:extLst>
-          </p:cNvPr>
-          <p:cNvCxnSpPr>
-            <a:cxnSpLocks/>
-          </p:cNvCxnSpPr>
-          <p:nvPr/>
-        </p:nvCxnSpPr>
-        <p:spPr>
-          <a:xfrm flipH="1">
-            <a:off x="615822" y="4742006"/>
-            <a:ext cx="195332" cy="0"/>
-          </a:xfrm>
-          <a:prstGeom prst="line">
-            <a:avLst/>
-          </a:prstGeom>
-          <a:ln w="12700">
-            <a:solidFill>
-              <a:srgbClr val="E8E100"/>
-            </a:solidFill>
-          </a:ln>
-        </p:spPr>
-        <p:style>
-          <a:lnRef idx="1">
-            <a:schemeClr val="accent1"/>
-          </a:lnRef>
-          <a:fillRef idx="0">
-            <a:schemeClr val="accent1"/>
-          </a:fillRef>
-          <a:effectRef idx="0">
-            <a:schemeClr val="accent1"/>
-          </a:effectRef>
-          <a:fontRef idx="minor">
-            <a:schemeClr val="tx1"/>
-          </a:fontRef>
-        </p:style>
-      </p:cxnSp>
-      <p:cxnSp>
-        <p:nvCxnSpPr>
-          <p:cNvPr id="11" name="Conector reto 10">
-            <a:extLst>
-              <a:ext uri="{FF2B5EF4-FFF2-40B4-BE49-F238E27FC236}">
-                <a16:creationId xmlns="" xmlns:a16="http://schemas.microsoft.com/office/drawing/2014/main" id="{BDFA2A2D-40DB-46ED-9B3E-1FFE4D65941E}"/>
-              </a:ext>
-            </a:extLst>
-          </p:cNvPr>
-          <p:cNvCxnSpPr>
-            <a:cxnSpLocks/>
-          </p:cNvCxnSpPr>
-          <p:nvPr/>
-        </p:nvCxnSpPr>
-        <p:spPr>
-          <a:xfrm flipH="1">
-            <a:off x="618980" y="6451601"/>
-            <a:ext cx="1069143" cy="0"/>
-          </a:xfrm>
-          <a:prstGeom prst="line">
-            <a:avLst/>
-          </a:prstGeom>
-          <a:ln w="12700">
-            <a:solidFill>
-              <a:srgbClr val="E8E100"/>
-            </a:solidFill>
-          </a:ln>
-        </p:spPr>
-        <p:style>
-          <a:lnRef idx="1">
-            <a:schemeClr val="accent1"/>
-          </a:lnRef>
-          <a:fillRef idx="0">
-            <a:schemeClr val="accent1"/>
-          </a:fillRef>
-          <a:effectRef idx="0">
-            <a:schemeClr val="accent1"/>
-          </a:effectRef>
-          <a:fontRef idx="minor">
-            <a:schemeClr val="tx1"/>
-          </a:fontRef>
-        </p:style>
-      </p:cxnSp>
+          <a:effectLst/>
+          <a:extLst>
+            <a:ext uri="{909E8E84-426E-40DD-AFC4-6F175D3DCCD1}">
+              <a14:hiddenFill xmlns:a14="http://schemas.microsoft.com/office/drawing/2010/main">
+                <a:solidFill>
+                  <a:schemeClr val="accent1"/>
+                </a:solidFill>
+              </a14:hiddenFill>
+            </a:ext>
+            <a:ext uri="{91240B29-F687-4F45-9708-019B960494DF}">
+              <a14:hiddenLine xmlns:a14="http://schemas.microsoft.com/office/drawing/2010/main" w="9525">
+                <a:solidFill>
+                  <a:schemeClr val="tx1"/>
+                </a:solidFill>
+                <a:miter lim="800000"/>
+                <a:headEnd/>
+                <a:tailEnd/>
+              </a14:hiddenLine>
+            </a:ext>
+            <a:ext uri="{AF507438-7753-43E0-B8FC-AC1667EBCBE1}">
+              <a14:hiddenEffects xmlns:a14="http://schemas.microsoft.com/office/drawing/2010/main">
+                <a:effectLst>
+                  <a:outerShdw dist="35921" dir="2700000" algn="ctr" rotWithShape="0">
+                    <a:schemeClr val="bg2"/>
+                  </a:outerShdw>
+                </a:effectLst>
+              </a14:hiddenEffects>
+            </a:ext>
+          </a:extLst>
+        </p:spPr>
+      </p:pic>
     </p:spTree>
     <p:extLst>
       <p:ext uri="{BB962C8B-B14F-4D97-AF65-F5344CB8AC3E}">
-        <p14:creationId xmlns:p14="http://schemas.microsoft.com/office/powerpoint/2010/main" val="4459555"/>
+        <p14:creationId xmlns:p14="http://schemas.microsoft.com/office/powerpoint/2010/main" val="255042538"/>
       </p:ext>
     </p:extLst>
   </p:cSld>
